--- a/Documentation/DiagramMaker2.pptx
+++ b/Documentation/DiagramMaker2.pptx
@@ -268,7 +268,7 @@
           <a:p>
             <a:fld id="{F07C20CE-7E6E-46AA-9B32-76D88BCAE5C9}" type="datetimeFigureOut">
               <a:rPr lang="en-PH" smtClean="0"/>
-              <a:t>9/2/2016</a:t>
+              <a:t>02/09/2016</a:t>
             </a:fld>
             <a:endParaRPr lang="en-PH"/>
           </a:p>
@@ -438,7 +438,7 @@
           <a:p>
             <a:fld id="{F07C20CE-7E6E-46AA-9B32-76D88BCAE5C9}" type="datetimeFigureOut">
               <a:rPr lang="en-PH" smtClean="0"/>
-              <a:t>9/2/2016</a:t>
+              <a:t>02/09/2016</a:t>
             </a:fld>
             <a:endParaRPr lang="en-PH"/>
           </a:p>
@@ -618,7 +618,7 @@
           <a:p>
             <a:fld id="{F07C20CE-7E6E-46AA-9B32-76D88BCAE5C9}" type="datetimeFigureOut">
               <a:rPr lang="en-PH" smtClean="0"/>
-              <a:t>9/2/2016</a:t>
+              <a:t>02/09/2016</a:t>
             </a:fld>
             <a:endParaRPr lang="en-PH"/>
           </a:p>
@@ -788,7 +788,7 @@
           <a:p>
             <a:fld id="{F07C20CE-7E6E-46AA-9B32-76D88BCAE5C9}" type="datetimeFigureOut">
               <a:rPr lang="en-PH" smtClean="0"/>
-              <a:t>9/2/2016</a:t>
+              <a:t>02/09/2016</a:t>
             </a:fld>
             <a:endParaRPr lang="en-PH"/>
           </a:p>
@@ -1034,7 +1034,7 @@
           <a:p>
             <a:fld id="{F07C20CE-7E6E-46AA-9B32-76D88BCAE5C9}" type="datetimeFigureOut">
               <a:rPr lang="en-PH" smtClean="0"/>
-              <a:t>9/2/2016</a:t>
+              <a:t>02/09/2016</a:t>
             </a:fld>
             <a:endParaRPr lang="en-PH"/>
           </a:p>
@@ -1266,7 +1266,7 @@
           <a:p>
             <a:fld id="{F07C20CE-7E6E-46AA-9B32-76D88BCAE5C9}" type="datetimeFigureOut">
               <a:rPr lang="en-PH" smtClean="0"/>
-              <a:t>9/2/2016</a:t>
+              <a:t>02/09/2016</a:t>
             </a:fld>
             <a:endParaRPr lang="en-PH"/>
           </a:p>
@@ -1633,7 +1633,7 @@
           <a:p>
             <a:fld id="{F07C20CE-7E6E-46AA-9B32-76D88BCAE5C9}" type="datetimeFigureOut">
               <a:rPr lang="en-PH" smtClean="0"/>
-              <a:t>9/2/2016</a:t>
+              <a:t>02/09/2016</a:t>
             </a:fld>
             <a:endParaRPr lang="en-PH"/>
           </a:p>
@@ -1751,7 +1751,7 @@
           <a:p>
             <a:fld id="{F07C20CE-7E6E-46AA-9B32-76D88BCAE5C9}" type="datetimeFigureOut">
               <a:rPr lang="en-PH" smtClean="0"/>
-              <a:t>9/2/2016</a:t>
+              <a:t>02/09/2016</a:t>
             </a:fld>
             <a:endParaRPr lang="en-PH"/>
           </a:p>
@@ -1846,7 +1846,7 @@
           <a:p>
             <a:fld id="{F07C20CE-7E6E-46AA-9B32-76D88BCAE5C9}" type="datetimeFigureOut">
               <a:rPr lang="en-PH" smtClean="0"/>
-              <a:t>9/2/2016</a:t>
+              <a:t>02/09/2016</a:t>
             </a:fld>
             <a:endParaRPr lang="en-PH"/>
           </a:p>
@@ -2123,7 +2123,7 @@
           <a:p>
             <a:fld id="{F07C20CE-7E6E-46AA-9B32-76D88BCAE5C9}" type="datetimeFigureOut">
               <a:rPr lang="en-PH" smtClean="0"/>
-              <a:t>9/2/2016</a:t>
+              <a:t>02/09/2016</a:t>
             </a:fld>
             <a:endParaRPr lang="en-PH"/>
           </a:p>
@@ -2376,7 +2376,7 @@
           <a:p>
             <a:fld id="{F07C20CE-7E6E-46AA-9B32-76D88BCAE5C9}" type="datetimeFigureOut">
               <a:rPr lang="en-PH" smtClean="0"/>
-              <a:t>9/2/2016</a:t>
+              <a:t>02/09/2016</a:t>
             </a:fld>
             <a:endParaRPr lang="en-PH"/>
           </a:p>
@@ -2589,7 +2589,7 @@
           <a:p>
             <a:fld id="{F07C20CE-7E6E-46AA-9B32-76D88BCAE5C9}" type="datetimeFigureOut">
               <a:rPr lang="en-PH" smtClean="0"/>
-              <a:t>9/2/2016</a:t>
+              <a:t>02/09/2016</a:t>
             </a:fld>
             <a:endParaRPr lang="en-PH"/>
           </a:p>
@@ -3033,7 +3033,7 @@
         </p:nvGraphicFramePr>
         <p:xfrm>
           <a:off x="2116455" y="1578642"/>
-          <a:ext cx="7367180" cy="2933042"/>
+          <a:ext cx="7367180" cy="2901918"/>
         </p:xfrm>
         <a:graphic>
           <a:graphicData uri="http://schemas.openxmlformats.org/drawingml/2006/table">
@@ -7434,47 +7434,47 @@
       </p:pic>
       <p:graphicFrame>
         <p:nvGraphicFramePr>
-          <p:cNvPr id="3" name="Table 2"/>
+          <p:cNvPr id="5" name="Table 4"/>
           <p:cNvGraphicFramePr>
             <a:graphicFrameLocks noGrp="1"/>
           </p:cNvGraphicFramePr>
           <p:nvPr>
             <p:extLst>
               <p:ext uri="{D42A27DB-BD31-4B8C-83A1-F6EECF244321}">
-                <p14:modId xmlns:p14="http://schemas.microsoft.com/office/powerpoint/2010/main" val="413010935"/>
+                <p14:modId xmlns:p14="http://schemas.microsoft.com/office/powerpoint/2010/main" val="2018751463"/>
               </p:ext>
             </p:extLst>
           </p:nvPr>
         </p:nvGraphicFramePr>
         <p:xfrm>
-          <a:off x="1672062" y="1721782"/>
-          <a:ext cx="5937250" cy="3946529"/>
+          <a:off x="2027445" y="1876218"/>
+          <a:ext cx="5937250" cy="3904299"/>
         </p:xfrm>
         <a:graphic>
           <a:graphicData uri="http://schemas.openxmlformats.org/drawingml/2006/table">
             <a:tbl>
               <a:tblPr firstRow="1" firstCol="1" bandRow="1">
-                <a:tableStyleId>{21E4AEA4-8DFA-4A89-87EB-49C32662AFE0}</a:tableStyleId>
+                <a:tableStyleId>{5C22544A-7EE6-4342-B048-85BDC9FD1C3A}</a:tableStyleId>
               </a:tblPr>
               <a:tblGrid>
                 <a:gridCol w="1347470">
                   <a:extLst>
                     <a:ext uri="{9D8B030D-6E8A-4147-A177-3AD203B41FA5}">
-                      <a16:colId xmlns:a16="http://schemas.microsoft.com/office/drawing/2014/main" val="196229173"/>
+                      <a16:colId xmlns:a16="http://schemas.microsoft.com/office/drawing/2014/main" val="3811248058"/>
                     </a:ext>
                   </a:extLst>
                 </a:gridCol>
                 <a:gridCol w="2124075">
                   <a:extLst>
                     <a:ext uri="{9D8B030D-6E8A-4147-A177-3AD203B41FA5}">
-                      <a16:colId xmlns:a16="http://schemas.microsoft.com/office/drawing/2014/main" val="3370392305"/>
+                      <a16:colId xmlns:a16="http://schemas.microsoft.com/office/drawing/2014/main" val="2575968790"/>
                     </a:ext>
                   </a:extLst>
                 </a:gridCol>
                 <a:gridCol w="2465705">
                   <a:extLst>
                     <a:ext uri="{9D8B030D-6E8A-4147-A177-3AD203B41FA5}">
-                      <a16:colId xmlns:a16="http://schemas.microsoft.com/office/drawing/2014/main" val="3529193184"/>
+                      <a16:colId xmlns:a16="http://schemas.microsoft.com/office/drawing/2014/main" val="3354798580"/>
                     </a:ext>
                   </a:extLst>
                 </a:gridCol>
@@ -7523,22 +7523,923 @@
                         </a:spcAft>
                       </a:pPr>
                       <a:r>
+                        <a:rPr lang="en-PH" sz="1100">
+                          <a:effectLst/>
+                        </a:rPr>
+                        <a:t>Send encrypted data</a:t>
+                      </a:r>
+                      <a:endParaRPr lang="en-PH" sz="1100">
+                        <a:effectLst/>
+                        <a:latin typeface="Calibri" panose="020F0502020204030204" pitchFamily="34" charset="0"/>
+                        <a:ea typeface="Calibri" panose="020F0502020204030204" pitchFamily="34" charset="0"/>
+                        <a:cs typeface="Times New Roman" panose="02020603050405020304" pitchFamily="18" charset="0"/>
+                      </a:endParaRPr>
+                    </a:p>
+                  </a:txBody>
+                  <a:tcPr marL="68580" marR="68580" marT="0" marB="0"/>
+                </a:tc>
+                <a:tc hMerge="1">
+                  <a:txBody>
+                    <a:bodyPr/>
+                    <a:lstStyle/>
+                    <a:p>
+                      <a:endParaRPr lang="en-PH"/>
+                    </a:p>
+                  </a:txBody>
+                  <a:tcPr/>
+                </a:tc>
+                <a:extLst>
+                  <a:ext uri="{0D108BD9-81ED-4DB2-BD59-A6C34878D82A}">
+                    <a16:rowId xmlns:a16="http://schemas.microsoft.com/office/drawing/2014/main" val="842708311"/>
+                  </a:ext>
+                </a:extLst>
+              </a:tr>
+              <a:tr h="0">
+                <a:tc>
+                  <a:txBody>
+                    <a:bodyPr/>
+                    <a:lstStyle/>
+                    <a:p>
+                      <a:pPr>
+                        <a:lnSpc>
+                          <a:spcPct val="107000"/>
+                        </a:lnSpc>
+                        <a:spcAft>
+                          <a:spcPts val="0"/>
+                        </a:spcAft>
+                      </a:pPr>
+                      <a:r>
+                        <a:rPr lang="en-PH" sz="1100">
+                          <a:effectLst/>
+                        </a:rPr>
+                        <a:t>Scenario:</a:t>
+                      </a:r>
+                      <a:endParaRPr lang="en-PH" sz="1100">
+                        <a:effectLst/>
+                        <a:latin typeface="Calibri" panose="020F0502020204030204" pitchFamily="34" charset="0"/>
+                        <a:ea typeface="Calibri" panose="020F0502020204030204" pitchFamily="34" charset="0"/>
+                        <a:cs typeface="Times New Roman" panose="02020603050405020304" pitchFamily="18" charset="0"/>
+                      </a:endParaRPr>
+                    </a:p>
+                  </a:txBody>
+                  <a:tcPr marL="68580" marR="68580" marT="0" marB="0"/>
+                </a:tc>
+                <a:tc gridSpan="2">
+                  <a:txBody>
+                    <a:bodyPr/>
+                    <a:lstStyle/>
+                    <a:p>
+                      <a:pPr>
+                        <a:lnSpc>
+                          <a:spcPct val="107000"/>
+                        </a:lnSpc>
+                        <a:spcAft>
+                          <a:spcPts val="0"/>
+                        </a:spcAft>
+                      </a:pPr>
+                      <a:r>
+                        <a:rPr lang="en-PH" sz="1100">
+                          <a:effectLst/>
+                        </a:rPr>
+                        <a:t>CCS, Central Server and Transparency Server sends encrypted data to VCM using the VCM’s public key</a:t>
+                      </a:r>
+                      <a:endParaRPr lang="en-PH" sz="1100">
+                        <a:effectLst/>
+                        <a:latin typeface="Calibri" panose="020F0502020204030204" pitchFamily="34" charset="0"/>
+                        <a:ea typeface="Calibri" panose="020F0502020204030204" pitchFamily="34" charset="0"/>
+                        <a:cs typeface="Times New Roman" panose="02020603050405020304" pitchFamily="18" charset="0"/>
+                      </a:endParaRPr>
+                    </a:p>
+                  </a:txBody>
+                  <a:tcPr marL="68580" marR="68580" marT="0" marB="0"/>
+                </a:tc>
+                <a:tc hMerge="1">
+                  <a:txBody>
+                    <a:bodyPr/>
+                    <a:lstStyle/>
+                    <a:p>
+                      <a:endParaRPr lang="en-PH"/>
+                    </a:p>
+                  </a:txBody>
+                  <a:tcPr/>
+                </a:tc>
+                <a:extLst>
+                  <a:ext uri="{0D108BD9-81ED-4DB2-BD59-A6C34878D82A}">
+                    <a16:rowId xmlns:a16="http://schemas.microsoft.com/office/drawing/2014/main" val="1778977220"/>
+                  </a:ext>
+                </a:extLst>
+              </a:tr>
+              <a:tr h="0">
+                <a:tc>
+                  <a:txBody>
+                    <a:bodyPr/>
+                    <a:lstStyle/>
+                    <a:p>
+                      <a:pPr>
+                        <a:lnSpc>
+                          <a:spcPct val="107000"/>
+                        </a:lnSpc>
+                        <a:spcAft>
+                          <a:spcPts val="0"/>
+                        </a:spcAft>
+                      </a:pPr>
+                      <a:r>
+                        <a:rPr lang="en-PH" sz="1100">
+                          <a:effectLst/>
+                        </a:rPr>
+                        <a:t>Triggering Event:</a:t>
+                      </a:r>
+                      <a:endParaRPr lang="en-PH" sz="1100">
+                        <a:effectLst/>
+                        <a:latin typeface="Calibri" panose="020F0502020204030204" pitchFamily="34" charset="0"/>
+                        <a:ea typeface="Calibri" panose="020F0502020204030204" pitchFamily="34" charset="0"/>
+                        <a:cs typeface="Times New Roman" panose="02020603050405020304" pitchFamily="18" charset="0"/>
+                      </a:endParaRPr>
+                    </a:p>
+                  </a:txBody>
+                  <a:tcPr marL="68580" marR="68580" marT="0" marB="0"/>
+                </a:tc>
+                <a:tc gridSpan="2">
+                  <a:txBody>
+                    <a:bodyPr/>
+                    <a:lstStyle/>
+                    <a:p>
+                      <a:pPr>
+                        <a:lnSpc>
+                          <a:spcPct val="107000"/>
+                        </a:lnSpc>
+                        <a:spcAft>
+                          <a:spcPts val="0"/>
+                        </a:spcAft>
+                      </a:pPr>
+                      <a:r>
+                        <a:rPr lang="en-PH" sz="1100">
+                          <a:effectLst/>
+                        </a:rPr>
+                        <a:t>End of voting period</a:t>
+                      </a:r>
+                      <a:endParaRPr lang="en-PH" sz="1100">
+                        <a:effectLst/>
+                        <a:latin typeface="Calibri" panose="020F0502020204030204" pitchFamily="34" charset="0"/>
+                        <a:ea typeface="Calibri" panose="020F0502020204030204" pitchFamily="34" charset="0"/>
+                        <a:cs typeface="Times New Roman" panose="02020603050405020304" pitchFamily="18" charset="0"/>
+                      </a:endParaRPr>
+                    </a:p>
+                  </a:txBody>
+                  <a:tcPr marL="68580" marR="68580" marT="0" marB="0"/>
+                </a:tc>
+                <a:tc hMerge="1">
+                  <a:txBody>
+                    <a:bodyPr/>
+                    <a:lstStyle/>
+                    <a:p>
+                      <a:endParaRPr lang="en-PH"/>
+                    </a:p>
+                  </a:txBody>
+                  <a:tcPr/>
+                </a:tc>
+                <a:extLst>
+                  <a:ext uri="{0D108BD9-81ED-4DB2-BD59-A6C34878D82A}">
+                    <a16:rowId xmlns:a16="http://schemas.microsoft.com/office/drawing/2014/main" val="301556792"/>
+                  </a:ext>
+                </a:extLst>
+              </a:tr>
+              <a:tr h="0">
+                <a:tc>
+                  <a:txBody>
+                    <a:bodyPr/>
+                    <a:lstStyle/>
+                    <a:p>
+                      <a:pPr>
+                        <a:lnSpc>
+                          <a:spcPct val="107000"/>
+                        </a:lnSpc>
+                        <a:spcAft>
+                          <a:spcPts val="0"/>
+                        </a:spcAft>
+                      </a:pPr>
+                      <a:r>
+                        <a:rPr lang="en-PH" sz="1100">
+                          <a:effectLst/>
+                        </a:rPr>
+                        <a:t>Brief Description:</a:t>
+                      </a:r>
+                      <a:endParaRPr lang="en-PH" sz="1100">
+                        <a:effectLst/>
+                        <a:latin typeface="Calibri" panose="020F0502020204030204" pitchFamily="34" charset="0"/>
+                        <a:ea typeface="Calibri" panose="020F0502020204030204" pitchFamily="34" charset="0"/>
+                        <a:cs typeface="Times New Roman" panose="02020603050405020304" pitchFamily="18" charset="0"/>
+                      </a:endParaRPr>
+                    </a:p>
+                  </a:txBody>
+                  <a:tcPr marL="68580" marR="68580" marT="0" marB="0"/>
+                </a:tc>
+                <a:tc gridSpan="2">
+                  <a:txBody>
+                    <a:bodyPr/>
+                    <a:lstStyle/>
+                    <a:p>
+                      <a:pPr>
+                        <a:lnSpc>
+                          <a:spcPct val="107000"/>
+                        </a:lnSpc>
+                        <a:spcAft>
+                          <a:spcPts val="0"/>
+                        </a:spcAft>
+                      </a:pPr>
+                      <a:r>
+                        <a:rPr lang="en-PH" sz="1100">
+                          <a:effectLst/>
+                        </a:rPr>
+                        <a:t>The three main servers send a message to the VCM that is encrypted using the VCM’s public key</a:t>
+                      </a:r>
+                      <a:endParaRPr lang="en-PH" sz="1100">
+                        <a:effectLst/>
+                        <a:latin typeface="Calibri" panose="020F0502020204030204" pitchFamily="34" charset="0"/>
+                        <a:ea typeface="Calibri" panose="020F0502020204030204" pitchFamily="34" charset="0"/>
+                        <a:cs typeface="Times New Roman" panose="02020603050405020304" pitchFamily="18" charset="0"/>
+                      </a:endParaRPr>
+                    </a:p>
+                  </a:txBody>
+                  <a:tcPr marL="68580" marR="68580" marT="0" marB="0"/>
+                </a:tc>
+                <a:tc hMerge="1">
+                  <a:txBody>
+                    <a:bodyPr/>
+                    <a:lstStyle/>
+                    <a:p>
+                      <a:endParaRPr lang="en-PH"/>
+                    </a:p>
+                  </a:txBody>
+                  <a:tcPr/>
+                </a:tc>
+                <a:extLst>
+                  <a:ext uri="{0D108BD9-81ED-4DB2-BD59-A6C34878D82A}">
+                    <a16:rowId xmlns:a16="http://schemas.microsoft.com/office/drawing/2014/main" val="2854953161"/>
+                  </a:ext>
+                </a:extLst>
+              </a:tr>
+              <a:tr h="0">
+                <a:tc>
+                  <a:txBody>
+                    <a:bodyPr/>
+                    <a:lstStyle/>
+                    <a:p>
+                      <a:pPr>
+                        <a:lnSpc>
+                          <a:spcPct val="107000"/>
+                        </a:lnSpc>
+                        <a:spcAft>
+                          <a:spcPts val="0"/>
+                        </a:spcAft>
+                      </a:pPr>
+                      <a:r>
+                        <a:rPr lang="en-PH" sz="1100">
+                          <a:effectLst/>
+                        </a:rPr>
+                        <a:t>Actor(s):</a:t>
+                      </a:r>
+                      <a:endParaRPr lang="en-PH" sz="1100">
+                        <a:effectLst/>
+                        <a:latin typeface="Calibri" panose="020F0502020204030204" pitchFamily="34" charset="0"/>
+                        <a:ea typeface="Calibri" panose="020F0502020204030204" pitchFamily="34" charset="0"/>
+                        <a:cs typeface="Times New Roman" panose="02020603050405020304" pitchFamily="18" charset="0"/>
+                      </a:endParaRPr>
+                    </a:p>
+                  </a:txBody>
+                  <a:tcPr marL="68580" marR="68580" marT="0" marB="0"/>
+                </a:tc>
+                <a:tc gridSpan="2">
+                  <a:txBody>
+                    <a:bodyPr/>
+                    <a:lstStyle/>
+                    <a:p>
+                      <a:pPr>
+                        <a:lnSpc>
+                          <a:spcPct val="107000"/>
+                        </a:lnSpc>
+                        <a:spcAft>
+                          <a:spcPts val="0"/>
+                        </a:spcAft>
+                      </a:pPr>
+                      <a:r>
+                        <a:rPr lang="en-PH" sz="1100">
+                          <a:effectLst/>
+                        </a:rPr>
+                        <a:t>VCM, CCS, Central Server, Transparency Server</a:t>
+                      </a:r>
+                      <a:endParaRPr lang="en-PH" sz="1100">
+                        <a:effectLst/>
+                        <a:latin typeface="Calibri" panose="020F0502020204030204" pitchFamily="34" charset="0"/>
+                        <a:ea typeface="Calibri" panose="020F0502020204030204" pitchFamily="34" charset="0"/>
+                        <a:cs typeface="Times New Roman" panose="02020603050405020304" pitchFamily="18" charset="0"/>
+                      </a:endParaRPr>
+                    </a:p>
+                  </a:txBody>
+                  <a:tcPr marL="68580" marR="68580" marT="0" marB="0"/>
+                </a:tc>
+                <a:tc hMerge="1">
+                  <a:txBody>
+                    <a:bodyPr/>
+                    <a:lstStyle/>
+                    <a:p>
+                      <a:endParaRPr lang="en-PH"/>
+                    </a:p>
+                  </a:txBody>
+                  <a:tcPr/>
+                </a:tc>
+                <a:extLst>
+                  <a:ext uri="{0D108BD9-81ED-4DB2-BD59-A6C34878D82A}">
+                    <a16:rowId xmlns:a16="http://schemas.microsoft.com/office/drawing/2014/main" val="3280273727"/>
+                  </a:ext>
+                </a:extLst>
+              </a:tr>
+              <a:tr h="0">
+                <a:tc>
+                  <a:txBody>
+                    <a:bodyPr/>
+                    <a:lstStyle/>
+                    <a:p>
+                      <a:pPr>
+                        <a:lnSpc>
+                          <a:spcPct val="107000"/>
+                        </a:lnSpc>
+                        <a:spcAft>
+                          <a:spcPts val="0"/>
+                        </a:spcAft>
+                      </a:pPr>
+                      <a:r>
+                        <a:rPr lang="en-PH" sz="1100">
+                          <a:effectLst/>
+                        </a:rPr>
+                        <a:t>Related Use Cases:</a:t>
+                      </a:r>
+                      <a:endParaRPr lang="en-PH" sz="1100">
+                        <a:effectLst/>
+                        <a:latin typeface="Calibri" panose="020F0502020204030204" pitchFamily="34" charset="0"/>
+                        <a:ea typeface="Calibri" panose="020F0502020204030204" pitchFamily="34" charset="0"/>
+                        <a:cs typeface="Times New Roman" panose="02020603050405020304" pitchFamily="18" charset="0"/>
+                      </a:endParaRPr>
+                    </a:p>
+                  </a:txBody>
+                  <a:tcPr marL="68580" marR="68580" marT="0" marB="0"/>
+                </a:tc>
+                <a:tc gridSpan="2">
+                  <a:txBody>
+                    <a:bodyPr/>
+                    <a:lstStyle/>
+                    <a:p>
+                      <a:pPr>
+                        <a:lnSpc>
+                          <a:spcPct val="107000"/>
+                        </a:lnSpc>
+                        <a:spcAft>
+                          <a:spcPts val="0"/>
+                        </a:spcAft>
+                      </a:pPr>
+                      <a:r>
+                        <a:rPr lang="en-PH" sz="1100">
+                          <a:effectLst/>
+                        </a:rPr>
+                        <a:t>---</a:t>
+                      </a:r>
+                      <a:endParaRPr lang="en-PH" sz="1100">
+                        <a:effectLst/>
+                        <a:latin typeface="Calibri" panose="020F0502020204030204" pitchFamily="34" charset="0"/>
+                        <a:ea typeface="Calibri" panose="020F0502020204030204" pitchFamily="34" charset="0"/>
+                        <a:cs typeface="Times New Roman" panose="02020603050405020304" pitchFamily="18" charset="0"/>
+                      </a:endParaRPr>
+                    </a:p>
+                  </a:txBody>
+                  <a:tcPr marL="68580" marR="68580" marT="0" marB="0"/>
+                </a:tc>
+                <a:tc hMerge="1">
+                  <a:txBody>
+                    <a:bodyPr/>
+                    <a:lstStyle/>
+                    <a:p>
+                      <a:endParaRPr lang="en-PH"/>
+                    </a:p>
+                  </a:txBody>
+                  <a:tcPr/>
+                </a:tc>
+                <a:extLst>
+                  <a:ext uri="{0D108BD9-81ED-4DB2-BD59-A6C34878D82A}">
+                    <a16:rowId xmlns:a16="http://schemas.microsoft.com/office/drawing/2014/main" val="2954707277"/>
+                  </a:ext>
+                </a:extLst>
+              </a:tr>
+              <a:tr h="0">
+                <a:tc>
+                  <a:txBody>
+                    <a:bodyPr/>
+                    <a:lstStyle/>
+                    <a:p>
+                      <a:pPr>
+                        <a:lnSpc>
+                          <a:spcPct val="107000"/>
+                        </a:lnSpc>
+                        <a:spcAft>
+                          <a:spcPts val="0"/>
+                        </a:spcAft>
+                      </a:pPr>
+                      <a:r>
+                        <a:rPr lang="en-PH" sz="1100">
+                          <a:effectLst/>
+                        </a:rPr>
+                        <a:t>Stakeholders:</a:t>
+                      </a:r>
+                      <a:endParaRPr lang="en-PH" sz="1100">
+                        <a:effectLst/>
+                        <a:latin typeface="Calibri" panose="020F0502020204030204" pitchFamily="34" charset="0"/>
+                        <a:ea typeface="Calibri" panose="020F0502020204030204" pitchFamily="34" charset="0"/>
+                        <a:cs typeface="Times New Roman" panose="02020603050405020304" pitchFamily="18" charset="0"/>
+                      </a:endParaRPr>
+                    </a:p>
+                  </a:txBody>
+                  <a:tcPr marL="68580" marR="68580" marT="0" marB="0"/>
+                </a:tc>
+                <a:tc gridSpan="2">
+                  <a:txBody>
+                    <a:bodyPr/>
+                    <a:lstStyle/>
+                    <a:p>
+                      <a:pPr>
+                        <a:lnSpc>
+                          <a:spcPct val="107000"/>
+                        </a:lnSpc>
+                        <a:spcAft>
+                          <a:spcPts val="0"/>
+                        </a:spcAft>
+                      </a:pPr>
+                      <a:r>
+                        <a:rPr lang="en-PH" sz="1100">
+                          <a:effectLst/>
+                        </a:rPr>
+                        <a:t>The VCM will receive the data sent by the servers</a:t>
+                      </a:r>
+                    </a:p>
+                    <a:p>
+                      <a:pPr>
+                        <a:lnSpc>
+                          <a:spcPct val="107000"/>
+                        </a:lnSpc>
+                        <a:spcAft>
+                          <a:spcPts val="0"/>
+                        </a:spcAft>
+                      </a:pPr>
+                      <a:r>
+                        <a:rPr lang="en-PH" sz="1100">
+                          <a:effectLst/>
+                        </a:rPr>
+                        <a:t>The three servers will have to send the encrypted data </a:t>
+                      </a:r>
+                      <a:endParaRPr lang="en-PH" sz="1100">
+                        <a:effectLst/>
+                        <a:latin typeface="Calibri" panose="020F0502020204030204" pitchFamily="34" charset="0"/>
+                        <a:ea typeface="Calibri" panose="020F0502020204030204" pitchFamily="34" charset="0"/>
+                        <a:cs typeface="Times New Roman" panose="02020603050405020304" pitchFamily="18" charset="0"/>
+                      </a:endParaRPr>
+                    </a:p>
+                  </a:txBody>
+                  <a:tcPr marL="68580" marR="68580" marT="0" marB="0"/>
+                </a:tc>
+                <a:tc hMerge="1">
+                  <a:txBody>
+                    <a:bodyPr/>
+                    <a:lstStyle/>
+                    <a:p>
+                      <a:endParaRPr lang="en-PH"/>
+                    </a:p>
+                  </a:txBody>
+                  <a:tcPr/>
+                </a:tc>
+                <a:extLst>
+                  <a:ext uri="{0D108BD9-81ED-4DB2-BD59-A6C34878D82A}">
+                    <a16:rowId xmlns:a16="http://schemas.microsoft.com/office/drawing/2014/main" val="1389067867"/>
+                  </a:ext>
+                </a:extLst>
+              </a:tr>
+              <a:tr h="0">
+                <a:tc>
+                  <a:txBody>
+                    <a:bodyPr/>
+                    <a:lstStyle/>
+                    <a:p>
+                      <a:pPr>
+                        <a:lnSpc>
+                          <a:spcPct val="107000"/>
+                        </a:lnSpc>
+                        <a:spcAft>
+                          <a:spcPts val="0"/>
+                        </a:spcAft>
+                      </a:pPr>
+                      <a:r>
+                        <a:rPr lang="en-PH" sz="1100">
+                          <a:effectLst/>
+                        </a:rPr>
+                        <a:t>Precondition:</a:t>
+                      </a:r>
+                      <a:endParaRPr lang="en-PH" sz="1100">
+                        <a:effectLst/>
+                        <a:latin typeface="Calibri" panose="020F0502020204030204" pitchFamily="34" charset="0"/>
+                        <a:ea typeface="Calibri" panose="020F0502020204030204" pitchFamily="34" charset="0"/>
+                        <a:cs typeface="Times New Roman" panose="02020603050405020304" pitchFamily="18" charset="0"/>
+                      </a:endParaRPr>
+                    </a:p>
+                  </a:txBody>
+                  <a:tcPr marL="68580" marR="68580" marT="0" marB="0"/>
+                </a:tc>
+                <a:tc gridSpan="2">
+                  <a:txBody>
+                    <a:bodyPr/>
+                    <a:lstStyle/>
+                    <a:p>
+                      <a:pPr>
+                        <a:lnSpc>
+                          <a:spcPct val="107000"/>
+                        </a:lnSpc>
+                        <a:spcAft>
+                          <a:spcPts val="0"/>
+                        </a:spcAft>
+                      </a:pPr>
+                      <a:r>
+                        <a:rPr lang="en-PH" sz="1100">
+                          <a:effectLst/>
+                        </a:rPr>
+                        <a:t>Voting Period closes</a:t>
+                      </a:r>
+                      <a:endParaRPr lang="en-PH" sz="1100">
+                        <a:effectLst/>
+                        <a:latin typeface="Calibri" panose="020F0502020204030204" pitchFamily="34" charset="0"/>
+                        <a:ea typeface="Calibri" panose="020F0502020204030204" pitchFamily="34" charset="0"/>
+                        <a:cs typeface="Times New Roman" panose="02020603050405020304" pitchFamily="18" charset="0"/>
+                      </a:endParaRPr>
+                    </a:p>
+                  </a:txBody>
+                  <a:tcPr marL="68580" marR="68580" marT="0" marB="0"/>
+                </a:tc>
+                <a:tc hMerge="1">
+                  <a:txBody>
+                    <a:bodyPr/>
+                    <a:lstStyle/>
+                    <a:p>
+                      <a:endParaRPr lang="en-PH"/>
+                    </a:p>
+                  </a:txBody>
+                  <a:tcPr/>
+                </a:tc>
+                <a:extLst>
+                  <a:ext uri="{0D108BD9-81ED-4DB2-BD59-A6C34878D82A}">
+                    <a16:rowId xmlns:a16="http://schemas.microsoft.com/office/drawing/2014/main" val="3786687051"/>
+                  </a:ext>
+                </a:extLst>
+              </a:tr>
+              <a:tr h="0">
+                <a:tc>
+                  <a:txBody>
+                    <a:bodyPr/>
+                    <a:lstStyle/>
+                    <a:p>
+                      <a:pPr>
+                        <a:lnSpc>
+                          <a:spcPct val="107000"/>
+                        </a:lnSpc>
+                        <a:spcAft>
+                          <a:spcPts val="0"/>
+                        </a:spcAft>
+                      </a:pPr>
+                      <a:r>
+                        <a:rPr lang="en-PH" sz="1100">
+                          <a:effectLst/>
+                        </a:rPr>
+                        <a:t>Postcondition:</a:t>
+                      </a:r>
+                      <a:endParaRPr lang="en-PH" sz="1100">
+                        <a:effectLst/>
+                        <a:latin typeface="Calibri" panose="020F0502020204030204" pitchFamily="34" charset="0"/>
+                        <a:ea typeface="Calibri" panose="020F0502020204030204" pitchFamily="34" charset="0"/>
+                        <a:cs typeface="Times New Roman" panose="02020603050405020304" pitchFamily="18" charset="0"/>
+                      </a:endParaRPr>
+                    </a:p>
+                  </a:txBody>
+                  <a:tcPr marL="68580" marR="68580" marT="0" marB="0"/>
+                </a:tc>
+                <a:tc gridSpan="2">
+                  <a:txBody>
+                    <a:bodyPr/>
+                    <a:lstStyle/>
+                    <a:p>
+                      <a:pPr>
+                        <a:lnSpc>
+                          <a:spcPct val="107000"/>
+                        </a:lnSpc>
+                        <a:spcAft>
+                          <a:spcPts val="0"/>
+                        </a:spcAft>
+                      </a:pPr>
+                      <a:r>
+                        <a:rPr lang="en-PH" sz="1100">
+                          <a:effectLst/>
+                        </a:rPr>
+                        <a:t>Sent encrypted data</a:t>
+                      </a:r>
+                      <a:endParaRPr lang="en-PH" sz="1100">
+                        <a:effectLst/>
+                        <a:latin typeface="Calibri" panose="020F0502020204030204" pitchFamily="34" charset="0"/>
+                        <a:ea typeface="Calibri" panose="020F0502020204030204" pitchFamily="34" charset="0"/>
+                        <a:cs typeface="Times New Roman" panose="02020603050405020304" pitchFamily="18" charset="0"/>
+                      </a:endParaRPr>
+                    </a:p>
+                  </a:txBody>
+                  <a:tcPr marL="68580" marR="68580" marT="0" marB="0"/>
+                </a:tc>
+                <a:tc hMerge="1">
+                  <a:txBody>
+                    <a:bodyPr/>
+                    <a:lstStyle/>
+                    <a:p>
+                      <a:endParaRPr lang="en-PH"/>
+                    </a:p>
+                  </a:txBody>
+                  <a:tcPr/>
+                </a:tc>
+                <a:extLst>
+                  <a:ext uri="{0D108BD9-81ED-4DB2-BD59-A6C34878D82A}">
+                    <a16:rowId xmlns:a16="http://schemas.microsoft.com/office/drawing/2014/main" val="2337491009"/>
+                  </a:ext>
+                </a:extLst>
+              </a:tr>
+              <a:tr h="1040765">
+                <a:tc>
+                  <a:txBody>
+                    <a:bodyPr/>
+                    <a:lstStyle/>
+                    <a:p>
+                      <a:pPr>
+                        <a:lnSpc>
+                          <a:spcPct val="107000"/>
+                        </a:lnSpc>
+                        <a:spcAft>
+                          <a:spcPts val="0"/>
+                        </a:spcAft>
+                      </a:pPr>
+                      <a:r>
+                        <a:rPr lang="en-PH" sz="1100">
+                          <a:effectLst/>
+                        </a:rPr>
+                        <a:t>Basic Flow:</a:t>
+                      </a:r>
+                      <a:endParaRPr lang="en-PH" sz="1100">
+                        <a:effectLst/>
+                        <a:latin typeface="Calibri" panose="020F0502020204030204" pitchFamily="34" charset="0"/>
+                        <a:ea typeface="Calibri" panose="020F0502020204030204" pitchFamily="34" charset="0"/>
+                        <a:cs typeface="Times New Roman" panose="02020603050405020304" pitchFamily="18" charset="0"/>
+                      </a:endParaRPr>
+                    </a:p>
+                  </a:txBody>
+                  <a:tcPr marL="68580" marR="68580" marT="0" marB="0"/>
+                </a:tc>
+                <a:tc>
+                  <a:txBody>
+                    <a:bodyPr/>
+                    <a:lstStyle/>
+                    <a:p>
+                      <a:pPr>
+                        <a:lnSpc>
+                          <a:spcPct val="107000"/>
+                        </a:lnSpc>
+                        <a:spcAft>
+                          <a:spcPts val="0"/>
+                        </a:spcAft>
+                      </a:pPr>
+                      <a:r>
+                        <a:rPr lang="en-PH" sz="1100">
+                          <a:effectLst/>
+                        </a:rPr>
+                        <a:t>Actor:</a:t>
+                      </a:r>
+                    </a:p>
+                    <a:p>
+                      <a:pPr>
+                        <a:lnSpc>
+                          <a:spcPct val="107000"/>
+                        </a:lnSpc>
+                        <a:spcAft>
+                          <a:spcPts val="0"/>
+                        </a:spcAft>
+                      </a:pPr>
+                      <a:r>
+                        <a:rPr lang="en-PH" sz="1100">
+                          <a:effectLst/>
+                        </a:rPr>
+                        <a:t>1. The Comelec closes the voting period</a:t>
+                      </a:r>
+                    </a:p>
+                    <a:p>
+                      <a:pPr>
+                        <a:lnSpc>
+                          <a:spcPct val="107000"/>
+                        </a:lnSpc>
+                        <a:spcAft>
+                          <a:spcPts val="0"/>
+                        </a:spcAft>
+                      </a:pPr>
+                      <a:r>
+                        <a:rPr lang="en-PH" sz="1100">
+                          <a:effectLst/>
+                        </a:rPr>
+                        <a:t> </a:t>
+                      </a:r>
+                    </a:p>
+                    <a:p>
+                      <a:pPr>
+                        <a:lnSpc>
+                          <a:spcPct val="107000"/>
+                        </a:lnSpc>
+                        <a:spcAft>
+                          <a:spcPts val="0"/>
+                        </a:spcAft>
+                      </a:pPr>
+                      <a:r>
+                        <a:rPr lang="en-PH" sz="1100">
+                          <a:effectLst/>
+                        </a:rPr>
+                        <a:t> </a:t>
+                      </a:r>
+                      <a:endParaRPr lang="en-PH" sz="1100">
+                        <a:effectLst/>
+                        <a:latin typeface="Calibri" panose="020F0502020204030204" pitchFamily="34" charset="0"/>
+                        <a:ea typeface="Calibri" panose="020F0502020204030204" pitchFamily="34" charset="0"/>
+                        <a:cs typeface="Times New Roman" panose="02020603050405020304" pitchFamily="18" charset="0"/>
+                      </a:endParaRPr>
+                    </a:p>
+                  </a:txBody>
+                  <a:tcPr marL="68580" marR="68580" marT="0" marB="0"/>
+                </a:tc>
+                <a:tc>
+                  <a:txBody>
+                    <a:bodyPr/>
+                    <a:lstStyle/>
+                    <a:p>
+                      <a:pPr>
+                        <a:lnSpc>
+                          <a:spcPct val="107000"/>
+                        </a:lnSpc>
+                        <a:spcAft>
+                          <a:spcPts val="0"/>
+                        </a:spcAft>
+                      </a:pPr>
+                      <a:r>
+                        <a:rPr lang="en-PH" sz="1100">
+                          <a:effectLst/>
+                        </a:rPr>
+                        <a:t>System Response:</a:t>
+                      </a:r>
+                    </a:p>
+                    <a:p>
+                      <a:pPr>
+                        <a:lnSpc>
+                          <a:spcPct val="107000"/>
+                        </a:lnSpc>
+                        <a:spcAft>
+                          <a:spcPts val="0"/>
+                        </a:spcAft>
+                      </a:pPr>
+                      <a:r>
+                        <a:rPr lang="en-PH" sz="1100">
+                          <a:effectLst/>
+                        </a:rPr>
+                        <a:t>1.1 The CCS. Central Server, and the transparency server sends a message to the VCMs to initiate the vote transmissions.</a:t>
+                      </a:r>
+                    </a:p>
+                    <a:p>
+                      <a:pPr>
+                        <a:lnSpc>
+                          <a:spcPct val="107000"/>
+                        </a:lnSpc>
+                        <a:spcAft>
+                          <a:spcPts val="0"/>
+                        </a:spcAft>
+                      </a:pPr>
+                      <a:r>
+                        <a:rPr lang="en-PH" sz="1100">
+                          <a:effectLst/>
+                        </a:rPr>
+                        <a:t> </a:t>
+                      </a:r>
+                    </a:p>
+                    <a:p>
+                      <a:pPr>
+                        <a:lnSpc>
+                          <a:spcPct val="107000"/>
+                        </a:lnSpc>
+                        <a:spcAft>
+                          <a:spcPts val="0"/>
+                        </a:spcAft>
+                      </a:pPr>
+                      <a:r>
+                        <a:rPr lang="en-PH" sz="1100">
+                          <a:effectLst/>
+                        </a:rPr>
+                        <a:t> </a:t>
+                      </a:r>
+                    </a:p>
+                    <a:p>
+                      <a:pPr>
+                        <a:lnSpc>
+                          <a:spcPct val="107000"/>
+                        </a:lnSpc>
+                        <a:spcAft>
+                          <a:spcPts val="0"/>
+                        </a:spcAft>
+                      </a:pPr>
+                      <a:r>
+                        <a:rPr lang="en-PH" sz="1100">
+                          <a:effectLst/>
+                        </a:rPr>
+                        <a:t> </a:t>
+                      </a:r>
+                    </a:p>
+                    <a:p>
+                      <a:pPr>
+                        <a:lnSpc>
+                          <a:spcPct val="107000"/>
+                        </a:lnSpc>
+                        <a:spcAft>
+                          <a:spcPts val="0"/>
+                        </a:spcAft>
+                      </a:pPr>
+                      <a:r>
+                        <a:rPr lang="en-PH" sz="1100">
+                          <a:effectLst/>
+                        </a:rPr>
+                        <a:t> </a:t>
+                      </a:r>
+                      <a:endParaRPr lang="en-PH" sz="1100">
+                        <a:effectLst/>
+                        <a:latin typeface="Calibri" panose="020F0502020204030204" pitchFamily="34" charset="0"/>
+                        <a:ea typeface="Calibri" panose="020F0502020204030204" pitchFamily="34" charset="0"/>
+                        <a:cs typeface="Times New Roman" panose="02020603050405020304" pitchFamily="18" charset="0"/>
+                      </a:endParaRPr>
+                    </a:p>
+                  </a:txBody>
+                  <a:tcPr marL="68580" marR="68580" marT="0" marB="0"/>
+                </a:tc>
+                <a:extLst>
+                  <a:ext uri="{0D108BD9-81ED-4DB2-BD59-A6C34878D82A}">
+                    <a16:rowId xmlns:a16="http://schemas.microsoft.com/office/drawing/2014/main" val="3977632943"/>
+                  </a:ext>
+                </a:extLst>
+              </a:tr>
+              <a:tr h="216535">
+                <a:tc>
+                  <a:txBody>
+                    <a:bodyPr/>
+                    <a:lstStyle/>
+                    <a:p>
+                      <a:pPr>
+                        <a:lnSpc>
+                          <a:spcPct val="107000"/>
+                        </a:lnSpc>
+                        <a:spcAft>
+                          <a:spcPts val="0"/>
+                        </a:spcAft>
+                      </a:pPr>
+                      <a:r>
+                        <a:rPr lang="en-PH" sz="1100">
+                          <a:effectLst/>
+                        </a:rPr>
+                        <a:t>Exceptions:</a:t>
+                      </a:r>
+                      <a:endParaRPr lang="en-PH" sz="1100">
+                        <a:effectLst/>
+                        <a:latin typeface="Calibri" panose="020F0502020204030204" pitchFamily="34" charset="0"/>
+                        <a:ea typeface="Calibri" panose="020F0502020204030204" pitchFamily="34" charset="0"/>
+                        <a:cs typeface="Times New Roman" panose="02020603050405020304" pitchFamily="18" charset="0"/>
+                      </a:endParaRPr>
+                    </a:p>
+                  </a:txBody>
+                  <a:tcPr marL="68580" marR="68580" marT="0" marB="0"/>
+                </a:tc>
+                <a:tc gridSpan="2">
+                  <a:txBody>
+                    <a:bodyPr/>
+                    <a:lstStyle/>
+                    <a:p>
+                      <a:pPr>
+                        <a:lnSpc>
+                          <a:spcPct val="107000"/>
+                        </a:lnSpc>
+                        <a:spcAft>
+                          <a:spcPts val="0"/>
+                        </a:spcAft>
+                      </a:pPr>
+                      <a:r>
                         <a:rPr lang="en-PH" sz="1100" dirty="0">
                           <a:effectLst/>
-                          <a:latin typeface="+mn-lt"/>
-                          <a:ea typeface="+mn-ea"/>
-                          <a:cs typeface="+mn-cs"/>
-                        </a:rPr>
-                        <a:t>Send</a:t>
-                      </a:r>
-                      <a:r>
-                        <a:rPr lang="en-PH" sz="1100" baseline="0" dirty="0">
-                          <a:effectLst/>
-                          <a:latin typeface="+mn-lt"/>
-                          <a:ea typeface="+mn-ea"/>
-                          <a:cs typeface="+mn-cs"/>
-                        </a:rPr>
-                        <a:t> encrypted data</a:t>
+                        </a:rPr>
+                        <a:t>The machines being used have defects making it impossible to communicate</a:t>
                       </a:r>
                       <a:endParaRPr lang="en-PH" sz="1100" dirty="0">
                         <a:effectLst/>
@@ -7562,1037 +8463,7 @@
                 </a:tc>
                 <a:extLst>
                   <a:ext uri="{0D108BD9-81ED-4DB2-BD59-A6C34878D82A}">
-                    <a16:rowId xmlns:a16="http://schemas.microsoft.com/office/drawing/2014/main" val="3165740492"/>
-                  </a:ext>
-                </a:extLst>
-              </a:tr>
-              <a:tr h="0">
-                <a:tc>
-                  <a:txBody>
-                    <a:bodyPr/>
-                    <a:lstStyle/>
-                    <a:p>
-                      <a:pPr>
-                        <a:lnSpc>
-                          <a:spcPct val="107000"/>
-                        </a:lnSpc>
-                        <a:spcAft>
-                          <a:spcPts val="0"/>
-                        </a:spcAft>
-                      </a:pPr>
-                      <a:r>
-                        <a:rPr lang="en-PH" sz="1100">
-                          <a:effectLst/>
-                        </a:rPr>
-                        <a:t>Scenario:</a:t>
-                      </a:r>
-                      <a:endParaRPr lang="en-PH" sz="1100">
-                        <a:effectLst/>
-                        <a:latin typeface="Calibri" panose="020F0502020204030204" pitchFamily="34" charset="0"/>
-                        <a:ea typeface="Calibri" panose="020F0502020204030204" pitchFamily="34" charset="0"/>
-                        <a:cs typeface="Times New Roman" panose="02020603050405020304" pitchFamily="18" charset="0"/>
-                      </a:endParaRPr>
-                    </a:p>
-                  </a:txBody>
-                  <a:tcPr marL="68580" marR="68580" marT="0" marB="0"/>
-                </a:tc>
-                <a:tc gridSpan="2">
-                  <a:txBody>
-                    <a:bodyPr/>
-                    <a:lstStyle/>
-                    <a:p>
-                      <a:pPr>
-                        <a:lnSpc>
-                          <a:spcPct val="107000"/>
-                        </a:lnSpc>
-                        <a:spcAft>
-                          <a:spcPts val="0"/>
-                        </a:spcAft>
-                      </a:pPr>
-                      <a:r>
-                        <a:rPr lang="en-PH" sz="1100">
-                          <a:effectLst/>
-                        </a:rPr>
-                        <a:t>The Voter casts the accomplished ballot in the VCM</a:t>
-                      </a:r>
-                      <a:endParaRPr lang="en-PH" sz="1100">
-                        <a:effectLst/>
-                        <a:latin typeface="Calibri" panose="020F0502020204030204" pitchFamily="34" charset="0"/>
-                        <a:ea typeface="Calibri" panose="020F0502020204030204" pitchFamily="34" charset="0"/>
-                        <a:cs typeface="Times New Roman" panose="02020603050405020304" pitchFamily="18" charset="0"/>
-                      </a:endParaRPr>
-                    </a:p>
-                  </a:txBody>
-                  <a:tcPr marL="68580" marR="68580" marT="0" marB="0"/>
-                </a:tc>
-                <a:tc hMerge="1">
-                  <a:txBody>
-                    <a:bodyPr/>
-                    <a:lstStyle/>
-                    <a:p>
-                      <a:endParaRPr lang="en-PH"/>
-                    </a:p>
-                  </a:txBody>
-                  <a:tcPr/>
-                </a:tc>
-                <a:extLst>
-                  <a:ext uri="{0D108BD9-81ED-4DB2-BD59-A6C34878D82A}">
-                    <a16:rowId xmlns:a16="http://schemas.microsoft.com/office/drawing/2014/main" val="1833242706"/>
-                  </a:ext>
-                </a:extLst>
-              </a:tr>
-              <a:tr h="0">
-                <a:tc>
-                  <a:txBody>
-                    <a:bodyPr/>
-                    <a:lstStyle/>
-                    <a:p>
-                      <a:pPr>
-                        <a:lnSpc>
-                          <a:spcPct val="107000"/>
-                        </a:lnSpc>
-                        <a:spcAft>
-                          <a:spcPts val="0"/>
-                        </a:spcAft>
-                      </a:pPr>
-                      <a:r>
-                        <a:rPr lang="en-PH" sz="1100">
-                          <a:effectLst/>
-                        </a:rPr>
-                        <a:t>Triggering Event:</a:t>
-                      </a:r>
-                      <a:endParaRPr lang="en-PH" sz="1100">
-                        <a:effectLst/>
-                        <a:latin typeface="Calibri" panose="020F0502020204030204" pitchFamily="34" charset="0"/>
-                        <a:ea typeface="Calibri" panose="020F0502020204030204" pitchFamily="34" charset="0"/>
-                        <a:cs typeface="Times New Roman" panose="02020603050405020304" pitchFamily="18" charset="0"/>
-                      </a:endParaRPr>
-                    </a:p>
-                  </a:txBody>
-                  <a:tcPr marL="68580" marR="68580" marT="0" marB="0"/>
-                </a:tc>
-                <a:tc gridSpan="2">
-                  <a:txBody>
-                    <a:bodyPr/>
-                    <a:lstStyle/>
-                    <a:p>
-                      <a:pPr>
-                        <a:lnSpc>
-                          <a:spcPct val="107000"/>
-                        </a:lnSpc>
-                        <a:spcAft>
-                          <a:spcPts val="0"/>
-                        </a:spcAft>
-                      </a:pPr>
-                      <a:r>
-                        <a:rPr lang="en-PH" sz="1100">
-                          <a:effectLst/>
-                        </a:rPr>
-                        <a:t>Accomplished Ballot</a:t>
-                      </a:r>
-                      <a:endParaRPr lang="en-PH" sz="1100">
-                        <a:effectLst/>
-                        <a:latin typeface="Calibri" panose="020F0502020204030204" pitchFamily="34" charset="0"/>
-                        <a:ea typeface="Calibri" panose="020F0502020204030204" pitchFamily="34" charset="0"/>
-                        <a:cs typeface="Times New Roman" panose="02020603050405020304" pitchFamily="18" charset="0"/>
-                      </a:endParaRPr>
-                    </a:p>
-                  </a:txBody>
-                  <a:tcPr marL="68580" marR="68580" marT="0" marB="0"/>
-                </a:tc>
-                <a:tc hMerge="1">
-                  <a:txBody>
-                    <a:bodyPr/>
-                    <a:lstStyle/>
-                    <a:p>
-                      <a:endParaRPr lang="en-PH"/>
-                    </a:p>
-                  </a:txBody>
-                  <a:tcPr/>
-                </a:tc>
-                <a:extLst>
-                  <a:ext uri="{0D108BD9-81ED-4DB2-BD59-A6C34878D82A}">
-                    <a16:rowId xmlns:a16="http://schemas.microsoft.com/office/drawing/2014/main" val="1569336208"/>
-                  </a:ext>
-                </a:extLst>
-              </a:tr>
-              <a:tr h="0">
-                <a:tc>
-                  <a:txBody>
-                    <a:bodyPr/>
-                    <a:lstStyle/>
-                    <a:p>
-                      <a:pPr>
-                        <a:lnSpc>
-                          <a:spcPct val="107000"/>
-                        </a:lnSpc>
-                        <a:spcAft>
-                          <a:spcPts val="0"/>
-                        </a:spcAft>
-                      </a:pPr>
-                      <a:r>
-                        <a:rPr lang="en-PH" sz="1100">
-                          <a:effectLst/>
-                        </a:rPr>
-                        <a:t>Brief Description:</a:t>
-                      </a:r>
-                      <a:endParaRPr lang="en-PH" sz="1100">
-                        <a:effectLst/>
-                        <a:latin typeface="Calibri" panose="020F0502020204030204" pitchFamily="34" charset="0"/>
-                        <a:ea typeface="Calibri" panose="020F0502020204030204" pitchFamily="34" charset="0"/>
-                        <a:cs typeface="Times New Roman" panose="02020603050405020304" pitchFamily="18" charset="0"/>
-                      </a:endParaRPr>
-                    </a:p>
-                  </a:txBody>
-                  <a:tcPr marL="68580" marR="68580" marT="0" marB="0"/>
-                </a:tc>
-                <a:tc gridSpan="2">
-                  <a:txBody>
-                    <a:bodyPr/>
-                    <a:lstStyle/>
-                    <a:p>
-                      <a:pPr>
-                        <a:lnSpc>
-                          <a:spcPct val="107000"/>
-                        </a:lnSpc>
-                        <a:spcAft>
-                          <a:spcPts val="0"/>
-                        </a:spcAft>
-                      </a:pPr>
-                      <a:r>
-                        <a:rPr lang="en-PH" sz="1100">
-                          <a:effectLst/>
-                        </a:rPr>
-                        <a:t>The voter proceeds to the VCM machine to cast their ballot containing te votes</a:t>
-                      </a:r>
-                      <a:endParaRPr lang="en-PH" sz="1100">
-                        <a:effectLst/>
-                        <a:latin typeface="Calibri" panose="020F0502020204030204" pitchFamily="34" charset="0"/>
-                        <a:ea typeface="Calibri" panose="020F0502020204030204" pitchFamily="34" charset="0"/>
-                        <a:cs typeface="Times New Roman" panose="02020603050405020304" pitchFamily="18" charset="0"/>
-                      </a:endParaRPr>
-                    </a:p>
-                  </a:txBody>
-                  <a:tcPr marL="68580" marR="68580" marT="0" marB="0"/>
-                </a:tc>
-                <a:tc hMerge="1">
-                  <a:txBody>
-                    <a:bodyPr/>
-                    <a:lstStyle/>
-                    <a:p>
-                      <a:endParaRPr lang="en-PH"/>
-                    </a:p>
-                  </a:txBody>
-                  <a:tcPr/>
-                </a:tc>
-                <a:extLst>
-                  <a:ext uri="{0D108BD9-81ED-4DB2-BD59-A6C34878D82A}">
-                    <a16:rowId xmlns:a16="http://schemas.microsoft.com/office/drawing/2014/main" val="204910141"/>
-                  </a:ext>
-                </a:extLst>
-              </a:tr>
-              <a:tr h="0">
-                <a:tc>
-                  <a:txBody>
-                    <a:bodyPr/>
-                    <a:lstStyle/>
-                    <a:p>
-                      <a:pPr>
-                        <a:lnSpc>
-                          <a:spcPct val="107000"/>
-                        </a:lnSpc>
-                        <a:spcAft>
-                          <a:spcPts val="0"/>
-                        </a:spcAft>
-                      </a:pPr>
-                      <a:r>
-                        <a:rPr lang="en-PH" sz="1100">
-                          <a:effectLst/>
-                        </a:rPr>
-                        <a:t>Actor(s):</a:t>
-                      </a:r>
-                      <a:endParaRPr lang="en-PH" sz="1100">
-                        <a:effectLst/>
-                        <a:latin typeface="Calibri" panose="020F0502020204030204" pitchFamily="34" charset="0"/>
-                        <a:ea typeface="Calibri" panose="020F0502020204030204" pitchFamily="34" charset="0"/>
-                        <a:cs typeface="Times New Roman" panose="02020603050405020304" pitchFamily="18" charset="0"/>
-                      </a:endParaRPr>
-                    </a:p>
-                  </a:txBody>
-                  <a:tcPr marL="68580" marR="68580" marT="0" marB="0"/>
-                </a:tc>
-                <a:tc gridSpan="2">
-                  <a:txBody>
-                    <a:bodyPr/>
-                    <a:lstStyle/>
-                    <a:p>
-                      <a:pPr>
-                        <a:lnSpc>
-                          <a:spcPct val="107000"/>
-                        </a:lnSpc>
-                        <a:spcAft>
-                          <a:spcPts val="0"/>
-                        </a:spcAft>
-                      </a:pPr>
-                      <a:r>
-                        <a:rPr lang="en-PH" sz="1100">
-                          <a:effectLst/>
-                        </a:rPr>
-                        <a:t>BEI, Voter</a:t>
-                      </a:r>
-                      <a:endParaRPr lang="en-PH" sz="1100">
-                        <a:effectLst/>
-                        <a:latin typeface="Calibri" panose="020F0502020204030204" pitchFamily="34" charset="0"/>
-                        <a:ea typeface="Calibri" panose="020F0502020204030204" pitchFamily="34" charset="0"/>
-                        <a:cs typeface="Times New Roman" panose="02020603050405020304" pitchFamily="18" charset="0"/>
-                      </a:endParaRPr>
-                    </a:p>
-                  </a:txBody>
-                  <a:tcPr marL="68580" marR="68580" marT="0" marB="0"/>
-                </a:tc>
-                <a:tc hMerge="1">
-                  <a:txBody>
-                    <a:bodyPr/>
-                    <a:lstStyle/>
-                    <a:p>
-                      <a:endParaRPr lang="en-PH"/>
-                    </a:p>
-                  </a:txBody>
-                  <a:tcPr/>
-                </a:tc>
-                <a:extLst>
-                  <a:ext uri="{0D108BD9-81ED-4DB2-BD59-A6C34878D82A}">
-                    <a16:rowId xmlns:a16="http://schemas.microsoft.com/office/drawing/2014/main" val="3863033152"/>
-                  </a:ext>
-                </a:extLst>
-              </a:tr>
-              <a:tr h="0">
-                <a:tc>
-                  <a:txBody>
-                    <a:bodyPr/>
-                    <a:lstStyle/>
-                    <a:p>
-                      <a:pPr>
-                        <a:lnSpc>
-                          <a:spcPct val="107000"/>
-                        </a:lnSpc>
-                        <a:spcAft>
-                          <a:spcPts val="0"/>
-                        </a:spcAft>
-                      </a:pPr>
-                      <a:r>
-                        <a:rPr lang="en-PH" sz="1100">
-                          <a:effectLst/>
-                        </a:rPr>
-                        <a:t>Related Use Cases:</a:t>
-                      </a:r>
-                      <a:endParaRPr lang="en-PH" sz="1100">
-                        <a:effectLst/>
-                        <a:latin typeface="Calibri" panose="020F0502020204030204" pitchFamily="34" charset="0"/>
-                        <a:ea typeface="Calibri" panose="020F0502020204030204" pitchFamily="34" charset="0"/>
-                        <a:cs typeface="Times New Roman" panose="02020603050405020304" pitchFamily="18" charset="0"/>
-                      </a:endParaRPr>
-                    </a:p>
-                  </a:txBody>
-                  <a:tcPr marL="68580" marR="68580" marT="0" marB="0"/>
-                </a:tc>
-                <a:tc gridSpan="2">
-                  <a:txBody>
-                    <a:bodyPr/>
-                    <a:lstStyle/>
-                    <a:p>
-                      <a:pPr>
-                        <a:lnSpc>
-                          <a:spcPct val="107000"/>
-                        </a:lnSpc>
-                        <a:spcAft>
-                          <a:spcPts val="0"/>
-                        </a:spcAft>
-                      </a:pPr>
-                      <a:r>
-                        <a:rPr lang="en-PH" sz="1100">
-                          <a:effectLst/>
-                        </a:rPr>
-                        <a:t>---</a:t>
-                      </a:r>
-                      <a:endParaRPr lang="en-PH" sz="1100">
-                        <a:effectLst/>
-                        <a:latin typeface="Calibri" panose="020F0502020204030204" pitchFamily="34" charset="0"/>
-                        <a:ea typeface="Calibri" panose="020F0502020204030204" pitchFamily="34" charset="0"/>
-                        <a:cs typeface="Times New Roman" panose="02020603050405020304" pitchFamily="18" charset="0"/>
-                      </a:endParaRPr>
-                    </a:p>
-                  </a:txBody>
-                  <a:tcPr marL="68580" marR="68580" marT="0" marB="0"/>
-                </a:tc>
-                <a:tc hMerge="1">
-                  <a:txBody>
-                    <a:bodyPr/>
-                    <a:lstStyle/>
-                    <a:p>
-                      <a:endParaRPr lang="en-PH"/>
-                    </a:p>
-                  </a:txBody>
-                  <a:tcPr/>
-                </a:tc>
-                <a:extLst>
-                  <a:ext uri="{0D108BD9-81ED-4DB2-BD59-A6C34878D82A}">
-                    <a16:rowId xmlns:a16="http://schemas.microsoft.com/office/drawing/2014/main" val="540337354"/>
-                  </a:ext>
-                </a:extLst>
-              </a:tr>
-              <a:tr h="0">
-                <a:tc>
-                  <a:txBody>
-                    <a:bodyPr/>
-                    <a:lstStyle/>
-                    <a:p>
-                      <a:pPr>
-                        <a:lnSpc>
-                          <a:spcPct val="107000"/>
-                        </a:lnSpc>
-                        <a:spcAft>
-                          <a:spcPts val="0"/>
-                        </a:spcAft>
-                      </a:pPr>
-                      <a:r>
-                        <a:rPr lang="en-PH" sz="1100">
-                          <a:effectLst/>
-                        </a:rPr>
-                        <a:t>Stakeholders:</a:t>
-                      </a:r>
-                      <a:endParaRPr lang="en-PH" sz="1100">
-                        <a:effectLst/>
-                        <a:latin typeface="Calibri" panose="020F0502020204030204" pitchFamily="34" charset="0"/>
-                        <a:ea typeface="Calibri" panose="020F0502020204030204" pitchFamily="34" charset="0"/>
-                        <a:cs typeface="Times New Roman" panose="02020603050405020304" pitchFamily="18" charset="0"/>
-                      </a:endParaRPr>
-                    </a:p>
-                  </a:txBody>
-                  <a:tcPr marL="68580" marR="68580" marT="0" marB="0"/>
-                </a:tc>
-                <a:tc gridSpan="2">
-                  <a:txBody>
-                    <a:bodyPr/>
-                    <a:lstStyle/>
-                    <a:p>
-                      <a:pPr>
-                        <a:lnSpc>
-                          <a:spcPct val="107000"/>
-                        </a:lnSpc>
-                        <a:spcAft>
-                          <a:spcPts val="0"/>
-                        </a:spcAft>
-                      </a:pPr>
-                      <a:r>
-                        <a:rPr lang="en-PH" sz="1100">
-                          <a:effectLst/>
-                        </a:rPr>
-                        <a:t>The BEI ensures that the voter will proceed to the VCM machine after accomplishing the ballot</a:t>
-                      </a:r>
-                      <a:endParaRPr lang="en-PH" sz="1100">
-                        <a:effectLst/>
-                        <a:latin typeface="Calibri" panose="020F0502020204030204" pitchFamily="34" charset="0"/>
-                        <a:ea typeface="Calibri" panose="020F0502020204030204" pitchFamily="34" charset="0"/>
-                        <a:cs typeface="Times New Roman" panose="02020603050405020304" pitchFamily="18" charset="0"/>
-                      </a:endParaRPr>
-                    </a:p>
-                  </a:txBody>
-                  <a:tcPr marL="68580" marR="68580" marT="0" marB="0"/>
-                </a:tc>
-                <a:tc hMerge="1">
-                  <a:txBody>
-                    <a:bodyPr/>
-                    <a:lstStyle/>
-                    <a:p>
-                      <a:endParaRPr lang="en-PH"/>
-                    </a:p>
-                  </a:txBody>
-                  <a:tcPr/>
-                </a:tc>
-                <a:extLst>
-                  <a:ext uri="{0D108BD9-81ED-4DB2-BD59-A6C34878D82A}">
-                    <a16:rowId xmlns:a16="http://schemas.microsoft.com/office/drawing/2014/main" val="3184105501"/>
-                  </a:ext>
-                </a:extLst>
-              </a:tr>
-              <a:tr h="0">
-                <a:tc>
-                  <a:txBody>
-                    <a:bodyPr/>
-                    <a:lstStyle/>
-                    <a:p>
-                      <a:pPr>
-                        <a:lnSpc>
-                          <a:spcPct val="107000"/>
-                        </a:lnSpc>
-                        <a:spcAft>
-                          <a:spcPts val="0"/>
-                        </a:spcAft>
-                      </a:pPr>
-                      <a:r>
-                        <a:rPr lang="en-PH" sz="1100">
-                          <a:effectLst/>
-                        </a:rPr>
-                        <a:t>Precondition:</a:t>
-                      </a:r>
-                      <a:endParaRPr lang="en-PH" sz="1100">
-                        <a:effectLst/>
-                        <a:latin typeface="Calibri" panose="020F0502020204030204" pitchFamily="34" charset="0"/>
-                        <a:ea typeface="Calibri" panose="020F0502020204030204" pitchFamily="34" charset="0"/>
-                        <a:cs typeface="Times New Roman" panose="02020603050405020304" pitchFamily="18" charset="0"/>
-                      </a:endParaRPr>
-                    </a:p>
-                  </a:txBody>
-                  <a:tcPr marL="68580" marR="68580" marT="0" marB="0"/>
-                </a:tc>
-                <a:tc gridSpan="2">
-                  <a:txBody>
-                    <a:bodyPr/>
-                    <a:lstStyle/>
-                    <a:p>
-                      <a:pPr>
-                        <a:lnSpc>
-                          <a:spcPct val="107000"/>
-                        </a:lnSpc>
-                        <a:spcAft>
-                          <a:spcPts val="0"/>
-                        </a:spcAft>
-                      </a:pPr>
-                      <a:r>
-                        <a:rPr lang="en-PH" sz="1100">
-                          <a:effectLst/>
-                        </a:rPr>
-                        <a:t>Ballot is accomplished</a:t>
-                      </a:r>
-                      <a:endParaRPr lang="en-PH" sz="1100">
-                        <a:effectLst/>
-                        <a:latin typeface="Calibri" panose="020F0502020204030204" pitchFamily="34" charset="0"/>
-                        <a:ea typeface="Calibri" panose="020F0502020204030204" pitchFamily="34" charset="0"/>
-                        <a:cs typeface="Times New Roman" panose="02020603050405020304" pitchFamily="18" charset="0"/>
-                      </a:endParaRPr>
-                    </a:p>
-                  </a:txBody>
-                  <a:tcPr marL="68580" marR="68580" marT="0" marB="0"/>
-                </a:tc>
-                <a:tc hMerge="1">
-                  <a:txBody>
-                    <a:bodyPr/>
-                    <a:lstStyle/>
-                    <a:p>
-                      <a:endParaRPr lang="en-PH"/>
-                    </a:p>
-                  </a:txBody>
-                  <a:tcPr/>
-                </a:tc>
-                <a:extLst>
-                  <a:ext uri="{0D108BD9-81ED-4DB2-BD59-A6C34878D82A}">
-                    <a16:rowId xmlns:a16="http://schemas.microsoft.com/office/drawing/2014/main" val="3824223024"/>
-                  </a:ext>
-                </a:extLst>
-              </a:tr>
-              <a:tr h="0">
-                <a:tc>
-                  <a:txBody>
-                    <a:bodyPr/>
-                    <a:lstStyle/>
-                    <a:p>
-                      <a:pPr>
-                        <a:lnSpc>
-                          <a:spcPct val="107000"/>
-                        </a:lnSpc>
-                        <a:spcAft>
-                          <a:spcPts val="0"/>
-                        </a:spcAft>
-                      </a:pPr>
-                      <a:r>
-                        <a:rPr lang="en-PH" sz="1100">
-                          <a:effectLst/>
-                        </a:rPr>
-                        <a:t>Postcondition:</a:t>
-                      </a:r>
-                      <a:endParaRPr lang="en-PH" sz="1100">
-                        <a:effectLst/>
-                        <a:latin typeface="Calibri" panose="020F0502020204030204" pitchFamily="34" charset="0"/>
-                        <a:ea typeface="Calibri" panose="020F0502020204030204" pitchFamily="34" charset="0"/>
-                        <a:cs typeface="Times New Roman" panose="02020603050405020304" pitchFamily="18" charset="0"/>
-                      </a:endParaRPr>
-                    </a:p>
-                  </a:txBody>
-                  <a:tcPr marL="68580" marR="68580" marT="0" marB="0"/>
-                </a:tc>
-                <a:tc gridSpan="2">
-                  <a:txBody>
-                    <a:bodyPr/>
-                    <a:lstStyle/>
-                    <a:p>
-                      <a:pPr>
-                        <a:lnSpc>
-                          <a:spcPct val="107000"/>
-                        </a:lnSpc>
-                        <a:spcAft>
-                          <a:spcPts val="0"/>
-                        </a:spcAft>
-                      </a:pPr>
-                      <a:r>
-                        <a:rPr lang="en-PH" sz="1100">
-                          <a:effectLst/>
-                        </a:rPr>
-                        <a:t>Ballot is casted</a:t>
-                      </a:r>
-                      <a:endParaRPr lang="en-PH" sz="1100">
-                        <a:effectLst/>
-                        <a:latin typeface="Calibri" panose="020F0502020204030204" pitchFamily="34" charset="0"/>
-                        <a:ea typeface="Calibri" panose="020F0502020204030204" pitchFamily="34" charset="0"/>
-                        <a:cs typeface="Times New Roman" panose="02020603050405020304" pitchFamily="18" charset="0"/>
-                      </a:endParaRPr>
-                    </a:p>
-                  </a:txBody>
-                  <a:tcPr marL="68580" marR="68580" marT="0" marB="0"/>
-                </a:tc>
-                <a:tc hMerge="1">
-                  <a:txBody>
-                    <a:bodyPr/>
-                    <a:lstStyle/>
-                    <a:p>
-                      <a:endParaRPr lang="en-PH"/>
-                    </a:p>
-                  </a:txBody>
-                  <a:tcPr/>
-                </a:tc>
-                <a:extLst>
-                  <a:ext uri="{0D108BD9-81ED-4DB2-BD59-A6C34878D82A}">
-                    <a16:rowId xmlns:a16="http://schemas.microsoft.com/office/drawing/2014/main" val="1829453013"/>
-                  </a:ext>
-                </a:extLst>
-              </a:tr>
-              <a:tr h="0">
-                <a:tc>
-                  <a:txBody>
-                    <a:bodyPr/>
-                    <a:lstStyle/>
-                    <a:p>
-                      <a:pPr>
-                        <a:lnSpc>
-                          <a:spcPct val="107000"/>
-                        </a:lnSpc>
-                        <a:spcAft>
-                          <a:spcPts val="0"/>
-                        </a:spcAft>
-                      </a:pPr>
-                      <a:r>
-                        <a:rPr lang="en-PH" sz="1100" dirty="0">
-                          <a:effectLst/>
-                        </a:rPr>
-                        <a:t>Basic Flow:</a:t>
-                      </a:r>
-                      <a:endParaRPr lang="en-PH" sz="1100" dirty="0">
-                        <a:effectLst/>
-                        <a:latin typeface="Calibri" panose="020F0502020204030204" pitchFamily="34" charset="0"/>
-                        <a:ea typeface="Calibri" panose="020F0502020204030204" pitchFamily="34" charset="0"/>
-                        <a:cs typeface="Times New Roman" panose="02020603050405020304" pitchFamily="18" charset="0"/>
-                      </a:endParaRPr>
-                    </a:p>
-                  </a:txBody>
-                  <a:tcPr marL="68580" marR="68580" marT="0" marB="0"/>
-                </a:tc>
-                <a:tc>
-                  <a:txBody>
-                    <a:bodyPr/>
-                    <a:lstStyle/>
-                    <a:p>
-                      <a:pPr>
-                        <a:lnSpc>
-                          <a:spcPct val="107000"/>
-                        </a:lnSpc>
-                        <a:spcAft>
-                          <a:spcPts val="0"/>
-                        </a:spcAft>
-                      </a:pPr>
-                      <a:r>
-                        <a:rPr lang="en-PH" sz="1100" dirty="0">
-                          <a:effectLst/>
-                        </a:rPr>
-                        <a:t>Actor:</a:t>
-                      </a:r>
-                    </a:p>
-                    <a:p>
-                      <a:pPr>
-                        <a:lnSpc>
-                          <a:spcPct val="107000"/>
-                        </a:lnSpc>
-                        <a:spcAft>
-                          <a:spcPts val="0"/>
-                        </a:spcAft>
-                      </a:pPr>
-                      <a:r>
-                        <a:rPr lang="en-PH" sz="1100" dirty="0">
-                          <a:effectLst/>
-                        </a:rPr>
-                        <a:t>1. The Voter fills the ballot sheet</a:t>
-                      </a:r>
-                    </a:p>
-                    <a:p>
-                      <a:pPr>
-                        <a:lnSpc>
-                          <a:spcPct val="107000"/>
-                        </a:lnSpc>
-                        <a:spcAft>
-                          <a:spcPts val="0"/>
-                        </a:spcAft>
-                      </a:pPr>
-                      <a:r>
-                        <a:rPr lang="en-PH" sz="1100" dirty="0">
-                          <a:effectLst/>
-                        </a:rPr>
-                        <a:t>2. The Voter proceeds to the VCM </a:t>
-                      </a:r>
-                    </a:p>
-                    <a:p>
-                      <a:pPr>
-                        <a:lnSpc>
-                          <a:spcPct val="107000"/>
-                        </a:lnSpc>
-                        <a:spcAft>
-                          <a:spcPts val="0"/>
-                        </a:spcAft>
-                      </a:pPr>
-                      <a:r>
-                        <a:rPr lang="en-PH" sz="1100" dirty="0">
-                          <a:effectLst/>
-                        </a:rPr>
-                        <a:t>3. The Voter enters the accomplished ballot sheet inside the VCM</a:t>
-                      </a:r>
-                    </a:p>
-                    <a:p>
-                      <a:pPr>
-                        <a:lnSpc>
-                          <a:spcPct val="107000"/>
-                        </a:lnSpc>
-                        <a:spcAft>
-                          <a:spcPts val="0"/>
-                        </a:spcAft>
-                      </a:pPr>
-                      <a:r>
-                        <a:rPr lang="en-PH" sz="1100" dirty="0">
-                          <a:effectLst/>
-                        </a:rPr>
-                        <a:t>4. The BEI checks if the machine is processing the ballot sheet</a:t>
-                      </a:r>
-                    </a:p>
-                    <a:p>
-                      <a:pPr>
-                        <a:lnSpc>
-                          <a:spcPct val="107000"/>
-                        </a:lnSpc>
-                        <a:spcAft>
-                          <a:spcPts val="0"/>
-                        </a:spcAft>
-                      </a:pPr>
-                      <a:r>
-                        <a:rPr lang="en-PH" sz="1100" dirty="0">
-                          <a:effectLst/>
-                        </a:rPr>
-                        <a:t>5. The Voter and BEI will wait for the VCM to print a receipt containing the vote summary</a:t>
-                      </a:r>
-                      <a:endParaRPr lang="en-PH" sz="1100" dirty="0">
-                        <a:effectLst/>
-                        <a:latin typeface="Calibri" panose="020F0502020204030204" pitchFamily="34" charset="0"/>
-                        <a:ea typeface="Calibri" panose="020F0502020204030204" pitchFamily="34" charset="0"/>
-                        <a:cs typeface="Times New Roman" panose="02020603050405020304" pitchFamily="18" charset="0"/>
-                      </a:endParaRPr>
-                    </a:p>
-                  </a:txBody>
-                  <a:tcPr marL="68580" marR="68580" marT="0" marB="0"/>
-                </a:tc>
-                <a:tc>
-                  <a:txBody>
-                    <a:bodyPr/>
-                    <a:lstStyle/>
-                    <a:p>
-                      <a:pPr>
-                        <a:lnSpc>
-                          <a:spcPct val="107000"/>
-                        </a:lnSpc>
-                        <a:spcAft>
-                          <a:spcPts val="0"/>
-                        </a:spcAft>
-                      </a:pPr>
-                      <a:r>
-                        <a:rPr lang="en-PH" sz="1100" dirty="0">
-                          <a:effectLst/>
-                        </a:rPr>
-                        <a:t>System Response:</a:t>
-                      </a:r>
-                    </a:p>
-                    <a:p>
-                      <a:pPr>
-                        <a:lnSpc>
-                          <a:spcPct val="107000"/>
-                        </a:lnSpc>
-                        <a:spcAft>
-                          <a:spcPts val="0"/>
-                        </a:spcAft>
-                      </a:pPr>
-                      <a:r>
-                        <a:rPr lang="en-PH" sz="1100" dirty="0">
-                          <a:effectLst/>
-                        </a:rPr>
-                        <a:t> </a:t>
-                      </a:r>
-                    </a:p>
-                    <a:p>
-                      <a:pPr>
-                        <a:lnSpc>
-                          <a:spcPct val="107000"/>
-                        </a:lnSpc>
-                        <a:spcAft>
-                          <a:spcPts val="0"/>
-                        </a:spcAft>
-                      </a:pPr>
-                      <a:r>
-                        <a:rPr lang="en-PH" sz="1100" dirty="0">
-                          <a:effectLst/>
-                        </a:rPr>
-                        <a:t> </a:t>
-                      </a:r>
-                    </a:p>
-                    <a:p>
-                      <a:pPr>
-                        <a:lnSpc>
-                          <a:spcPct val="107000"/>
-                        </a:lnSpc>
-                        <a:spcAft>
-                          <a:spcPts val="0"/>
-                        </a:spcAft>
-                      </a:pPr>
-                      <a:r>
-                        <a:rPr lang="en-PH" sz="1100" dirty="0">
-                          <a:effectLst/>
-                        </a:rPr>
-                        <a:t>3.1 The System reads the ballot</a:t>
-                      </a:r>
-                    </a:p>
-                    <a:p>
-                      <a:pPr>
-                        <a:lnSpc>
-                          <a:spcPct val="107000"/>
-                        </a:lnSpc>
-                        <a:spcAft>
-                          <a:spcPts val="0"/>
-                        </a:spcAft>
-                      </a:pPr>
-                      <a:r>
-                        <a:rPr lang="en-PH" sz="1100" dirty="0">
-                          <a:effectLst/>
-                        </a:rPr>
-                        <a:t>3.2 The System will check for anomalies</a:t>
-                      </a:r>
-                    </a:p>
-                    <a:p>
-                      <a:pPr>
-                        <a:lnSpc>
-                          <a:spcPct val="107000"/>
-                        </a:lnSpc>
-                        <a:spcAft>
-                          <a:spcPts val="0"/>
-                        </a:spcAft>
-                      </a:pPr>
-                      <a:r>
-                        <a:rPr lang="en-PH" sz="1100" dirty="0">
-                          <a:effectLst/>
-                        </a:rPr>
-                        <a:t> </a:t>
-                      </a:r>
-                    </a:p>
-                    <a:p>
-                      <a:pPr>
-                        <a:lnSpc>
-                          <a:spcPct val="107000"/>
-                        </a:lnSpc>
-                        <a:spcAft>
-                          <a:spcPts val="0"/>
-                        </a:spcAft>
-                      </a:pPr>
-                      <a:r>
-                        <a:rPr lang="en-PH" sz="1100" dirty="0">
-                          <a:effectLst/>
-                        </a:rPr>
-                        <a:t> </a:t>
-                      </a:r>
-                    </a:p>
-                    <a:p>
-                      <a:pPr>
-                        <a:lnSpc>
-                          <a:spcPct val="107000"/>
-                        </a:lnSpc>
-                        <a:spcAft>
-                          <a:spcPts val="0"/>
-                        </a:spcAft>
-                      </a:pPr>
-                      <a:r>
-                        <a:rPr lang="en-PH" sz="1100" dirty="0">
-                          <a:effectLst/>
-                        </a:rPr>
-                        <a:t> </a:t>
-                      </a:r>
-                    </a:p>
-                    <a:p>
-                      <a:pPr>
-                        <a:lnSpc>
-                          <a:spcPct val="107000"/>
-                        </a:lnSpc>
-                        <a:spcAft>
-                          <a:spcPts val="0"/>
-                        </a:spcAft>
-                      </a:pPr>
-                      <a:r>
-                        <a:rPr lang="en-PH" sz="1100" dirty="0">
-                          <a:effectLst/>
-                        </a:rPr>
-                        <a:t> </a:t>
-                      </a:r>
-                    </a:p>
-                    <a:p>
-                      <a:pPr>
-                        <a:lnSpc>
-                          <a:spcPct val="107000"/>
-                        </a:lnSpc>
-                        <a:spcAft>
-                          <a:spcPts val="0"/>
-                        </a:spcAft>
-                      </a:pPr>
-                      <a:r>
-                        <a:rPr lang="en-PH" sz="1100" dirty="0">
-                          <a:effectLst/>
-                        </a:rPr>
-                        <a:t> </a:t>
-                      </a:r>
-                      <a:endParaRPr lang="en-PH" sz="1100" dirty="0">
-                        <a:effectLst/>
-                        <a:latin typeface="Calibri" panose="020F0502020204030204" pitchFamily="34" charset="0"/>
-                        <a:ea typeface="Calibri" panose="020F0502020204030204" pitchFamily="34" charset="0"/>
-                        <a:cs typeface="Times New Roman" panose="02020603050405020304" pitchFamily="18" charset="0"/>
-                      </a:endParaRPr>
-                    </a:p>
-                  </a:txBody>
-                  <a:tcPr marL="68580" marR="68580" marT="0" marB="0"/>
-                </a:tc>
-                <a:extLst>
-                  <a:ext uri="{0D108BD9-81ED-4DB2-BD59-A6C34878D82A}">
-                    <a16:rowId xmlns:a16="http://schemas.microsoft.com/office/drawing/2014/main" val="3621288210"/>
-                  </a:ext>
-                </a:extLst>
-              </a:tr>
-            </a:tbl>
-          </a:graphicData>
-        </a:graphic>
-      </p:graphicFrame>
-      <p:graphicFrame>
-        <p:nvGraphicFramePr>
-          <p:cNvPr id="4" name="Table 3"/>
-          <p:cNvGraphicFramePr>
-            <a:graphicFrameLocks noGrp="1"/>
-          </p:cNvGraphicFramePr>
-          <p:nvPr>
-            <p:extLst>
-              <p:ext uri="{D42A27DB-BD31-4B8C-83A1-F6EECF244321}">
-                <p14:modId xmlns:p14="http://schemas.microsoft.com/office/powerpoint/2010/main" val="2062451234"/>
-              </p:ext>
-            </p:extLst>
-          </p:nvPr>
-        </p:nvGraphicFramePr>
-        <p:xfrm>
-          <a:off x="1672062" y="5668311"/>
-          <a:ext cx="5937250" cy="594360"/>
-        </p:xfrm>
-        <a:graphic>
-          <a:graphicData uri="http://schemas.openxmlformats.org/drawingml/2006/table">
-            <a:tbl>
-              <a:tblPr firstRow="1" bandRow="1">
-                <a:tableStyleId>{5C22544A-7EE6-4342-B048-85BDC9FD1C3A}</a:tableStyleId>
-              </a:tblPr>
-              <a:tblGrid>
-                <a:gridCol w="1346711">
-                  <a:extLst>
-                    <a:ext uri="{9D8B030D-6E8A-4147-A177-3AD203B41FA5}">
-                      <a16:colId xmlns:a16="http://schemas.microsoft.com/office/drawing/2014/main" val="2373195061"/>
-                    </a:ext>
-                  </a:extLst>
-                </a:gridCol>
-                <a:gridCol w="4590539">
-                  <a:extLst>
-                    <a:ext uri="{9D8B030D-6E8A-4147-A177-3AD203B41FA5}">
-                      <a16:colId xmlns:a16="http://schemas.microsoft.com/office/drawing/2014/main" val="427143043"/>
-                    </a:ext>
-                  </a:extLst>
-                </a:gridCol>
-              </a:tblGrid>
-              <a:tr h="370840">
-                <a:tc>
-                  <a:txBody>
-                    <a:bodyPr/>
-                    <a:lstStyle/>
-                    <a:p>
-                      <a:r>
-                        <a:rPr lang="en-PH" sz="1100" dirty="0"/>
-                        <a:t>Exceptions:</a:t>
-                      </a:r>
-                    </a:p>
-                  </a:txBody>
-                  <a:tcPr>
-                    <a:solidFill>
-                      <a:srgbClr val="ED7D31"/>
-                    </a:solidFill>
-                  </a:tcPr>
-                </a:tc>
-                <a:tc>
-                  <a:txBody>
-                    <a:bodyPr/>
-                    <a:lstStyle/>
-                    <a:p>
-                      <a:r>
-                        <a:rPr lang="en-PH" sz="1100" b="0" dirty="0">
-                          <a:solidFill>
-                            <a:schemeClr val="tx1"/>
-                          </a:solidFill>
-                        </a:rPr>
-                        <a:t>1.1</a:t>
-                      </a:r>
-                      <a:r>
-                        <a:rPr lang="en-PH" sz="1100" b="0" baseline="0" dirty="0">
-                          <a:solidFill>
-                            <a:schemeClr val="tx1"/>
-                          </a:solidFill>
-                        </a:rPr>
-                        <a:t> Person should be a confirmed registered voter</a:t>
-                      </a:r>
-                    </a:p>
-                    <a:p>
-                      <a:r>
-                        <a:rPr lang="en-PH" sz="1100" b="0" baseline="0" dirty="0">
-                          <a:solidFill>
-                            <a:schemeClr val="tx1"/>
-                          </a:solidFill>
-                        </a:rPr>
-                        <a:t>3.1.1 If the system rejects the ballot, voter is allowed to insert the ballot in the VCM again. </a:t>
-                      </a:r>
-                      <a:endParaRPr lang="en-PH" sz="1100" b="0" dirty="0">
-                        <a:solidFill>
-                          <a:schemeClr val="tx1"/>
-                        </a:solidFill>
-                      </a:endParaRPr>
-                    </a:p>
-                  </a:txBody>
-                  <a:tcPr>
-                    <a:solidFill>
-                      <a:srgbClr val="FCECE8"/>
-                    </a:solidFill>
-                  </a:tcPr>
-                </a:tc>
-                <a:extLst>
-                  <a:ext uri="{0D108BD9-81ED-4DB2-BD59-A6C34878D82A}">
-                    <a16:rowId xmlns:a16="http://schemas.microsoft.com/office/drawing/2014/main" val="4271669032"/>
+                    <a16:rowId xmlns:a16="http://schemas.microsoft.com/office/drawing/2014/main" val="2361617444"/>
                   </a:ext>
                 </a:extLst>
               </a:tr>
@@ -8714,47 +8585,41 @@
       </p:pic>
       <p:graphicFrame>
         <p:nvGraphicFramePr>
-          <p:cNvPr id="3" name="Table 2"/>
+          <p:cNvPr id="4" name="Table 3"/>
           <p:cNvGraphicFramePr>
             <a:graphicFrameLocks noGrp="1"/>
           </p:cNvGraphicFramePr>
-          <p:nvPr>
-            <p:extLst>
-              <p:ext uri="{D42A27DB-BD31-4B8C-83A1-F6EECF244321}">
-                <p14:modId xmlns:p14="http://schemas.microsoft.com/office/powerpoint/2010/main" val="4013913995"/>
-              </p:ext>
-            </p:extLst>
-          </p:nvPr>
+          <p:nvPr/>
         </p:nvGraphicFramePr>
         <p:xfrm>
-          <a:off x="1826609" y="2090132"/>
-          <a:ext cx="5937250" cy="3049592"/>
+          <a:off x="3127375" y="2207417"/>
+          <a:ext cx="5937250" cy="3500439"/>
         </p:xfrm>
         <a:graphic>
           <a:graphicData uri="http://schemas.openxmlformats.org/drawingml/2006/table">
             <a:tbl>
               <a:tblPr firstRow="1" firstCol="1" bandRow="1">
-                <a:tableStyleId>{21E4AEA4-8DFA-4A89-87EB-49C32662AFE0}</a:tableStyleId>
+                <a:tableStyleId>{5C22544A-7EE6-4342-B048-85BDC9FD1C3A}</a:tableStyleId>
               </a:tblPr>
               <a:tblGrid>
                 <a:gridCol w="1347470">
                   <a:extLst>
                     <a:ext uri="{9D8B030D-6E8A-4147-A177-3AD203B41FA5}">
-                      <a16:colId xmlns:a16="http://schemas.microsoft.com/office/drawing/2014/main" val="2739831082"/>
+                      <a16:colId xmlns:a16="http://schemas.microsoft.com/office/drawing/2014/main" val="3182707605"/>
                     </a:ext>
                   </a:extLst>
                 </a:gridCol>
                 <a:gridCol w="2124075">
                   <a:extLst>
                     <a:ext uri="{9D8B030D-6E8A-4147-A177-3AD203B41FA5}">
-                      <a16:colId xmlns:a16="http://schemas.microsoft.com/office/drawing/2014/main" val="1049792241"/>
+                      <a16:colId xmlns:a16="http://schemas.microsoft.com/office/drawing/2014/main" val="1280278356"/>
                     </a:ext>
                   </a:extLst>
                 </a:gridCol>
                 <a:gridCol w="2465705">
                   <a:extLst>
                     <a:ext uri="{9D8B030D-6E8A-4147-A177-3AD203B41FA5}">
-                      <a16:colId xmlns:a16="http://schemas.microsoft.com/office/drawing/2014/main" val="2414307853"/>
+                      <a16:colId xmlns:a16="http://schemas.microsoft.com/office/drawing/2014/main" val="3375424380"/>
                     </a:ext>
                   </a:extLst>
                 </a:gridCol>
@@ -8803,22 +8668,907 @@
                         </a:spcAft>
                       </a:pPr>
                       <a:r>
+                        <a:rPr lang="en-PH" sz="1100">
+                          <a:effectLst/>
+                        </a:rPr>
+                        <a:t>Decrypts the data</a:t>
+                      </a:r>
+                      <a:endParaRPr lang="en-PH" sz="1100">
+                        <a:effectLst/>
+                        <a:latin typeface="Calibri" panose="020F0502020204030204" pitchFamily="34" charset="0"/>
+                        <a:ea typeface="Calibri" panose="020F0502020204030204" pitchFamily="34" charset="0"/>
+                        <a:cs typeface="Times New Roman" panose="02020603050405020304" pitchFamily="18" charset="0"/>
+                      </a:endParaRPr>
+                    </a:p>
+                  </a:txBody>
+                  <a:tcPr marL="68580" marR="68580" marT="0" marB="0"/>
+                </a:tc>
+                <a:tc hMerge="1">
+                  <a:txBody>
+                    <a:bodyPr/>
+                    <a:lstStyle/>
+                    <a:p>
+                      <a:endParaRPr lang="en-PH"/>
+                    </a:p>
+                  </a:txBody>
+                  <a:tcPr/>
+                </a:tc>
+                <a:extLst>
+                  <a:ext uri="{0D108BD9-81ED-4DB2-BD59-A6C34878D82A}">
+                    <a16:rowId xmlns:a16="http://schemas.microsoft.com/office/drawing/2014/main" val="914145948"/>
+                  </a:ext>
+                </a:extLst>
+              </a:tr>
+              <a:tr h="0">
+                <a:tc>
+                  <a:txBody>
+                    <a:bodyPr/>
+                    <a:lstStyle/>
+                    <a:p>
+                      <a:pPr>
+                        <a:lnSpc>
+                          <a:spcPct val="107000"/>
+                        </a:lnSpc>
+                        <a:spcAft>
+                          <a:spcPts val="0"/>
+                        </a:spcAft>
+                      </a:pPr>
+                      <a:r>
+                        <a:rPr lang="en-PH" sz="1100">
+                          <a:effectLst/>
+                        </a:rPr>
+                        <a:t>Scenario:</a:t>
+                      </a:r>
+                      <a:endParaRPr lang="en-PH" sz="1100">
+                        <a:effectLst/>
+                        <a:latin typeface="Calibri" panose="020F0502020204030204" pitchFamily="34" charset="0"/>
+                        <a:ea typeface="Calibri" panose="020F0502020204030204" pitchFamily="34" charset="0"/>
+                        <a:cs typeface="Times New Roman" panose="02020603050405020304" pitchFamily="18" charset="0"/>
+                      </a:endParaRPr>
+                    </a:p>
+                  </a:txBody>
+                  <a:tcPr marL="68580" marR="68580" marT="0" marB="0"/>
+                </a:tc>
+                <a:tc gridSpan="2">
+                  <a:txBody>
+                    <a:bodyPr/>
+                    <a:lstStyle/>
+                    <a:p>
+                      <a:pPr>
+                        <a:lnSpc>
+                          <a:spcPct val="107000"/>
+                        </a:lnSpc>
+                        <a:spcAft>
+                          <a:spcPts val="0"/>
+                        </a:spcAft>
+                      </a:pPr>
+                      <a:r>
+                        <a:rPr lang="en-PH" sz="1100">
+                          <a:effectLst/>
+                        </a:rPr>
+                        <a:t>VCM decrypts the data using its private keys</a:t>
+                      </a:r>
+                      <a:endParaRPr lang="en-PH" sz="1100">
+                        <a:effectLst/>
+                        <a:latin typeface="Calibri" panose="020F0502020204030204" pitchFamily="34" charset="0"/>
+                        <a:ea typeface="Calibri" panose="020F0502020204030204" pitchFamily="34" charset="0"/>
+                        <a:cs typeface="Times New Roman" panose="02020603050405020304" pitchFamily="18" charset="0"/>
+                      </a:endParaRPr>
+                    </a:p>
+                  </a:txBody>
+                  <a:tcPr marL="68580" marR="68580" marT="0" marB="0"/>
+                </a:tc>
+                <a:tc hMerge="1">
+                  <a:txBody>
+                    <a:bodyPr/>
+                    <a:lstStyle/>
+                    <a:p>
+                      <a:endParaRPr lang="en-PH"/>
+                    </a:p>
+                  </a:txBody>
+                  <a:tcPr/>
+                </a:tc>
+                <a:extLst>
+                  <a:ext uri="{0D108BD9-81ED-4DB2-BD59-A6C34878D82A}">
+                    <a16:rowId xmlns:a16="http://schemas.microsoft.com/office/drawing/2014/main" val="1319199521"/>
+                  </a:ext>
+                </a:extLst>
+              </a:tr>
+              <a:tr h="0">
+                <a:tc>
+                  <a:txBody>
+                    <a:bodyPr/>
+                    <a:lstStyle/>
+                    <a:p>
+                      <a:pPr>
+                        <a:lnSpc>
+                          <a:spcPct val="107000"/>
+                        </a:lnSpc>
+                        <a:spcAft>
+                          <a:spcPts val="0"/>
+                        </a:spcAft>
+                      </a:pPr>
+                      <a:r>
+                        <a:rPr lang="en-PH" sz="1100">
+                          <a:effectLst/>
+                        </a:rPr>
+                        <a:t>Triggering Event:</a:t>
+                      </a:r>
+                      <a:endParaRPr lang="en-PH" sz="1100">
+                        <a:effectLst/>
+                        <a:latin typeface="Calibri" panose="020F0502020204030204" pitchFamily="34" charset="0"/>
+                        <a:ea typeface="Calibri" panose="020F0502020204030204" pitchFamily="34" charset="0"/>
+                        <a:cs typeface="Times New Roman" panose="02020603050405020304" pitchFamily="18" charset="0"/>
+                      </a:endParaRPr>
+                    </a:p>
+                  </a:txBody>
+                  <a:tcPr marL="68580" marR="68580" marT="0" marB="0"/>
+                </a:tc>
+                <a:tc gridSpan="2">
+                  <a:txBody>
+                    <a:bodyPr/>
+                    <a:lstStyle/>
+                    <a:p>
+                      <a:pPr>
+                        <a:lnSpc>
+                          <a:spcPct val="107000"/>
+                        </a:lnSpc>
+                        <a:spcAft>
+                          <a:spcPts val="0"/>
+                        </a:spcAft>
+                      </a:pPr>
+                      <a:r>
+                        <a:rPr lang="en-PH" sz="1100">
+                          <a:effectLst/>
+                        </a:rPr>
+                        <a:t>Received encrypted data</a:t>
+                      </a:r>
+                      <a:endParaRPr lang="en-PH" sz="1100">
+                        <a:effectLst/>
+                        <a:latin typeface="Calibri" panose="020F0502020204030204" pitchFamily="34" charset="0"/>
+                        <a:ea typeface="Calibri" panose="020F0502020204030204" pitchFamily="34" charset="0"/>
+                        <a:cs typeface="Times New Roman" panose="02020603050405020304" pitchFamily="18" charset="0"/>
+                      </a:endParaRPr>
+                    </a:p>
+                  </a:txBody>
+                  <a:tcPr marL="68580" marR="68580" marT="0" marB="0"/>
+                </a:tc>
+                <a:tc hMerge="1">
+                  <a:txBody>
+                    <a:bodyPr/>
+                    <a:lstStyle/>
+                    <a:p>
+                      <a:endParaRPr lang="en-PH"/>
+                    </a:p>
+                  </a:txBody>
+                  <a:tcPr/>
+                </a:tc>
+                <a:extLst>
+                  <a:ext uri="{0D108BD9-81ED-4DB2-BD59-A6C34878D82A}">
+                    <a16:rowId xmlns:a16="http://schemas.microsoft.com/office/drawing/2014/main" val="275840946"/>
+                  </a:ext>
+                </a:extLst>
+              </a:tr>
+              <a:tr h="0">
+                <a:tc>
+                  <a:txBody>
+                    <a:bodyPr/>
+                    <a:lstStyle/>
+                    <a:p>
+                      <a:pPr>
+                        <a:lnSpc>
+                          <a:spcPct val="107000"/>
+                        </a:lnSpc>
+                        <a:spcAft>
+                          <a:spcPts val="0"/>
+                        </a:spcAft>
+                      </a:pPr>
+                      <a:r>
+                        <a:rPr lang="en-PH" sz="1100">
+                          <a:effectLst/>
+                        </a:rPr>
+                        <a:t>Brief Description:</a:t>
+                      </a:r>
+                      <a:endParaRPr lang="en-PH" sz="1100">
+                        <a:effectLst/>
+                        <a:latin typeface="Calibri" panose="020F0502020204030204" pitchFamily="34" charset="0"/>
+                        <a:ea typeface="Calibri" panose="020F0502020204030204" pitchFamily="34" charset="0"/>
+                        <a:cs typeface="Times New Roman" panose="02020603050405020304" pitchFamily="18" charset="0"/>
+                      </a:endParaRPr>
+                    </a:p>
+                  </a:txBody>
+                  <a:tcPr marL="68580" marR="68580" marT="0" marB="0"/>
+                </a:tc>
+                <a:tc gridSpan="2">
+                  <a:txBody>
+                    <a:bodyPr/>
+                    <a:lstStyle/>
+                    <a:p>
+                      <a:pPr>
+                        <a:lnSpc>
+                          <a:spcPct val="107000"/>
+                        </a:lnSpc>
+                        <a:spcAft>
+                          <a:spcPts val="0"/>
+                        </a:spcAft>
+                      </a:pPr>
+                      <a:r>
+                        <a:rPr lang="en-PH" sz="1100">
+                          <a:effectLst/>
+                        </a:rPr>
+                        <a:t>In order for the VCM to read the data sent by the servers, it has to decrypt it using its very own private key.</a:t>
+                      </a:r>
+                      <a:endParaRPr lang="en-PH" sz="1100">
+                        <a:effectLst/>
+                        <a:latin typeface="Calibri" panose="020F0502020204030204" pitchFamily="34" charset="0"/>
+                        <a:ea typeface="Calibri" panose="020F0502020204030204" pitchFamily="34" charset="0"/>
+                        <a:cs typeface="Times New Roman" panose="02020603050405020304" pitchFamily="18" charset="0"/>
+                      </a:endParaRPr>
+                    </a:p>
+                  </a:txBody>
+                  <a:tcPr marL="68580" marR="68580" marT="0" marB="0"/>
+                </a:tc>
+                <a:tc hMerge="1">
+                  <a:txBody>
+                    <a:bodyPr/>
+                    <a:lstStyle/>
+                    <a:p>
+                      <a:endParaRPr lang="en-PH"/>
+                    </a:p>
+                  </a:txBody>
+                  <a:tcPr/>
+                </a:tc>
+                <a:extLst>
+                  <a:ext uri="{0D108BD9-81ED-4DB2-BD59-A6C34878D82A}">
+                    <a16:rowId xmlns:a16="http://schemas.microsoft.com/office/drawing/2014/main" val="1949047603"/>
+                  </a:ext>
+                </a:extLst>
+              </a:tr>
+              <a:tr h="0">
+                <a:tc>
+                  <a:txBody>
+                    <a:bodyPr/>
+                    <a:lstStyle/>
+                    <a:p>
+                      <a:pPr>
+                        <a:lnSpc>
+                          <a:spcPct val="107000"/>
+                        </a:lnSpc>
+                        <a:spcAft>
+                          <a:spcPts val="0"/>
+                        </a:spcAft>
+                      </a:pPr>
+                      <a:r>
+                        <a:rPr lang="en-PH" sz="1100">
+                          <a:effectLst/>
+                        </a:rPr>
+                        <a:t>Actor(s):</a:t>
+                      </a:r>
+                      <a:endParaRPr lang="en-PH" sz="1100">
+                        <a:effectLst/>
+                        <a:latin typeface="Calibri" panose="020F0502020204030204" pitchFamily="34" charset="0"/>
+                        <a:ea typeface="Calibri" panose="020F0502020204030204" pitchFamily="34" charset="0"/>
+                        <a:cs typeface="Times New Roman" panose="02020603050405020304" pitchFamily="18" charset="0"/>
+                      </a:endParaRPr>
+                    </a:p>
+                  </a:txBody>
+                  <a:tcPr marL="68580" marR="68580" marT="0" marB="0"/>
+                </a:tc>
+                <a:tc gridSpan="2">
+                  <a:txBody>
+                    <a:bodyPr/>
+                    <a:lstStyle/>
+                    <a:p>
+                      <a:pPr>
+                        <a:lnSpc>
+                          <a:spcPct val="107000"/>
+                        </a:lnSpc>
+                        <a:spcAft>
+                          <a:spcPts val="0"/>
+                        </a:spcAft>
+                      </a:pPr>
+                      <a:r>
+                        <a:rPr lang="en-PH" sz="1100">
+                          <a:effectLst/>
+                        </a:rPr>
+                        <a:t>VCM, CCS, Central Server, Transparency Server</a:t>
+                      </a:r>
+                      <a:endParaRPr lang="en-PH" sz="1100">
+                        <a:effectLst/>
+                        <a:latin typeface="Calibri" panose="020F0502020204030204" pitchFamily="34" charset="0"/>
+                        <a:ea typeface="Calibri" panose="020F0502020204030204" pitchFamily="34" charset="0"/>
+                        <a:cs typeface="Times New Roman" panose="02020603050405020304" pitchFamily="18" charset="0"/>
+                      </a:endParaRPr>
+                    </a:p>
+                  </a:txBody>
+                  <a:tcPr marL="68580" marR="68580" marT="0" marB="0"/>
+                </a:tc>
+                <a:tc hMerge="1">
+                  <a:txBody>
+                    <a:bodyPr/>
+                    <a:lstStyle/>
+                    <a:p>
+                      <a:endParaRPr lang="en-PH"/>
+                    </a:p>
+                  </a:txBody>
+                  <a:tcPr/>
+                </a:tc>
+                <a:extLst>
+                  <a:ext uri="{0D108BD9-81ED-4DB2-BD59-A6C34878D82A}">
+                    <a16:rowId xmlns:a16="http://schemas.microsoft.com/office/drawing/2014/main" val="2019414305"/>
+                  </a:ext>
+                </a:extLst>
+              </a:tr>
+              <a:tr h="0">
+                <a:tc>
+                  <a:txBody>
+                    <a:bodyPr/>
+                    <a:lstStyle/>
+                    <a:p>
+                      <a:pPr>
+                        <a:lnSpc>
+                          <a:spcPct val="107000"/>
+                        </a:lnSpc>
+                        <a:spcAft>
+                          <a:spcPts val="0"/>
+                        </a:spcAft>
+                      </a:pPr>
+                      <a:r>
+                        <a:rPr lang="en-PH" sz="1100">
+                          <a:effectLst/>
+                        </a:rPr>
+                        <a:t>Related Use Cases:</a:t>
+                      </a:r>
+                      <a:endParaRPr lang="en-PH" sz="1100">
+                        <a:effectLst/>
+                        <a:latin typeface="Calibri" panose="020F0502020204030204" pitchFamily="34" charset="0"/>
+                        <a:ea typeface="Calibri" panose="020F0502020204030204" pitchFamily="34" charset="0"/>
+                        <a:cs typeface="Times New Roman" panose="02020603050405020304" pitchFamily="18" charset="0"/>
+                      </a:endParaRPr>
+                    </a:p>
+                  </a:txBody>
+                  <a:tcPr marL="68580" marR="68580" marT="0" marB="0"/>
+                </a:tc>
+                <a:tc gridSpan="2">
+                  <a:txBody>
+                    <a:bodyPr/>
+                    <a:lstStyle/>
+                    <a:p>
+                      <a:pPr>
+                        <a:lnSpc>
+                          <a:spcPct val="107000"/>
+                        </a:lnSpc>
+                        <a:spcAft>
+                          <a:spcPts val="0"/>
+                        </a:spcAft>
+                      </a:pPr>
+                      <a:r>
+                        <a:rPr lang="en-PH" sz="1100">
+                          <a:effectLst/>
+                        </a:rPr>
+                        <a:t>Send encrypted data</a:t>
+                      </a:r>
+                      <a:endParaRPr lang="en-PH" sz="1100">
+                        <a:effectLst/>
+                        <a:latin typeface="Calibri" panose="020F0502020204030204" pitchFamily="34" charset="0"/>
+                        <a:ea typeface="Calibri" panose="020F0502020204030204" pitchFamily="34" charset="0"/>
+                        <a:cs typeface="Times New Roman" panose="02020603050405020304" pitchFamily="18" charset="0"/>
+                      </a:endParaRPr>
+                    </a:p>
+                  </a:txBody>
+                  <a:tcPr marL="68580" marR="68580" marT="0" marB="0"/>
+                </a:tc>
+                <a:tc hMerge="1">
+                  <a:txBody>
+                    <a:bodyPr/>
+                    <a:lstStyle/>
+                    <a:p>
+                      <a:endParaRPr lang="en-PH"/>
+                    </a:p>
+                  </a:txBody>
+                  <a:tcPr/>
+                </a:tc>
+                <a:extLst>
+                  <a:ext uri="{0D108BD9-81ED-4DB2-BD59-A6C34878D82A}">
+                    <a16:rowId xmlns:a16="http://schemas.microsoft.com/office/drawing/2014/main" val="1704163824"/>
+                  </a:ext>
+                </a:extLst>
+              </a:tr>
+              <a:tr h="0">
+                <a:tc>
+                  <a:txBody>
+                    <a:bodyPr/>
+                    <a:lstStyle/>
+                    <a:p>
+                      <a:pPr>
+                        <a:lnSpc>
+                          <a:spcPct val="107000"/>
+                        </a:lnSpc>
+                        <a:spcAft>
+                          <a:spcPts val="0"/>
+                        </a:spcAft>
+                      </a:pPr>
+                      <a:r>
+                        <a:rPr lang="en-PH" sz="1100">
+                          <a:effectLst/>
+                        </a:rPr>
+                        <a:t>Stakeholders:</a:t>
+                      </a:r>
+                      <a:endParaRPr lang="en-PH" sz="1100">
+                        <a:effectLst/>
+                        <a:latin typeface="Calibri" panose="020F0502020204030204" pitchFamily="34" charset="0"/>
+                        <a:ea typeface="Calibri" panose="020F0502020204030204" pitchFamily="34" charset="0"/>
+                        <a:cs typeface="Times New Roman" panose="02020603050405020304" pitchFamily="18" charset="0"/>
+                      </a:endParaRPr>
+                    </a:p>
+                  </a:txBody>
+                  <a:tcPr marL="68580" marR="68580" marT="0" marB="0"/>
+                </a:tc>
+                <a:tc gridSpan="2">
+                  <a:txBody>
+                    <a:bodyPr/>
+                    <a:lstStyle/>
+                    <a:p>
+                      <a:pPr>
+                        <a:lnSpc>
+                          <a:spcPct val="107000"/>
+                        </a:lnSpc>
+                        <a:spcAft>
+                          <a:spcPts val="0"/>
+                        </a:spcAft>
+                      </a:pPr>
+                      <a:r>
+                        <a:rPr lang="en-PH" sz="1100">
+                          <a:effectLst/>
+                        </a:rPr>
+                        <a:t>The VCMs must decrypt the data using the private key assigned to it</a:t>
+                      </a:r>
+                      <a:endParaRPr lang="en-PH" sz="1100">
+                        <a:effectLst/>
+                        <a:latin typeface="Calibri" panose="020F0502020204030204" pitchFamily="34" charset="0"/>
+                        <a:ea typeface="Calibri" panose="020F0502020204030204" pitchFamily="34" charset="0"/>
+                        <a:cs typeface="Times New Roman" panose="02020603050405020304" pitchFamily="18" charset="0"/>
+                      </a:endParaRPr>
+                    </a:p>
+                  </a:txBody>
+                  <a:tcPr marL="68580" marR="68580" marT="0" marB="0"/>
+                </a:tc>
+                <a:tc hMerge="1">
+                  <a:txBody>
+                    <a:bodyPr/>
+                    <a:lstStyle/>
+                    <a:p>
+                      <a:endParaRPr lang="en-PH"/>
+                    </a:p>
+                  </a:txBody>
+                  <a:tcPr/>
+                </a:tc>
+                <a:extLst>
+                  <a:ext uri="{0D108BD9-81ED-4DB2-BD59-A6C34878D82A}">
+                    <a16:rowId xmlns:a16="http://schemas.microsoft.com/office/drawing/2014/main" val="2339655010"/>
+                  </a:ext>
+                </a:extLst>
+              </a:tr>
+              <a:tr h="0">
+                <a:tc>
+                  <a:txBody>
+                    <a:bodyPr/>
+                    <a:lstStyle/>
+                    <a:p>
+                      <a:pPr>
+                        <a:lnSpc>
+                          <a:spcPct val="107000"/>
+                        </a:lnSpc>
+                        <a:spcAft>
+                          <a:spcPts val="0"/>
+                        </a:spcAft>
+                      </a:pPr>
+                      <a:r>
+                        <a:rPr lang="en-PH" sz="1100">
+                          <a:effectLst/>
+                        </a:rPr>
+                        <a:t>Precondition:</a:t>
+                      </a:r>
+                      <a:endParaRPr lang="en-PH" sz="1100">
+                        <a:effectLst/>
+                        <a:latin typeface="Calibri" panose="020F0502020204030204" pitchFamily="34" charset="0"/>
+                        <a:ea typeface="Calibri" panose="020F0502020204030204" pitchFamily="34" charset="0"/>
+                        <a:cs typeface="Times New Roman" panose="02020603050405020304" pitchFamily="18" charset="0"/>
+                      </a:endParaRPr>
+                    </a:p>
+                  </a:txBody>
+                  <a:tcPr marL="68580" marR="68580" marT="0" marB="0"/>
+                </a:tc>
+                <a:tc gridSpan="2">
+                  <a:txBody>
+                    <a:bodyPr/>
+                    <a:lstStyle/>
+                    <a:p>
+                      <a:pPr>
+                        <a:lnSpc>
+                          <a:spcPct val="107000"/>
+                        </a:lnSpc>
+                        <a:spcAft>
+                          <a:spcPts val="0"/>
+                        </a:spcAft>
+                      </a:pPr>
+                      <a:r>
+                        <a:rPr lang="en-PH" sz="1100">
+                          <a:effectLst/>
+                        </a:rPr>
+                        <a:t>Sent encrypted data</a:t>
+                      </a:r>
+                      <a:endParaRPr lang="en-PH" sz="1100">
+                        <a:effectLst/>
+                        <a:latin typeface="Calibri" panose="020F0502020204030204" pitchFamily="34" charset="0"/>
+                        <a:ea typeface="Calibri" panose="020F0502020204030204" pitchFamily="34" charset="0"/>
+                        <a:cs typeface="Times New Roman" panose="02020603050405020304" pitchFamily="18" charset="0"/>
+                      </a:endParaRPr>
+                    </a:p>
+                  </a:txBody>
+                  <a:tcPr marL="68580" marR="68580" marT="0" marB="0"/>
+                </a:tc>
+                <a:tc hMerge="1">
+                  <a:txBody>
+                    <a:bodyPr/>
+                    <a:lstStyle/>
+                    <a:p>
+                      <a:endParaRPr lang="en-PH"/>
+                    </a:p>
+                  </a:txBody>
+                  <a:tcPr/>
+                </a:tc>
+                <a:extLst>
+                  <a:ext uri="{0D108BD9-81ED-4DB2-BD59-A6C34878D82A}">
+                    <a16:rowId xmlns:a16="http://schemas.microsoft.com/office/drawing/2014/main" val="4007810786"/>
+                  </a:ext>
+                </a:extLst>
+              </a:tr>
+              <a:tr h="0">
+                <a:tc>
+                  <a:txBody>
+                    <a:bodyPr/>
+                    <a:lstStyle/>
+                    <a:p>
+                      <a:pPr>
+                        <a:lnSpc>
+                          <a:spcPct val="107000"/>
+                        </a:lnSpc>
+                        <a:spcAft>
+                          <a:spcPts val="0"/>
+                        </a:spcAft>
+                      </a:pPr>
+                      <a:r>
+                        <a:rPr lang="en-PH" sz="1100">
+                          <a:effectLst/>
+                        </a:rPr>
+                        <a:t>Postcondition:</a:t>
+                      </a:r>
+                      <a:endParaRPr lang="en-PH" sz="1100">
+                        <a:effectLst/>
+                        <a:latin typeface="Calibri" panose="020F0502020204030204" pitchFamily="34" charset="0"/>
+                        <a:ea typeface="Calibri" panose="020F0502020204030204" pitchFamily="34" charset="0"/>
+                        <a:cs typeface="Times New Roman" panose="02020603050405020304" pitchFamily="18" charset="0"/>
+                      </a:endParaRPr>
+                    </a:p>
+                  </a:txBody>
+                  <a:tcPr marL="68580" marR="68580" marT="0" marB="0"/>
+                </a:tc>
+                <a:tc gridSpan="2">
+                  <a:txBody>
+                    <a:bodyPr/>
+                    <a:lstStyle/>
+                    <a:p>
+                      <a:pPr>
+                        <a:lnSpc>
+                          <a:spcPct val="107000"/>
+                        </a:lnSpc>
+                        <a:spcAft>
+                          <a:spcPts val="0"/>
+                        </a:spcAft>
+                      </a:pPr>
+                      <a:r>
+                        <a:rPr lang="en-PH" sz="1100">
+                          <a:effectLst/>
+                        </a:rPr>
+                        <a:t>Decrypted the data</a:t>
+                      </a:r>
+                      <a:endParaRPr lang="en-PH" sz="1100">
+                        <a:effectLst/>
+                        <a:latin typeface="Calibri" panose="020F0502020204030204" pitchFamily="34" charset="0"/>
+                        <a:ea typeface="Calibri" panose="020F0502020204030204" pitchFamily="34" charset="0"/>
+                        <a:cs typeface="Times New Roman" panose="02020603050405020304" pitchFamily="18" charset="0"/>
+                      </a:endParaRPr>
+                    </a:p>
+                  </a:txBody>
+                  <a:tcPr marL="68580" marR="68580" marT="0" marB="0"/>
+                </a:tc>
+                <a:tc hMerge="1">
+                  <a:txBody>
+                    <a:bodyPr/>
+                    <a:lstStyle/>
+                    <a:p>
+                      <a:endParaRPr lang="en-PH"/>
+                    </a:p>
+                  </a:txBody>
+                  <a:tcPr/>
+                </a:tc>
+                <a:extLst>
+                  <a:ext uri="{0D108BD9-81ED-4DB2-BD59-A6C34878D82A}">
+                    <a16:rowId xmlns:a16="http://schemas.microsoft.com/office/drawing/2014/main" val="2186495743"/>
+                  </a:ext>
+                </a:extLst>
+              </a:tr>
+              <a:tr h="0">
+                <a:tc>
+                  <a:txBody>
+                    <a:bodyPr/>
+                    <a:lstStyle/>
+                    <a:p>
+                      <a:pPr>
+                        <a:lnSpc>
+                          <a:spcPct val="107000"/>
+                        </a:lnSpc>
+                        <a:spcAft>
+                          <a:spcPts val="0"/>
+                        </a:spcAft>
+                      </a:pPr>
+                      <a:r>
+                        <a:rPr lang="en-PH" sz="1100">
+                          <a:effectLst/>
+                        </a:rPr>
+                        <a:t>Basic Flow:</a:t>
+                      </a:r>
+                      <a:endParaRPr lang="en-PH" sz="1100">
+                        <a:effectLst/>
+                        <a:latin typeface="Calibri" panose="020F0502020204030204" pitchFamily="34" charset="0"/>
+                        <a:ea typeface="Calibri" panose="020F0502020204030204" pitchFamily="34" charset="0"/>
+                        <a:cs typeface="Times New Roman" panose="02020603050405020304" pitchFamily="18" charset="0"/>
+                      </a:endParaRPr>
+                    </a:p>
+                  </a:txBody>
+                  <a:tcPr marL="68580" marR="68580" marT="0" marB="0"/>
+                </a:tc>
+                <a:tc>
+                  <a:txBody>
+                    <a:bodyPr/>
+                    <a:lstStyle/>
+                    <a:p>
+                      <a:pPr>
+                        <a:lnSpc>
+                          <a:spcPct val="107000"/>
+                        </a:lnSpc>
+                        <a:spcAft>
+                          <a:spcPts val="0"/>
+                        </a:spcAft>
+                      </a:pPr>
+                      <a:r>
+                        <a:rPr lang="en-PH" sz="1100">
+                          <a:effectLst/>
+                        </a:rPr>
+                        <a:t>Actor:</a:t>
+                      </a:r>
+                    </a:p>
+                    <a:p>
+                      <a:pPr>
+                        <a:lnSpc>
+                          <a:spcPct val="107000"/>
+                        </a:lnSpc>
+                        <a:spcAft>
+                          <a:spcPts val="0"/>
+                        </a:spcAft>
+                      </a:pPr>
+                      <a:r>
+                        <a:rPr lang="en-PH" sz="1100">
+                          <a:effectLst/>
+                        </a:rPr>
+                        <a:t>1. Poll watchers ensure that no one will intervene the transmission process.</a:t>
+                      </a:r>
+                    </a:p>
+                    <a:p>
+                      <a:pPr>
+                        <a:lnSpc>
+                          <a:spcPct val="107000"/>
+                        </a:lnSpc>
+                        <a:spcAft>
+                          <a:spcPts val="0"/>
+                        </a:spcAft>
+                      </a:pPr>
+                      <a:r>
+                        <a:rPr lang="en-PH" sz="1100">
+                          <a:effectLst/>
+                        </a:rPr>
+                        <a:t> </a:t>
+                      </a:r>
+                      <a:endParaRPr lang="en-PH" sz="1100">
+                        <a:effectLst/>
+                        <a:latin typeface="Calibri" panose="020F0502020204030204" pitchFamily="34" charset="0"/>
+                        <a:ea typeface="Calibri" panose="020F0502020204030204" pitchFamily="34" charset="0"/>
+                        <a:cs typeface="Times New Roman" panose="02020603050405020304" pitchFamily="18" charset="0"/>
+                      </a:endParaRPr>
+                    </a:p>
+                  </a:txBody>
+                  <a:tcPr marL="68580" marR="68580" marT="0" marB="0"/>
+                </a:tc>
+                <a:tc>
+                  <a:txBody>
+                    <a:bodyPr/>
+                    <a:lstStyle/>
+                    <a:p>
+                      <a:pPr>
+                        <a:lnSpc>
+                          <a:spcPct val="107000"/>
+                        </a:lnSpc>
+                        <a:spcAft>
+                          <a:spcPts val="0"/>
+                        </a:spcAft>
+                      </a:pPr>
+                      <a:r>
+                        <a:rPr lang="en-PH" sz="1100">
+                          <a:effectLst/>
+                        </a:rPr>
+                        <a:t>System Response:</a:t>
+                      </a:r>
+                    </a:p>
+                    <a:p>
+                      <a:pPr>
+                        <a:lnSpc>
+                          <a:spcPct val="107000"/>
+                        </a:lnSpc>
+                        <a:spcAft>
+                          <a:spcPts val="0"/>
+                        </a:spcAft>
+                      </a:pPr>
+                      <a:r>
+                        <a:rPr lang="en-PH" sz="1100">
+                          <a:effectLst/>
+                        </a:rPr>
+                        <a:t>1.1 The System will decrypt the data that was encrypted and interpret it into a language that is understandable.</a:t>
+                      </a:r>
+                    </a:p>
+                    <a:p>
+                      <a:pPr>
+                        <a:lnSpc>
+                          <a:spcPct val="107000"/>
+                        </a:lnSpc>
+                        <a:spcAft>
+                          <a:spcPts val="0"/>
+                        </a:spcAft>
+                      </a:pPr>
+                      <a:r>
+                        <a:rPr lang="en-PH" sz="1100">
+                          <a:effectLst/>
+                        </a:rPr>
+                        <a:t> </a:t>
+                      </a:r>
+                    </a:p>
+                    <a:p>
+                      <a:pPr>
+                        <a:lnSpc>
+                          <a:spcPct val="107000"/>
+                        </a:lnSpc>
+                        <a:spcAft>
+                          <a:spcPts val="0"/>
+                        </a:spcAft>
+                      </a:pPr>
+                      <a:r>
+                        <a:rPr lang="en-PH" sz="1100">
+                          <a:effectLst/>
+                        </a:rPr>
+                        <a:t> </a:t>
+                      </a:r>
+                    </a:p>
+                    <a:p>
+                      <a:pPr>
+                        <a:lnSpc>
+                          <a:spcPct val="107000"/>
+                        </a:lnSpc>
+                        <a:spcAft>
+                          <a:spcPts val="0"/>
+                        </a:spcAft>
+                      </a:pPr>
+                      <a:r>
+                        <a:rPr lang="en-PH" sz="1100">
+                          <a:effectLst/>
+                        </a:rPr>
+                        <a:t> </a:t>
+                      </a:r>
+                    </a:p>
+                    <a:p>
+                      <a:pPr>
+                        <a:lnSpc>
+                          <a:spcPct val="107000"/>
+                        </a:lnSpc>
+                        <a:spcAft>
+                          <a:spcPts val="0"/>
+                        </a:spcAft>
+                      </a:pPr>
+                      <a:r>
+                        <a:rPr lang="en-PH" sz="1100">
+                          <a:effectLst/>
+                        </a:rPr>
+                        <a:t> </a:t>
+                      </a:r>
+                      <a:endParaRPr lang="en-PH" sz="1100">
+                        <a:effectLst/>
+                        <a:latin typeface="Calibri" panose="020F0502020204030204" pitchFamily="34" charset="0"/>
+                        <a:ea typeface="Calibri" panose="020F0502020204030204" pitchFamily="34" charset="0"/>
+                        <a:cs typeface="Times New Roman" panose="02020603050405020304" pitchFamily="18" charset="0"/>
+                      </a:endParaRPr>
+                    </a:p>
+                  </a:txBody>
+                  <a:tcPr marL="68580" marR="68580" marT="0" marB="0"/>
+                </a:tc>
+                <a:extLst>
+                  <a:ext uri="{0D108BD9-81ED-4DB2-BD59-A6C34878D82A}">
+                    <a16:rowId xmlns:a16="http://schemas.microsoft.com/office/drawing/2014/main" val="1033154902"/>
+                  </a:ext>
+                </a:extLst>
+              </a:tr>
+              <a:tr h="0">
+                <a:tc>
+                  <a:txBody>
+                    <a:bodyPr/>
+                    <a:lstStyle/>
+                    <a:p>
+                      <a:pPr>
+                        <a:lnSpc>
+                          <a:spcPct val="107000"/>
+                        </a:lnSpc>
+                        <a:spcAft>
+                          <a:spcPts val="0"/>
+                        </a:spcAft>
+                      </a:pPr>
+                      <a:r>
+                        <a:rPr lang="en-PH" sz="1100">
+                          <a:effectLst/>
+                        </a:rPr>
+                        <a:t>Exceptions:</a:t>
+                      </a:r>
+                      <a:endParaRPr lang="en-PH" sz="1100">
+                        <a:effectLst/>
+                        <a:latin typeface="Calibri" panose="020F0502020204030204" pitchFamily="34" charset="0"/>
+                        <a:ea typeface="Calibri" panose="020F0502020204030204" pitchFamily="34" charset="0"/>
+                        <a:cs typeface="Times New Roman" panose="02020603050405020304" pitchFamily="18" charset="0"/>
+                      </a:endParaRPr>
+                    </a:p>
+                  </a:txBody>
+                  <a:tcPr marL="68580" marR="68580" marT="0" marB="0"/>
+                </a:tc>
+                <a:tc gridSpan="2">
+                  <a:txBody>
+                    <a:bodyPr/>
+                    <a:lstStyle/>
+                    <a:p>
+                      <a:pPr>
+                        <a:lnSpc>
+                          <a:spcPct val="107000"/>
+                        </a:lnSpc>
+                        <a:spcAft>
+                          <a:spcPts val="0"/>
+                        </a:spcAft>
+                      </a:pPr>
+                      <a:r>
                         <a:rPr lang="en-PH" sz="1100" dirty="0">
                           <a:effectLst/>
-                          <a:latin typeface="+mn-lt"/>
-                          <a:ea typeface="+mn-ea"/>
-                          <a:cs typeface="+mn-cs"/>
-                        </a:rPr>
-                        <a:t>Decrypt</a:t>
-                      </a:r>
-                      <a:r>
-                        <a:rPr lang="en-PH" sz="1100" baseline="0" dirty="0">
-                          <a:effectLst/>
-                          <a:latin typeface="+mn-lt"/>
-                          <a:ea typeface="+mn-ea"/>
-                          <a:cs typeface="+mn-cs"/>
-                        </a:rPr>
-                        <a:t> the data</a:t>
+                        </a:rPr>
+                        <a:t>The machines being used have defects making it impossible to communicate.</a:t>
+                      </a:r>
+                    </a:p>
+                    <a:p>
+                      <a:pPr>
+                        <a:lnSpc>
+                          <a:spcPct val="107000"/>
+                        </a:lnSpc>
+                        <a:spcAft>
+                          <a:spcPts val="0"/>
+                        </a:spcAft>
+                      </a:pPr>
+                      <a:r>
+                        <a:rPr lang="en-PH" sz="1100" dirty="0">
+                          <a:effectLst/>
+                        </a:rPr>
+                        <a:t>Human intervention is present and the system fails to serve its purpose.</a:t>
                       </a:r>
                       <a:endParaRPr lang="en-PH" sz="1100" dirty="0">
                         <a:effectLst/>
@@ -8842,931 +9592,7 @@
                 </a:tc>
                 <a:extLst>
                   <a:ext uri="{0D108BD9-81ED-4DB2-BD59-A6C34878D82A}">
-                    <a16:rowId xmlns:a16="http://schemas.microsoft.com/office/drawing/2014/main" val="2114111540"/>
-                  </a:ext>
-                </a:extLst>
-              </a:tr>
-              <a:tr h="0">
-                <a:tc>
-                  <a:txBody>
-                    <a:bodyPr/>
-                    <a:lstStyle/>
-                    <a:p>
-                      <a:pPr>
-                        <a:lnSpc>
-                          <a:spcPct val="107000"/>
-                        </a:lnSpc>
-                        <a:spcAft>
-                          <a:spcPts val="0"/>
-                        </a:spcAft>
-                      </a:pPr>
-                      <a:r>
-                        <a:rPr lang="en-PH" sz="1100">
-                          <a:effectLst/>
-                        </a:rPr>
-                        <a:t>Scenario:</a:t>
-                      </a:r>
-                      <a:endParaRPr lang="en-PH" sz="1100">
-                        <a:effectLst/>
-                        <a:latin typeface="Calibri" panose="020F0502020204030204" pitchFamily="34" charset="0"/>
-                        <a:ea typeface="Calibri" panose="020F0502020204030204" pitchFamily="34" charset="0"/>
-                        <a:cs typeface="Times New Roman" panose="02020603050405020304" pitchFamily="18" charset="0"/>
-                      </a:endParaRPr>
-                    </a:p>
-                  </a:txBody>
-                  <a:tcPr marL="68580" marR="68580" marT="0" marB="0"/>
-                </a:tc>
-                <a:tc gridSpan="2">
-                  <a:txBody>
-                    <a:bodyPr/>
-                    <a:lstStyle/>
-                    <a:p>
-                      <a:pPr>
-                        <a:lnSpc>
-                          <a:spcPct val="107000"/>
-                        </a:lnSpc>
-                        <a:spcAft>
-                          <a:spcPts val="0"/>
-                        </a:spcAft>
-                      </a:pPr>
-                      <a:r>
-                        <a:rPr lang="en-PH" sz="1100">
-                          <a:effectLst/>
-                        </a:rPr>
-                        <a:t>The System stores the votes in a database</a:t>
-                      </a:r>
-                      <a:endParaRPr lang="en-PH" sz="1100">
-                        <a:effectLst/>
-                        <a:latin typeface="Calibri" panose="020F0502020204030204" pitchFamily="34" charset="0"/>
-                        <a:ea typeface="Calibri" panose="020F0502020204030204" pitchFamily="34" charset="0"/>
-                        <a:cs typeface="Times New Roman" panose="02020603050405020304" pitchFamily="18" charset="0"/>
-                      </a:endParaRPr>
-                    </a:p>
-                  </a:txBody>
-                  <a:tcPr marL="68580" marR="68580" marT="0" marB="0"/>
-                </a:tc>
-                <a:tc hMerge="1">
-                  <a:txBody>
-                    <a:bodyPr/>
-                    <a:lstStyle/>
-                    <a:p>
-                      <a:endParaRPr lang="en-PH"/>
-                    </a:p>
-                  </a:txBody>
-                  <a:tcPr/>
-                </a:tc>
-                <a:extLst>
-                  <a:ext uri="{0D108BD9-81ED-4DB2-BD59-A6C34878D82A}">
-                    <a16:rowId xmlns:a16="http://schemas.microsoft.com/office/drawing/2014/main" val="1339352076"/>
-                  </a:ext>
-                </a:extLst>
-              </a:tr>
-              <a:tr h="0">
-                <a:tc>
-                  <a:txBody>
-                    <a:bodyPr/>
-                    <a:lstStyle/>
-                    <a:p>
-                      <a:pPr>
-                        <a:lnSpc>
-                          <a:spcPct val="107000"/>
-                        </a:lnSpc>
-                        <a:spcAft>
-                          <a:spcPts val="0"/>
-                        </a:spcAft>
-                      </a:pPr>
-                      <a:r>
-                        <a:rPr lang="en-PH" sz="1100">
-                          <a:effectLst/>
-                        </a:rPr>
-                        <a:t>Triggering Event:</a:t>
-                      </a:r>
-                      <a:endParaRPr lang="en-PH" sz="1100">
-                        <a:effectLst/>
-                        <a:latin typeface="Calibri" panose="020F0502020204030204" pitchFamily="34" charset="0"/>
-                        <a:ea typeface="Calibri" panose="020F0502020204030204" pitchFamily="34" charset="0"/>
-                        <a:cs typeface="Times New Roman" panose="02020603050405020304" pitchFamily="18" charset="0"/>
-                      </a:endParaRPr>
-                    </a:p>
-                  </a:txBody>
-                  <a:tcPr marL="68580" marR="68580" marT="0" marB="0"/>
-                </a:tc>
-                <a:tc gridSpan="2">
-                  <a:txBody>
-                    <a:bodyPr/>
-                    <a:lstStyle/>
-                    <a:p>
-                      <a:pPr>
-                        <a:lnSpc>
-                          <a:spcPct val="107000"/>
-                        </a:lnSpc>
-                        <a:spcAft>
-                          <a:spcPts val="0"/>
-                        </a:spcAft>
-                      </a:pPr>
-                      <a:r>
-                        <a:rPr lang="en-PH" sz="1100">
-                          <a:effectLst/>
-                        </a:rPr>
-                        <a:t>Scanned Ballot</a:t>
-                      </a:r>
-                      <a:endParaRPr lang="en-PH" sz="1100">
-                        <a:effectLst/>
-                        <a:latin typeface="Calibri" panose="020F0502020204030204" pitchFamily="34" charset="0"/>
-                        <a:ea typeface="Calibri" panose="020F0502020204030204" pitchFamily="34" charset="0"/>
-                        <a:cs typeface="Times New Roman" panose="02020603050405020304" pitchFamily="18" charset="0"/>
-                      </a:endParaRPr>
-                    </a:p>
-                  </a:txBody>
-                  <a:tcPr marL="68580" marR="68580" marT="0" marB="0"/>
-                </a:tc>
-                <a:tc hMerge="1">
-                  <a:txBody>
-                    <a:bodyPr/>
-                    <a:lstStyle/>
-                    <a:p>
-                      <a:endParaRPr lang="en-PH"/>
-                    </a:p>
-                  </a:txBody>
-                  <a:tcPr/>
-                </a:tc>
-                <a:extLst>
-                  <a:ext uri="{0D108BD9-81ED-4DB2-BD59-A6C34878D82A}">
-                    <a16:rowId xmlns:a16="http://schemas.microsoft.com/office/drawing/2014/main" val="716520284"/>
-                  </a:ext>
-                </a:extLst>
-              </a:tr>
-              <a:tr h="0">
-                <a:tc>
-                  <a:txBody>
-                    <a:bodyPr/>
-                    <a:lstStyle/>
-                    <a:p>
-                      <a:pPr>
-                        <a:lnSpc>
-                          <a:spcPct val="107000"/>
-                        </a:lnSpc>
-                        <a:spcAft>
-                          <a:spcPts val="0"/>
-                        </a:spcAft>
-                      </a:pPr>
-                      <a:r>
-                        <a:rPr lang="en-PH" sz="1100">
-                          <a:effectLst/>
-                        </a:rPr>
-                        <a:t>Brief Description:</a:t>
-                      </a:r>
-                      <a:endParaRPr lang="en-PH" sz="1100">
-                        <a:effectLst/>
-                        <a:latin typeface="Calibri" panose="020F0502020204030204" pitchFamily="34" charset="0"/>
-                        <a:ea typeface="Calibri" panose="020F0502020204030204" pitchFamily="34" charset="0"/>
-                        <a:cs typeface="Times New Roman" panose="02020603050405020304" pitchFamily="18" charset="0"/>
-                      </a:endParaRPr>
-                    </a:p>
-                  </a:txBody>
-                  <a:tcPr marL="68580" marR="68580" marT="0" marB="0"/>
-                </a:tc>
-                <a:tc gridSpan="2">
-                  <a:txBody>
-                    <a:bodyPr/>
-                    <a:lstStyle/>
-                    <a:p>
-                      <a:pPr>
-                        <a:lnSpc>
-                          <a:spcPct val="107000"/>
-                        </a:lnSpc>
-                        <a:spcAft>
-                          <a:spcPts val="0"/>
-                        </a:spcAft>
-                      </a:pPr>
-                      <a:r>
-                        <a:rPr lang="en-PH" sz="1100">
-                          <a:effectLst/>
-                        </a:rPr>
-                        <a:t>The System stores the votes that was read when the voter casts the ballot</a:t>
-                      </a:r>
-                      <a:endParaRPr lang="en-PH" sz="1100">
-                        <a:effectLst/>
-                        <a:latin typeface="Calibri" panose="020F0502020204030204" pitchFamily="34" charset="0"/>
-                        <a:ea typeface="Calibri" panose="020F0502020204030204" pitchFamily="34" charset="0"/>
-                        <a:cs typeface="Times New Roman" panose="02020603050405020304" pitchFamily="18" charset="0"/>
-                      </a:endParaRPr>
-                    </a:p>
-                  </a:txBody>
-                  <a:tcPr marL="68580" marR="68580" marT="0" marB="0"/>
-                </a:tc>
-                <a:tc hMerge="1">
-                  <a:txBody>
-                    <a:bodyPr/>
-                    <a:lstStyle/>
-                    <a:p>
-                      <a:endParaRPr lang="en-PH"/>
-                    </a:p>
-                  </a:txBody>
-                  <a:tcPr/>
-                </a:tc>
-                <a:extLst>
-                  <a:ext uri="{0D108BD9-81ED-4DB2-BD59-A6C34878D82A}">
-                    <a16:rowId xmlns:a16="http://schemas.microsoft.com/office/drawing/2014/main" val="3514829922"/>
-                  </a:ext>
-                </a:extLst>
-              </a:tr>
-              <a:tr h="0">
-                <a:tc>
-                  <a:txBody>
-                    <a:bodyPr/>
-                    <a:lstStyle/>
-                    <a:p>
-                      <a:pPr>
-                        <a:lnSpc>
-                          <a:spcPct val="107000"/>
-                        </a:lnSpc>
-                        <a:spcAft>
-                          <a:spcPts val="0"/>
-                        </a:spcAft>
-                      </a:pPr>
-                      <a:r>
-                        <a:rPr lang="en-PH" sz="1100">
-                          <a:effectLst/>
-                        </a:rPr>
-                        <a:t>Actor(s):</a:t>
-                      </a:r>
-                      <a:endParaRPr lang="en-PH" sz="1100">
-                        <a:effectLst/>
-                        <a:latin typeface="Calibri" panose="020F0502020204030204" pitchFamily="34" charset="0"/>
-                        <a:ea typeface="Calibri" panose="020F0502020204030204" pitchFamily="34" charset="0"/>
-                        <a:cs typeface="Times New Roman" panose="02020603050405020304" pitchFamily="18" charset="0"/>
-                      </a:endParaRPr>
-                    </a:p>
-                  </a:txBody>
-                  <a:tcPr marL="68580" marR="68580" marT="0" marB="0"/>
-                </a:tc>
-                <a:tc gridSpan="2">
-                  <a:txBody>
-                    <a:bodyPr/>
-                    <a:lstStyle/>
-                    <a:p>
-                      <a:pPr>
-                        <a:lnSpc>
-                          <a:spcPct val="107000"/>
-                        </a:lnSpc>
-                        <a:spcAft>
-                          <a:spcPts val="0"/>
-                        </a:spcAft>
-                      </a:pPr>
-                      <a:r>
-                        <a:rPr lang="en-PH" sz="1100">
-                          <a:effectLst/>
-                        </a:rPr>
-                        <a:t>BEI, Voter</a:t>
-                      </a:r>
-                      <a:endParaRPr lang="en-PH" sz="1100">
-                        <a:effectLst/>
-                        <a:latin typeface="Calibri" panose="020F0502020204030204" pitchFamily="34" charset="0"/>
-                        <a:ea typeface="Calibri" panose="020F0502020204030204" pitchFamily="34" charset="0"/>
-                        <a:cs typeface="Times New Roman" panose="02020603050405020304" pitchFamily="18" charset="0"/>
-                      </a:endParaRPr>
-                    </a:p>
-                  </a:txBody>
-                  <a:tcPr marL="68580" marR="68580" marT="0" marB="0"/>
-                </a:tc>
-                <a:tc hMerge="1">
-                  <a:txBody>
-                    <a:bodyPr/>
-                    <a:lstStyle/>
-                    <a:p>
-                      <a:endParaRPr lang="en-PH"/>
-                    </a:p>
-                  </a:txBody>
-                  <a:tcPr/>
-                </a:tc>
-                <a:extLst>
-                  <a:ext uri="{0D108BD9-81ED-4DB2-BD59-A6C34878D82A}">
-                    <a16:rowId xmlns:a16="http://schemas.microsoft.com/office/drawing/2014/main" val="2830374773"/>
-                  </a:ext>
-                </a:extLst>
-              </a:tr>
-              <a:tr h="0">
-                <a:tc>
-                  <a:txBody>
-                    <a:bodyPr/>
-                    <a:lstStyle/>
-                    <a:p>
-                      <a:pPr>
-                        <a:lnSpc>
-                          <a:spcPct val="107000"/>
-                        </a:lnSpc>
-                        <a:spcAft>
-                          <a:spcPts val="0"/>
-                        </a:spcAft>
-                      </a:pPr>
-                      <a:r>
-                        <a:rPr lang="en-PH" sz="1100">
-                          <a:effectLst/>
-                        </a:rPr>
-                        <a:t>Related Use Cases:</a:t>
-                      </a:r>
-                      <a:endParaRPr lang="en-PH" sz="1100">
-                        <a:effectLst/>
-                        <a:latin typeface="Calibri" panose="020F0502020204030204" pitchFamily="34" charset="0"/>
-                        <a:ea typeface="Calibri" panose="020F0502020204030204" pitchFamily="34" charset="0"/>
-                        <a:cs typeface="Times New Roman" panose="02020603050405020304" pitchFamily="18" charset="0"/>
-                      </a:endParaRPr>
-                    </a:p>
-                  </a:txBody>
-                  <a:tcPr marL="68580" marR="68580" marT="0" marB="0"/>
-                </a:tc>
-                <a:tc gridSpan="2">
-                  <a:txBody>
-                    <a:bodyPr/>
-                    <a:lstStyle/>
-                    <a:p>
-                      <a:pPr>
-                        <a:lnSpc>
-                          <a:spcPct val="107000"/>
-                        </a:lnSpc>
-                        <a:spcAft>
-                          <a:spcPts val="0"/>
-                        </a:spcAft>
-                      </a:pPr>
-                      <a:r>
-                        <a:rPr lang="en-PH" sz="1100">
-                          <a:effectLst/>
-                        </a:rPr>
-                        <a:t>----</a:t>
-                      </a:r>
-                      <a:endParaRPr lang="en-PH" sz="1100">
-                        <a:effectLst/>
-                        <a:latin typeface="Calibri" panose="020F0502020204030204" pitchFamily="34" charset="0"/>
-                        <a:ea typeface="Calibri" panose="020F0502020204030204" pitchFamily="34" charset="0"/>
-                        <a:cs typeface="Times New Roman" panose="02020603050405020304" pitchFamily="18" charset="0"/>
-                      </a:endParaRPr>
-                    </a:p>
-                  </a:txBody>
-                  <a:tcPr marL="68580" marR="68580" marT="0" marB="0"/>
-                </a:tc>
-                <a:tc hMerge="1">
-                  <a:txBody>
-                    <a:bodyPr/>
-                    <a:lstStyle/>
-                    <a:p>
-                      <a:endParaRPr lang="en-PH"/>
-                    </a:p>
-                  </a:txBody>
-                  <a:tcPr/>
-                </a:tc>
-                <a:extLst>
-                  <a:ext uri="{0D108BD9-81ED-4DB2-BD59-A6C34878D82A}">
-                    <a16:rowId xmlns:a16="http://schemas.microsoft.com/office/drawing/2014/main" val="2827268492"/>
-                  </a:ext>
-                </a:extLst>
-              </a:tr>
-              <a:tr h="0">
-                <a:tc>
-                  <a:txBody>
-                    <a:bodyPr/>
-                    <a:lstStyle/>
-                    <a:p>
-                      <a:pPr>
-                        <a:lnSpc>
-                          <a:spcPct val="107000"/>
-                        </a:lnSpc>
-                        <a:spcAft>
-                          <a:spcPts val="0"/>
-                        </a:spcAft>
-                      </a:pPr>
-                      <a:r>
-                        <a:rPr lang="en-PH" sz="1100">
-                          <a:effectLst/>
-                        </a:rPr>
-                        <a:t>Stakeholders:</a:t>
-                      </a:r>
-                      <a:endParaRPr lang="en-PH" sz="1100">
-                        <a:effectLst/>
-                        <a:latin typeface="Calibri" panose="020F0502020204030204" pitchFamily="34" charset="0"/>
-                        <a:ea typeface="Calibri" panose="020F0502020204030204" pitchFamily="34" charset="0"/>
-                        <a:cs typeface="Times New Roman" panose="02020603050405020304" pitchFamily="18" charset="0"/>
-                      </a:endParaRPr>
-                    </a:p>
-                  </a:txBody>
-                  <a:tcPr marL="68580" marR="68580" marT="0" marB="0"/>
-                </a:tc>
-                <a:tc gridSpan="2">
-                  <a:txBody>
-                    <a:bodyPr/>
-                    <a:lstStyle/>
-                    <a:p>
-                      <a:pPr>
-                        <a:lnSpc>
-                          <a:spcPct val="107000"/>
-                        </a:lnSpc>
-                        <a:spcAft>
-                          <a:spcPts val="0"/>
-                        </a:spcAft>
-                      </a:pPr>
-                      <a:r>
-                        <a:rPr lang="en-PH" sz="1100">
-                          <a:effectLst/>
-                        </a:rPr>
-                        <a:t>The BEI checks whether the VCM is properly functioning</a:t>
-                      </a:r>
-                    </a:p>
-                    <a:p>
-                      <a:pPr>
-                        <a:lnSpc>
-                          <a:spcPct val="107000"/>
-                        </a:lnSpc>
-                        <a:spcAft>
-                          <a:spcPts val="0"/>
-                        </a:spcAft>
-                      </a:pPr>
-                      <a:r>
-                        <a:rPr lang="en-PH" sz="1100">
-                          <a:effectLst/>
-                        </a:rPr>
-                        <a:t>The Voter check from the screen if their votes are being stored</a:t>
-                      </a:r>
-                      <a:endParaRPr lang="en-PH" sz="1100">
-                        <a:effectLst/>
-                        <a:latin typeface="Calibri" panose="020F0502020204030204" pitchFamily="34" charset="0"/>
-                        <a:ea typeface="Calibri" panose="020F0502020204030204" pitchFamily="34" charset="0"/>
-                        <a:cs typeface="Times New Roman" panose="02020603050405020304" pitchFamily="18" charset="0"/>
-                      </a:endParaRPr>
-                    </a:p>
-                  </a:txBody>
-                  <a:tcPr marL="68580" marR="68580" marT="0" marB="0"/>
-                </a:tc>
-                <a:tc hMerge="1">
-                  <a:txBody>
-                    <a:bodyPr/>
-                    <a:lstStyle/>
-                    <a:p>
-                      <a:endParaRPr lang="en-PH"/>
-                    </a:p>
-                  </a:txBody>
-                  <a:tcPr/>
-                </a:tc>
-                <a:extLst>
-                  <a:ext uri="{0D108BD9-81ED-4DB2-BD59-A6C34878D82A}">
-                    <a16:rowId xmlns:a16="http://schemas.microsoft.com/office/drawing/2014/main" val="975512778"/>
-                  </a:ext>
-                </a:extLst>
-              </a:tr>
-              <a:tr h="0">
-                <a:tc>
-                  <a:txBody>
-                    <a:bodyPr/>
-                    <a:lstStyle/>
-                    <a:p>
-                      <a:pPr>
-                        <a:lnSpc>
-                          <a:spcPct val="107000"/>
-                        </a:lnSpc>
-                        <a:spcAft>
-                          <a:spcPts val="0"/>
-                        </a:spcAft>
-                      </a:pPr>
-                      <a:r>
-                        <a:rPr lang="en-PH" sz="1100">
-                          <a:effectLst/>
-                        </a:rPr>
-                        <a:t>Precondition:</a:t>
-                      </a:r>
-                      <a:endParaRPr lang="en-PH" sz="1100">
-                        <a:effectLst/>
-                        <a:latin typeface="Calibri" panose="020F0502020204030204" pitchFamily="34" charset="0"/>
-                        <a:ea typeface="Calibri" panose="020F0502020204030204" pitchFamily="34" charset="0"/>
-                        <a:cs typeface="Times New Roman" panose="02020603050405020304" pitchFamily="18" charset="0"/>
-                      </a:endParaRPr>
-                    </a:p>
-                  </a:txBody>
-                  <a:tcPr marL="68580" marR="68580" marT="0" marB="0"/>
-                </a:tc>
-                <a:tc gridSpan="2">
-                  <a:txBody>
-                    <a:bodyPr/>
-                    <a:lstStyle/>
-                    <a:p>
-                      <a:pPr>
-                        <a:lnSpc>
-                          <a:spcPct val="107000"/>
-                        </a:lnSpc>
-                        <a:spcAft>
-                          <a:spcPts val="0"/>
-                        </a:spcAft>
-                      </a:pPr>
-                      <a:r>
-                        <a:rPr lang="en-PH" sz="1100">
-                          <a:effectLst/>
-                        </a:rPr>
-                        <a:t>Ballot is casted</a:t>
-                      </a:r>
-                      <a:endParaRPr lang="en-PH" sz="1100">
-                        <a:effectLst/>
-                        <a:latin typeface="Calibri" panose="020F0502020204030204" pitchFamily="34" charset="0"/>
-                        <a:ea typeface="Calibri" panose="020F0502020204030204" pitchFamily="34" charset="0"/>
-                        <a:cs typeface="Times New Roman" panose="02020603050405020304" pitchFamily="18" charset="0"/>
-                      </a:endParaRPr>
-                    </a:p>
-                  </a:txBody>
-                  <a:tcPr marL="68580" marR="68580" marT="0" marB="0"/>
-                </a:tc>
-                <a:tc hMerge="1">
-                  <a:txBody>
-                    <a:bodyPr/>
-                    <a:lstStyle/>
-                    <a:p>
-                      <a:endParaRPr lang="en-PH"/>
-                    </a:p>
-                  </a:txBody>
-                  <a:tcPr/>
-                </a:tc>
-                <a:extLst>
-                  <a:ext uri="{0D108BD9-81ED-4DB2-BD59-A6C34878D82A}">
-                    <a16:rowId xmlns:a16="http://schemas.microsoft.com/office/drawing/2014/main" val="2364585091"/>
-                  </a:ext>
-                </a:extLst>
-              </a:tr>
-              <a:tr h="0">
-                <a:tc>
-                  <a:txBody>
-                    <a:bodyPr/>
-                    <a:lstStyle/>
-                    <a:p>
-                      <a:pPr>
-                        <a:lnSpc>
-                          <a:spcPct val="107000"/>
-                        </a:lnSpc>
-                        <a:spcAft>
-                          <a:spcPts val="0"/>
-                        </a:spcAft>
-                      </a:pPr>
-                      <a:r>
-                        <a:rPr lang="en-PH" sz="1100">
-                          <a:effectLst/>
-                        </a:rPr>
-                        <a:t>Postcondition:</a:t>
-                      </a:r>
-                      <a:endParaRPr lang="en-PH" sz="1100">
-                        <a:effectLst/>
-                        <a:latin typeface="Calibri" panose="020F0502020204030204" pitchFamily="34" charset="0"/>
-                        <a:ea typeface="Calibri" panose="020F0502020204030204" pitchFamily="34" charset="0"/>
-                        <a:cs typeface="Times New Roman" panose="02020603050405020304" pitchFamily="18" charset="0"/>
-                      </a:endParaRPr>
-                    </a:p>
-                  </a:txBody>
-                  <a:tcPr marL="68580" marR="68580" marT="0" marB="0"/>
-                </a:tc>
-                <a:tc gridSpan="2">
-                  <a:txBody>
-                    <a:bodyPr/>
-                    <a:lstStyle/>
-                    <a:p>
-                      <a:pPr>
-                        <a:lnSpc>
-                          <a:spcPct val="107000"/>
-                        </a:lnSpc>
-                        <a:spcAft>
-                          <a:spcPts val="0"/>
-                        </a:spcAft>
-                      </a:pPr>
-                      <a:r>
-                        <a:rPr lang="en-PH" sz="1100">
-                          <a:effectLst/>
-                        </a:rPr>
-                        <a:t>Votes in the ballot are stored in a database</a:t>
-                      </a:r>
-                      <a:endParaRPr lang="en-PH" sz="1100">
-                        <a:effectLst/>
-                        <a:latin typeface="Calibri" panose="020F0502020204030204" pitchFamily="34" charset="0"/>
-                        <a:ea typeface="Calibri" panose="020F0502020204030204" pitchFamily="34" charset="0"/>
-                        <a:cs typeface="Times New Roman" panose="02020603050405020304" pitchFamily="18" charset="0"/>
-                      </a:endParaRPr>
-                    </a:p>
-                  </a:txBody>
-                  <a:tcPr marL="68580" marR="68580" marT="0" marB="0"/>
-                </a:tc>
-                <a:tc hMerge="1">
-                  <a:txBody>
-                    <a:bodyPr/>
-                    <a:lstStyle/>
-                    <a:p>
-                      <a:endParaRPr lang="en-PH"/>
-                    </a:p>
-                  </a:txBody>
-                  <a:tcPr/>
-                </a:tc>
-                <a:extLst>
-                  <a:ext uri="{0D108BD9-81ED-4DB2-BD59-A6C34878D82A}">
-                    <a16:rowId xmlns:a16="http://schemas.microsoft.com/office/drawing/2014/main" val="2985772155"/>
-                  </a:ext>
-                </a:extLst>
-              </a:tr>
-              <a:tr h="0">
-                <a:tc>
-                  <a:txBody>
-                    <a:bodyPr/>
-                    <a:lstStyle/>
-                    <a:p>
-                      <a:pPr>
-                        <a:lnSpc>
-                          <a:spcPct val="107000"/>
-                        </a:lnSpc>
-                        <a:spcAft>
-                          <a:spcPts val="0"/>
-                        </a:spcAft>
-                      </a:pPr>
-                      <a:r>
-                        <a:rPr lang="en-PH" sz="1100">
-                          <a:effectLst/>
-                        </a:rPr>
-                        <a:t>Basic Flow:</a:t>
-                      </a:r>
-                      <a:endParaRPr lang="en-PH" sz="1100">
-                        <a:effectLst/>
-                        <a:latin typeface="Calibri" panose="020F0502020204030204" pitchFamily="34" charset="0"/>
-                        <a:ea typeface="Calibri" panose="020F0502020204030204" pitchFamily="34" charset="0"/>
-                        <a:cs typeface="Times New Roman" panose="02020603050405020304" pitchFamily="18" charset="0"/>
-                      </a:endParaRPr>
-                    </a:p>
-                  </a:txBody>
-                  <a:tcPr marL="68580" marR="68580" marT="0" marB="0"/>
-                </a:tc>
-                <a:tc>
-                  <a:txBody>
-                    <a:bodyPr/>
-                    <a:lstStyle/>
-                    <a:p>
-                      <a:pPr>
-                        <a:lnSpc>
-                          <a:spcPct val="107000"/>
-                        </a:lnSpc>
-                        <a:spcAft>
-                          <a:spcPts val="0"/>
-                        </a:spcAft>
-                      </a:pPr>
-                      <a:r>
-                        <a:rPr lang="en-PH" sz="1100" dirty="0">
-                          <a:effectLst/>
-                        </a:rPr>
-                        <a:t>Actor:</a:t>
-                      </a:r>
-                    </a:p>
-                    <a:p>
-                      <a:pPr>
-                        <a:lnSpc>
-                          <a:spcPct val="107000"/>
-                        </a:lnSpc>
-                        <a:spcAft>
-                          <a:spcPts val="0"/>
-                        </a:spcAft>
-                      </a:pPr>
-                      <a:r>
-                        <a:rPr lang="en-PH" sz="1100" dirty="0">
-                          <a:effectLst/>
-                        </a:rPr>
-                        <a:t>1. The Voter waits for the system to accomplish the saving of the votes</a:t>
-                      </a:r>
-                    </a:p>
-                    <a:p>
-                      <a:pPr>
-                        <a:lnSpc>
-                          <a:spcPct val="107000"/>
-                        </a:lnSpc>
-                        <a:spcAft>
-                          <a:spcPts val="0"/>
-                        </a:spcAft>
-                      </a:pPr>
-                      <a:r>
-                        <a:rPr lang="en-PH" sz="1100" dirty="0">
-                          <a:effectLst/>
-                        </a:rPr>
-                        <a:t> </a:t>
-                      </a:r>
-                      <a:endParaRPr lang="en-PH" sz="1100" dirty="0">
-                        <a:effectLst/>
-                        <a:latin typeface="Calibri" panose="020F0502020204030204" pitchFamily="34" charset="0"/>
-                        <a:ea typeface="Calibri" panose="020F0502020204030204" pitchFamily="34" charset="0"/>
-                        <a:cs typeface="Times New Roman" panose="02020603050405020304" pitchFamily="18" charset="0"/>
-                      </a:endParaRPr>
-                    </a:p>
-                  </a:txBody>
-                  <a:tcPr marL="68580" marR="68580" marT="0" marB="0"/>
-                </a:tc>
-                <a:tc>
-                  <a:txBody>
-                    <a:bodyPr/>
-                    <a:lstStyle/>
-                    <a:p>
-                      <a:pPr>
-                        <a:lnSpc>
-                          <a:spcPct val="107000"/>
-                        </a:lnSpc>
-                        <a:spcAft>
-                          <a:spcPts val="0"/>
-                        </a:spcAft>
-                      </a:pPr>
-                      <a:r>
-                        <a:rPr lang="en-PH" sz="1100" dirty="0">
-                          <a:effectLst/>
-                        </a:rPr>
-                        <a:t>System Response:</a:t>
-                      </a:r>
-                    </a:p>
-                    <a:p>
-                      <a:pPr>
-                        <a:lnSpc>
-                          <a:spcPct val="107000"/>
-                        </a:lnSpc>
-                        <a:spcAft>
-                          <a:spcPts val="0"/>
-                        </a:spcAft>
-                      </a:pPr>
-                      <a:r>
-                        <a:rPr lang="en-PH" sz="1100" dirty="0">
-                          <a:effectLst/>
-                        </a:rPr>
-                        <a:t>1.1 The System stores the votes in a database</a:t>
-                      </a:r>
-                    </a:p>
-                    <a:p>
-                      <a:pPr>
-                        <a:lnSpc>
-                          <a:spcPct val="107000"/>
-                        </a:lnSpc>
-                        <a:spcAft>
-                          <a:spcPts val="0"/>
-                        </a:spcAft>
-                      </a:pPr>
-                      <a:r>
-                        <a:rPr lang="en-PH" sz="1100" dirty="0">
-                          <a:effectLst/>
-                        </a:rPr>
-                        <a:t> </a:t>
-                      </a:r>
-                    </a:p>
-                    <a:p>
-                      <a:pPr>
-                        <a:lnSpc>
-                          <a:spcPct val="107000"/>
-                        </a:lnSpc>
-                        <a:spcAft>
-                          <a:spcPts val="0"/>
-                        </a:spcAft>
-                      </a:pPr>
-                      <a:r>
-                        <a:rPr lang="en-PH" sz="1100" dirty="0">
-                          <a:effectLst/>
-                        </a:rPr>
-                        <a:t> </a:t>
-                      </a:r>
-                    </a:p>
-                    <a:p>
-                      <a:pPr>
-                        <a:lnSpc>
-                          <a:spcPct val="107000"/>
-                        </a:lnSpc>
-                        <a:spcAft>
-                          <a:spcPts val="0"/>
-                        </a:spcAft>
-                      </a:pPr>
-                      <a:r>
-                        <a:rPr lang="en-PH" sz="1100" dirty="0">
-                          <a:effectLst/>
-                        </a:rPr>
-                        <a:t> </a:t>
-                      </a:r>
-                    </a:p>
-                    <a:p>
-                      <a:pPr>
-                        <a:lnSpc>
-                          <a:spcPct val="107000"/>
-                        </a:lnSpc>
-                        <a:spcAft>
-                          <a:spcPts val="0"/>
-                        </a:spcAft>
-                      </a:pPr>
-                      <a:r>
-                        <a:rPr lang="en-PH" sz="1100" dirty="0">
-                          <a:effectLst/>
-                        </a:rPr>
-                        <a:t> </a:t>
-                      </a:r>
-                      <a:endParaRPr lang="en-PH" sz="1100" dirty="0">
-                        <a:effectLst/>
-                        <a:latin typeface="Calibri" panose="020F0502020204030204" pitchFamily="34" charset="0"/>
-                        <a:ea typeface="Calibri" panose="020F0502020204030204" pitchFamily="34" charset="0"/>
-                        <a:cs typeface="Times New Roman" panose="02020603050405020304" pitchFamily="18" charset="0"/>
-                      </a:endParaRPr>
-                    </a:p>
-                  </a:txBody>
-                  <a:tcPr marL="68580" marR="68580" marT="0" marB="0"/>
-                </a:tc>
-                <a:extLst>
-                  <a:ext uri="{0D108BD9-81ED-4DB2-BD59-A6C34878D82A}">
-                    <a16:rowId xmlns:a16="http://schemas.microsoft.com/office/drawing/2014/main" val="1192966345"/>
-                  </a:ext>
-                </a:extLst>
-              </a:tr>
-            </a:tbl>
-          </a:graphicData>
-        </a:graphic>
-      </p:graphicFrame>
-      <p:graphicFrame>
-        <p:nvGraphicFramePr>
-          <p:cNvPr id="8" name="Table 7"/>
-          <p:cNvGraphicFramePr>
-            <a:graphicFrameLocks noGrp="1"/>
-          </p:cNvGraphicFramePr>
-          <p:nvPr>
-            <p:extLst>
-              <p:ext uri="{D42A27DB-BD31-4B8C-83A1-F6EECF244321}">
-                <p14:modId xmlns:p14="http://schemas.microsoft.com/office/powerpoint/2010/main" val="4141055122"/>
-              </p:ext>
-            </p:extLst>
-          </p:nvPr>
-        </p:nvGraphicFramePr>
-        <p:xfrm>
-          <a:off x="1826609" y="5139724"/>
-          <a:ext cx="5937250" cy="426720"/>
-        </p:xfrm>
-        <a:graphic>
-          <a:graphicData uri="http://schemas.openxmlformats.org/drawingml/2006/table">
-            <a:tbl>
-              <a:tblPr firstRow="1" bandRow="1">
-                <a:tableStyleId>{5C22544A-7EE6-4342-B048-85BDC9FD1C3A}</a:tableStyleId>
-              </a:tblPr>
-              <a:tblGrid>
-                <a:gridCol w="1346711">
-                  <a:extLst>
-                    <a:ext uri="{9D8B030D-6E8A-4147-A177-3AD203B41FA5}">
-                      <a16:colId xmlns:a16="http://schemas.microsoft.com/office/drawing/2014/main" val="2373195061"/>
-                    </a:ext>
-                  </a:extLst>
-                </a:gridCol>
-                <a:gridCol w="4590539">
-                  <a:extLst>
-                    <a:ext uri="{9D8B030D-6E8A-4147-A177-3AD203B41FA5}">
-                      <a16:colId xmlns:a16="http://schemas.microsoft.com/office/drawing/2014/main" val="427143043"/>
-                    </a:ext>
-                  </a:extLst>
-                </a:gridCol>
-              </a:tblGrid>
-              <a:tr h="370840">
-                <a:tc>
-                  <a:txBody>
-                    <a:bodyPr/>
-                    <a:lstStyle/>
-                    <a:p>
-                      <a:r>
-                        <a:rPr lang="en-PH" sz="1100" dirty="0"/>
-                        <a:t>Exceptions:</a:t>
-                      </a:r>
-                    </a:p>
-                  </a:txBody>
-                  <a:tcPr>
-                    <a:solidFill>
-                      <a:srgbClr val="ED7D31"/>
-                    </a:solidFill>
-                  </a:tcPr>
-                </a:tc>
-                <a:tc>
-                  <a:txBody>
-                    <a:bodyPr/>
-                    <a:lstStyle/>
-                    <a:p>
-                      <a:r>
-                        <a:rPr lang="en-PH" sz="1100" b="0" dirty="0">
-                          <a:solidFill>
-                            <a:schemeClr val="tx1"/>
-                          </a:solidFill>
-                        </a:rPr>
-                        <a:t>1.1.1</a:t>
-                      </a:r>
-                      <a:r>
-                        <a:rPr lang="en-PH" sz="1100" b="0" baseline="0" dirty="0">
-                          <a:solidFill>
-                            <a:schemeClr val="tx1"/>
-                          </a:solidFill>
-                        </a:rPr>
-                        <a:t> If votes are not equal to the number of votes, system will display error message.</a:t>
-                      </a:r>
-                      <a:endParaRPr lang="en-PH" sz="1100" b="0" dirty="0">
-                        <a:solidFill>
-                          <a:schemeClr val="tx1"/>
-                        </a:solidFill>
-                      </a:endParaRPr>
-                    </a:p>
-                  </a:txBody>
-                  <a:tcPr>
-                    <a:solidFill>
-                      <a:srgbClr val="FCECE8"/>
-                    </a:solidFill>
-                  </a:tcPr>
-                </a:tc>
-                <a:extLst>
-                  <a:ext uri="{0D108BD9-81ED-4DB2-BD59-A6C34878D82A}">
-                    <a16:rowId xmlns:a16="http://schemas.microsoft.com/office/drawing/2014/main" val="4271669032"/>
+                    <a16:rowId xmlns:a16="http://schemas.microsoft.com/office/drawing/2014/main" val="834454601"/>
                   </a:ext>
                 </a:extLst>
               </a:tr>
@@ -10766,47 +10592,41 @@
       </p:pic>
       <p:graphicFrame>
         <p:nvGraphicFramePr>
-          <p:cNvPr id="3" name="Table 2"/>
+          <p:cNvPr id="4" name="Table 3"/>
           <p:cNvGraphicFramePr>
             <a:graphicFrameLocks noGrp="1"/>
           </p:cNvGraphicFramePr>
-          <p:nvPr>
-            <p:extLst>
-              <p:ext uri="{D42A27DB-BD31-4B8C-83A1-F6EECF244321}">
-                <p14:modId xmlns:p14="http://schemas.microsoft.com/office/powerpoint/2010/main" val="1590224871"/>
-              </p:ext>
-            </p:extLst>
-          </p:nvPr>
+          <p:nvPr/>
         </p:nvGraphicFramePr>
         <p:xfrm>
-          <a:off x="2205514" y="1690688"/>
-          <a:ext cx="5333986" cy="4402836"/>
+          <a:off x="3429007" y="1799876"/>
+          <a:ext cx="5333986" cy="4372711"/>
         </p:xfrm>
         <a:graphic>
           <a:graphicData uri="http://schemas.openxmlformats.org/drawingml/2006/table">
             <a:tbl>
               <a:tblPr firstRow="1" firstCol="1" bandRow="1">
-                <a:tableStyleId>{21E4AEA4-8DFA-4A89-87EB-49C32662AFE0}</a:tableStyleId>
+                <a:tableStyleId>{5C22544A-7EE6-4342-B048-85BDC9FD1C3A}</a:tableStyleId>
               </a:tblPr>
               <a:tblGrid>
                 <a:gridCol w="1210558">
                   <a:extLst>
                     <a:ext uri="{9D8B030D-6E8A-4147-A177-3AD203B41FA5}">
-                      <a16:colId xmlns:a16="http://schemas.microsoft.com/office/drawing/2014/main" val="534914874"/>
+                      <a16:colId xmlns:a16="http://schemas.microsoft.com/office/drawing/2014/main" val="2490621486"/>
                     </a:ext>
                   </a:extLst>
                 </a:gridCol>
                 <a:gridCol w="1908255">
                   <a:extLst>
                     <a:ext uri="{9D8B030D-6E8A-4147-A177-3AD203B41FA5}">
-                      <a16:colId xmlns:a16="http://schemas.microsoft.com/office/drawing/2014/main" val="3242740279"/>
+                      <a16:colId xmlns:a16="http://schemas.microsoft.com/office/drawing/2014/main" val="1404007802"/>
                     </a:ext>
                   </a:extLst>
                 </a:gridCol>
                 <a:gridCol w="2215173">
                   <a:extLst>
                     <a:ext uri="{9D8B030D-6E8A-4147-A177-3AD203B41FA5}">
-                      <a16:colId xmlns:a16="http://schemas.microsoft.com/office/drawing/2014/main" val="3901883658"/>
+                      <a16:colId xmlns:a16="http://schemas.microsoft.com/office/drawing/2014/main" val="1577626057"/>
                     </a:ext>
                   </a:extLst>
                 </a:gridCol>
@@ -10855,22 +10675,1019 @@
                         </a:spcAft>
                       </a:pPr>
                       <a:r>
+                        <a:rPr lang="en-PH" sz="1000">
+                          <a:effectLst/>
+                        </a:rPr>
+                        <a:t>Creates key exchange</a:t>
+                      </a:r>
+                      <a:endParaRPr lang="en-PH" sz="1000">
+                        <a:effectLst/>
+                        <a:latin typeface="Calibri" panose="020F0502020204030204" pitchFamily="34" charset="0"/>
+                        <a:ea typeface="Calibri" panose="020F0502020204030204" pitchFamily="34" charset="0"/>
+                        <a:cs typeface="Times New Roman" panose="02020603050405020304" pitchFamily="18" charset="0"/>
+                      </a:endParaRPr>
+                    </a:p>
+                  </a:txBody>
+                  <a:tcPr marL="61612" marR="61612" marT="0" marB="0"/>
+                </a:tc>
+                <a:tc hMerge="1">
+                  <a:txBody>
+                    <a:bodyPr/>
+                    <a:lstStyle/>
+                    <a:p>
+                      <a:endParaRPr lang="en-PH"/>
+                    </a:p>
+                  </a:txBody>
+                  <a:tcPr/>
+                </a:tc>
+                <a:extLst>
+                  <a:ext uri="{0D108BD9-81ED-4DB2-BD59-A6C34878D82A}">
+                    <a16:rowId xmlns:a16="http://schemas.microsoft.com/office/drawing/2014/main" val="2944695039"/>
+                  </a:ext>
+                </a:extLst>
+              </a:tr>
+              <a:tr h="161161">
+                <a:tc>
+                  <a:txBody>
+                    <a:bodyPr/>
+                    <a:lstStyle/>
+                    <a:p>
+                      <a:pPr>
+                        <a:lnSpc>
+                          <a:spcPct val="107000"/>
+                        </a:lnSpc>
+                        <a:spcAft>
+                          <a:spcPts val="0"/>
+                        </a:spcAft>
+                      </a:pPr>
+                      <a:r>
+                        <a:rPr lang="en-PH" sz="1000">
+                          <a:effectLst/>
+                        </a:rPr>
+                        <a:t>Scenario:</a:t>
+                      </a:r>
+                      <a:endParaRPr lang="en-PH" sz="1000">
+                        <a:effectLst/>
+                        <a:latin typeface="Calibri" panose="020F0502020204030204" pitchFamily="34" charset="0"/>
+                        <a:ea typeface="Calibri" panose="020F0502020204030204" pitchFamily="34" charset="0"/>
+                        <a:cs typeface="Times New Roman" panose="02020603050405020304" pitchFamily="18" charset="0"/>
+                      </a:endParaRPr>
+                    </a:p>
+                  </a:txBody>
+                  <a:tcPr marL="61612" marR="61612" marT="0" marB="0"/>
+                </a:tc>
+                <a:tc gridSpan="2">
+                  <a:txBody>
+                    <a:bodyPr/>
+                    <a:lstStyle/>
+                    <a:p>
+                      <a:pPr>
+                        <a:lnSpc>
+                          <a:spcPct val="107000"/>
+                        </a:lnSpc>
+                        <a:spcAft>
+                          <a:spcPts val="0"/>
+                        </a:spcAft>
+                      </a:pPr>
+                      <a:r>
+                        <a:rPr lang="en-PH" sz="1000">
+                          <a:effectLst/>
+                        </a:rPr>
+                        <a:t>VCM &amp; 3 Servers create key exchange using the Diffie-Hellman algorithm</a:t>
+                      </a:r>
+                      <a:endParaRPr lang="en-PH" sz="1000">
+                        <a:effectLst/>
+                        <a:latin typeface="Calibri" panose="020F0502020204030204" pitchFamily="34" charset="0"/>
+                        <a:ea typeface="Calibri" panose="020F0502020204030204" pitchFamily="34" charset="0"/>
+                        <a:cs typeface="Times New Roman" panose="02020603050405020304" pitchFamily="18" charset="0"/>
+                      </a:endParaRPr>
+                    </a:p>
+                  </a:txBody>
+                  <a:tcPr marL="61612" marR="61612" marT="0" marB="0"/>
+                </a:tc>
+                <a:tc hMerge="1">
+                  <a:txBody>
+                    <a:bodyPr/>
+                    <a:lstStyle/>
+                    <a:p>
+                      <a:endParaRPr lang="en-PH"/>
+                    </a:p>
+                  </a:txBody>
+                  <a:tcPr/>
+                </a:tc>
+                <a:extLst>
+                  <a:ext uri="{0D108BD9-81ED-4DB2-BD59-A6C34878D82A}">
+                    <a16:rowId xmlns:a16="http://schemas.microsoft.com/office/drawing/2014/main" val="1710078683"/>
+                  </a:ext>
+                </a:extLst>
+              </a:tr>
+              <a:tr h="161161">
+                <a:tc>
+                  <a:txBody>
+                    <a:bodyPr/>
+                    <a:lstStyle/>
+                    <a:p>
+                      <a:pPr>
+                        <a:lnSpc>
+                          <a:spcPct val="107000"/>
+                        </a:lnSpc>
+                        <a:spcAft>
+                          <a:spcPts val="0"/>
+                        </a:spcAft>
+                      </a:pPr>
+                      <a:r>
+                        <a:rPr lang="en-PH" sz="1000">
+                          <a:effectLst/>
+                        </a:rPr>
+                        <a:t>Triggering Event:</a:t>
+                      </a:r>
+                      <a:endParaRPr lang="en-PH" sz="1000">
+                        <a:effectLst/>
+                        <a:latin typeface="Calibri" panose="020F0502020204030204" pitchFamily="34" charset="0"/>
+                        <a:ea typeface="Calibri" panose="020F0502020204030204" pitchFamily="34" charset="0"/>
+                        <a:cs typeface="Times New Roman" panose="02020603050405020304" pitchFamily="18" charset="0"/>
+                      </a:endParaRPr>
+                    </a:p>
+                  </a:txBody>
+                  <a:tcPr marL="61612" marR="61612" marT="0" marB="0"/>
+                </a:tc>
+                <a:tc gridSpan="2">
+                  <a:txBody>
+                    <a:bodyPr/>
+                    <a:lstStyle/>
+                    <a:p>
+                      <a:pPr>
+                        <a:lnSpc>
+                          <a:spcPct val="107000"/>
+                        </a:lnSpc>
+                        <a:spcAft>
+                          <a:spcPts val="0"/>
+                        </a:spcAft>
+                      </a:pPr>
+                      <a:r>
+                        <a:rPr lang="en-PH" sz="1000">
+                          <a:effectLst/>
+                        </a:rPr>
+                        <a:t>Successfully decrypted data</a:t>
+                      </a:r>
+                      <a:endParaRPr lang="en-PH" sz="1000">
+                        <a:effectLst/>
+                        <a:latin typeface="Calibri" panose="020F0502020204030204" pitchFamily="34" charset="0"/>
+                        <a:ea typeface="Calibri" panose="020F0502020204030204" pitchFamily="34" charset="0"/>
+                        <a:cs typeface="Times New Roman" panose="02020603050405020304" pitchFamily="18" charset="0"/>
+                      </a:endParaRPr>
+                    </a:p>
+                  </a:txBody>
+                  <a:tcPr marL="61612" marR="61612" marT="0" marB="0"/>
+                </a:tc>
+                <a:tc hMerge="1">
+                  <a:txBody>
+                    <a:bodyPr/>
+                    <a:lstStyle/>
+                    <a:p>
+                      <a:endParaRPr lang="en-PH"/>
+                    </a:p>
+                  </a:txBody>
+                  <a:tcPr/>
+                </a:tc>
+                <a:extLst>
+                  <a:ext uri="{0D108BD9-81ED-4DB2-BD59-A6C34878D82A}">
+                    <a16:rowId xmlns:a16="http://schemas.microsoft.com/office/drawing/2014/main" val="1693152545"/>
+                  </a:ext>
+                </a:extLst>
+              </a:tr>
+              <a:tr h="322321">
+                <a:tc>
+                  <a:txBody>
+                    <a:bodyPr/>
+                    <a:lstStyle/>
+                    <a:p>
+                      <a:pPr>
+                        <a:lnSpc>
+                          <a:spcPct val="107000"/>
+                        </a:lnSpc>
+                        <a:spcAft>
+                          <a:spcPts val="0"/>
+                        </a:spcAft>
+                      </a:pPr>
+                      <a:r>
+                        <a:rPr lang="en-PH" sz="1000">
+                          <a:effectLst/>
+                        </a:rPr>
+                        <a:t>Brief Description:</a:t>
+                      </a:r>
+                      <a:endParaRPr lang="en-PH" sz="1000">
+                        <a:effectLst/>
+                        <a:latin typeface="Calibri" panose="020F0502020204030204" pitchFamily="34" charset="0"/>
+                        <a:ea typeface="Calibri" panose="020F0502020204030204" pitchFamily="34" charset="0"/>
+                        <a:cs typeface="Times New Roman" panose="02020603050405020304" pitchFamily="18" charset="0"/>
+                      </a:endParaRPr>
+                    </a:p>
+                  </a:txBody>
+                  <a:tcPr marL="61612" marR="61612" marT="0" marB="0"/>
+                </a:tc>
+                <a:tc gridSpan="2">
+                  <a:txBody>
+                    <a:bodyPr/>
+                    <a:lstStyle/>
+                    <a:p>
+                      <a:pPr>
+                        <a:lnSpc>
+                          <a:spcPct val="107000"/>
+                        </a:lnSpc>
+                        <a:spcAft>
+                          <a:spcPts val="0"/>
+                        </a:spcAft>
+                      </a:pPr>
+                      <a:r>
+                        <a:rPr lang="en-PH" sz="1000">
+                          <a:effectLst/>
+                        </a:rPr>
+                        <a:t>A security algorithm is used by the VCM and servers in order to generate their own key.</a:t>
+                      </a:r>
+                      <a:endParaRPr lang="en-PH" sz="1000">
+                        <a:effectLst/>
+                        <a:latin typeface="Calibri" panose="020F0502020204030204" pitchFamily="34" charset="0"/>
+                        <a:ea typeface="Calibri" panose="020F0502020204030204" pitchFamily="34" charset="0"/>
+                        <a:cs typeface="Times New Roman" panose="02020603050405020304" pitchFamily="18" charset="0"/>
+                      </a:endParaRPr>
+                    </a:p>
+                  </a:txBody>
+                  <a:tcPr marL="61612" marR="61612" marT="0" marB="0"/>
+                </a:tc>
+                <a:tc hMerge="1">
+                  <a:txBody>
+                    <a:bodyPr/>
+                    <a:lstStyle/>
+                    <a:p>
+                      <a:endParaRPr lang="en-PH"/>
+                    </a:p>
+                  </a:txBody>
+                  <a:tcPr/>
+                </a:tc>
+                <a:extLst>
+                  <a:ext uri="{0D108BD9-81ED-4DB2-BD59-A6C34878D82A}">
+                    <a16:rowId xmlns:a16="http://schemas.microsoft.com/office/drawing/2014/main" val="1969781066"/>
+                  </a:ext>
+                </a:extLst>
+              </a:tr>
+              <a:tr h="161161">
+                <a:tc>
+                  <a:txBody>
+                    <a:bodyPr/>
+                    <a:lstStyle/>
+                    <a:p>
+                      <a:pPr>
+                        <a:lnSpc>
+                          <a:spcPct val="107000"/>
+                        </a:lnSpc>
+                        <a:spcAft>
+                          <a:spcPts val="0"/>
+                        </a:spcAft>
+                      </a:pPr>
+                      <a:r>
+                        <a:rPr lang="en-PH" sz="1000">
+                          <a:effectLst/>
+                        </a:rPr>
+                        <a:t>Actor(s):</a:t>
+                      </a:r>
+                      <a:endParaRPr lang="en-PH" sz="1000">
+                        <a:effectLst/>
+                        <a:latin typeface="Calibri" panose="020F0502020204030204" pitchFamily="34" charset="0"/>
+                        <a:ea typeface="Calibri" panose="020F0502020204030204" pitchFamily="34" charset="0"/>
+                        <a:cs typeface="Times New Roman" panose="02020603050405020304" pitchFamily="18" charset="0"/>
+                      </a:endParaRPr>
+                    </a:p>
+                  </a:txBody>
+                  <a:tcPr marL="61612" marR="61612" marT="0" marB="0"/>
+                </a:tc>
+                <a:tc gridSpan="2">
+                  <a:txBody>
+                    <a:bodyPr/>
+                    <a:lstStyle/>
+                    <a:p>
+                      <a:pPr>
+                        <a:lnSpc>
+                          <a:spcPct val="107000"/>
+                        </a:lnSpc>
+                        <a:spcAft>
+                          <a:spcPts val="0"/>
+                        </a:spcAft>
+                      </a:pPr>
+                      <a:r>
+                        <a:rPr lang="en-PH" sz="1000">
+                          <a:effectLst/>
+                        </a:rPr>
+                        <a:t>VCM, CCS, Central Server, Transparency Server</a:t>
+                      </a:r>
+                      <a:endParaRPr lang="en-PH" sz="1000">
+                        <a:effectLst/>
+                        <a:latin typeface="Calibri" panose="020F0502020204030204" pitchFamily="34" charset="0"/>
+                        <a:ea typeface="Calibri" panose="020F0502020204030204" pitchFamily="34" charset="0"/>
+                        <a:cs typeface="Times New Roman" panose="02020603050405020304" pitchFamily="18" charset="0"/>
+                      </a:endParaRPr>
+                    </a:p>
+                  </a:txBody>
+                  <a:tcPr marL="61612" marR="61612" marT="0" marB="0"/>
+                </a:tc>
+                <a:tc hMerge="1">
+                  <a:txBody>
+                    <a:bodyPr/>
+                    <a:lstStyle/>
+                    <a:p>
+                      <a:endParaRPr lang="en-PH"/>
+                    </a:p>
+                  </a:txBody>
+                  <a:tcPr/>
+                </a:tc>
+                <a:extLst>
+                  <a:ext uri="{0D108BD9-81ED-4DB2-BD59-A6C34878D82A}">
+                    <a16:rowId xmlns:a16="http://schemas.microsoft.com/office/drawing/2014/main" val="3588242613"/>
+                  </a:ext>
+                </a:extLst>
+              </a:tr>
+              <a:tr h="161161">
+                <a:tc>
+                  <a:txBody>
+                    <a:bodyPr/>
+                    <a:lstStyle/>
+                    <a:p>
+                      <a:pPr>
+                        <a:lnSpc>
+                          <a:spcPct val="107000"/>
+                        </a:lnSpc>
+                        <a:spcAft>
+                          <a:spcPts val="0"/>
+                        </a:spcAft>
+                      </a:pPr>
+                      <a:r>
+                        <a:rPr lang="en-PH" sz="1000">
+                          <a:effectLst/>
+                        </a:rPr>
+                        <a:t>Related Use Cases:</a:t>
+                      </a:r>
+                      <a:endParaRPr lang="en-PH" sz="1000">
+                        <a:effectLst/>
+                        <a:latin typeface="Calibri" panose="020F0502020204030204" pitchFamily="34" charset="0"/>
+                        <a:ea typeface="Calibri" panose="020F0502020204030204" pitchFamily="34" charset="0"/>
+                        <a:cs typeface="Times New Roman" panose="02020603050405020304" pitchFamily="18" charset="0"/>
+                      </a:endParaRPr>
+                    </a:p>
+                  </a:txBody>
+                  <a:tcPr marL="61612" marR="61612" marT="0" marB="0"/>
+                </a:tc>
+                <a:tc gridSpan="2">
+                  <a:txBody>
+                    <a:bodyPr/>
+                    <a:lstStyle/>
+                    <a:p>
+                      <a:pPr>
+                        <a:lnSpc>
+                          <a:spcPct val="107000"/>
+                        </a:lnSpc>
+                        <a:spcAft>
+                          <a:spcPts val="0"/>
+                        </a:spcAft>
+                      </a:pPr>
+                      <a:r>
+                        <a:rPr lang="en-PH" sz="1000">
+                          <a:effectLst/>
+                        </a:rPr>
+                        <a:t>Decrypts the data</a:t>
+                      </a:r>
+                      <a:endParaRPr lang="en-PH" sz="1000">
+                        <a:effectLst/>
+                        <a:latin typeface="Calibri" panose="020F0502020204030204" pitchFamily="34" charset="0"/>
+                        <a:ea typeface="Calibri" panose="020F0502020204030204" pitchFamily="34" charset="0"/>
+                        <a:cs typeface="Times New Roman" panose="02020603050405020304" pitchFamily="18" charset="0"/>
+                      </a:endParaRPr>
+                    </a:p>
+                  </a:txBody>
+                  <a:tcPr marL="61612" marR="61612" marT="0" marB="0"/>
+                </a:tc>
+                <a:tc hMerge="1">
+                  <a:txBody>
+                    <a:bodyPr/>
+                    <a:lstStyle/>
+                    <a:p>
+                      <a:endParaRPr lang="en-PH"/>
+                    </a:p>
+                  </a:txBody>
+                  <a:tcPr/>
+                </a:tc>
+                <a:extLst>
+                  <a:ext uri="{0D108BD9-81ED-4DB2-BD59-A6C34878D82A}">
+                    <a16:rowId xmlns:a16="http://schemas.microsoft.com/office/drawing/2014/main" val="2458513271"/>
+                  </a:ext>
+                </a:extLst>
+              </a:tr>
+              <a:tr h="161161">
+                <a:tc>
+                  <a:txBody>
+                    <a:bodyPr/>
+                    <a:lstStyle/>
+                    <a:p>
+                      <a:pPr>
+                        <a:lnSpc>
+                          <a:spcPct val="107000"/>
+                        </a:lnSpc>
+                        <a:spcAft>
+                          <a:spcPts val="0"/>
+                        </a:spcAft>
+                      </a:pPr>
+                      <a:r>
+                        <a:rPr lang="en-PH" sz="1000">
+                          <a:effectLst/>
+                        </a:rPr>
+                        <a:t>Stakeholders:</a:t>
+                      </a:r>
+                      <a:endParaRPr lang="en-PH" sz="1000">
+                        <a:effectLst/>
+                        <a:latin typeface="Calibri" panose="020F0502020204030204" pitchFamily="34" charset="0"/>
+                        <a:ea typeface="Calibri" panose="020F0502020204030204" pitchFamily="34" charset="0"/>
+                        <a:cs typeface="Times New Roman" panose="02020603050405020304" pitchFamily="18" charset="0"/>
+                      </a:endParaRPr>
+                    </a:p>
+                  </a:txBody>
+                  <a:tcPr marL="61612" marR="61612" marT="0" marB="0"/>
+                </a:tc>
+                <a:tc gridSpan="2">
+                  <a:txBody>
+                    <a:bodyPr/>
+                    <a:lstStyle/>
+                    <a:p>
+                      <a:pPr>
+                        <a:lnSpc>
+                          <a:spcPct val="107000"/>
+                        </a:lnSpc>
+                        <a:spcAft>
+                          <a:spcPts val="0"/>
+                        </a:spcAft>
+                      </a:pPr>
+                      <a:r>
+                        <a:rPr lang="en-PH" sz="1000">
+                          <a:effectLst/>
+                        </a:rPr>
+                        <a:t>The VCM and servers must create a key</a:t>
+                      </a:r>
+                      <a:endParaRPr lang="en-PH" sz="1000">
+                        <a:effectLst/>
+                        <a:latin typeface="Calibri" panose="020F0502020204030204" pitchFamily="34" charset="0"/>
+                        <a:ea typeface="Calibri" panose="020F0502020204030204" pitchFamily="34" charset="0"/>
+                        <a:cs typeface="Times New Roman" panose="02020603050405020304" pitchFamily="18" charset="0"/>
+                      </a:endParaRPr>
+                    </a:p>
+                  </a:txBody>
+                  <a:tcPr marL="61612" marR="61612" marT="0" marB="0"/>
+                </a:tc>
+                <a:tc hMerge="1">
+                  <a:txBody>
+                    <a:bodyPr/>
+                    <a:lstStyle/>
+                    <a:p>
+                      <a:endParaRPr lang="en-PH"/>
+                    </a:p>
+                  </a:txBody>
+                  <a:tcPr/>
+                </a:tc>
+                <a:extLst>
+                  <a:ext uri="{0D108BD9-81ED-4DB2-BD59-A6C34878D82A}">
+                    <a16:rowId xmlns:a16="http://schemas.microsoft.com/office/drawing/2014/main" val="327023029"/>
+                  </a:ext>
+                </a:extLst>
+              </a:tr>
+              <a:tr h="161161">
+                <a:tc>
+                  <a:txBody>
+                    <a:bodyPr/>
+                    <a:lstStyle/>
+                    <a:p>
+                      <a:pPr>
+                        <a:lnSpc>
+                          <a:spcPct val="107000"/>
+                        </a:lnSpc>
+                        <a:spcAft>
+                          <a:spcPts val="0"/>
+                        </a:spcAft>
+                      </a:pPr>
+                      <a:r>
+                        <a:rPr lang="en-PH" sz="1000">
+                          <a:effectLst/>
+                        </a:rPr>
+                        <a:t>Precondition:</a:t>
+                      </a:r>
+                      <a:endParaRPr lang="en-PH" sz="1000">
+                        <a:effectLst/>
+                        <a:latin typeface="Calibri" panose="020F0502020204030204" pitchFamily="34" charset="0"/>
+                        <a:ea typeface="Calibri" panose="020F0502020204030204" pitchFamily="34" charset="0"/>
+                        <a:cs typeface="Times New Roman" panose="02020603050405020304" pitchFamily="18" charset="0"/>
+                      </a:endParaRPr>
+                    </a:p>
+                  </a:txBody>
+                  <a:tcPr marL="61612" marR="61612" marT="0" marB="0"/>
+                </a:tc>
+                <a:tc gridSpan="2">
+                  <a:txBody>
+                    <a:bodyPr/>
+                    <a:lstStyle/>
+                    <a:p>
+                      <a:pPr>
+                        <a:lnSpc>
+                          <a:spcPct val="107000"/>
+                        </a:lnSpc>
+                        <a:spcAft>
+                          <a:spcPts val="0"/>
+                        </a:spcAft>
+                      </a:pPr>
+                      <a:r>
+                        <a:rPr lang="en-PH" sz="1000">
+                          <a:effectLst/>
+                        </a:rPr>
+                        <a:t>Decrypted the data</a:t>
+                      </a:r>
+                      <a:endParaRPr lang="en-PH" sz="1000">
+                        <a:effectLst/>
+                        <a:latin typeface="Calibri" panose="020F0502020204030204" pitchFamily="34" charset="0"/>
+                        <a:ea typeface="Calibri" panose="020F0502020204030204" pitchFamily="34" charset="0"/>
+                        <a:cs typeface="Times New Roman" panose="02020603050405020304" pitchFamily="18" charset="0"/>
+                      </a:endParaRPr>
+                    </a:p>
+                  </a:txBody>
+                  <a:tcPr marL="61612" marR="61612" marT="0" marB="0"/>
+                </a:tc>
+                <a:tc hMerge="1">
+                  <a:txBody>
+                    <a:bodyPr/>
+                    <a:lstStyle/>
+                    <a:p>
+                      <a:endParaRPr lang="en-PH"/>
+                    </a:p>
+                  </a:txBody>
+                  <a:tcPr/>
+                </a:tc>
+                <a:extLst>
+                  <a:ext uri="{0D108BD9-81ED-4DB2-BD59-A6C34878D82A}">
+                    <a16:rowId xmlns:a16="http://schemas.microsoft.com/office/drawing/2014/main" val="2212688813"/>
+                  </a:ext>
+                </a:extLst>
+              </a:tr>
+              <a:tr h="161161">
+                <a:tc>
+                  <a:txBody>
+                    <a:bodyPr/>
+                    <a:lstStyle/>
+                    <a:p>
+                      <a:pPr>
+                        <a:lnSpc>
+                          <a:spcPct val="107000"/>
+                        </a:lnSpc>
+                        <a:spcAft>
+                          <a:spcPts val="0"/>
+                        </a:spcAft>
+                      </a:pPr>
+                      <a:r>
+                        <a:rPr lang="en-PH" sz="1000">
+                          <a:effectLst/>
+                        </a:rPr>
+                        <a:t>Postcondition:</a:t>
+                      </a:r>
+                      <a:endParaRPr lang="en-PH" sz="1000">
+                        <a:effectLst/>
+                        <a:latin typeface="Calibri" panose="020F0502020204030204" pitchFamily="34" charset="0"/>
+                        <a:ea typeface="Calibri" panose="020F0502020204030204" pitchFamily="34" charset="0"/>
+                        <a:cs typeface="Times New Roman" panose="02020603050405020304" pitchFamily="18" charset="0"/>
+                      </a:endParaRPr>
+                    </a:p>
+                  </a:txBody>
+                  <a:tcPr marL="61612" marR="61612" marT="0" marB="0"/>
+                </a:tc>
+                <a:tc gridSpan="2">
+                  <a:txBody>
+                    <a:bodyPr/>
+                    <a:lstStyle/>
+                    <a:p>
+                      <a:pPr>
+                        <a:lnSpc>
+                          <a:spcPct val="107000"/>
+                        </a:lnSpc>
+                        <a:spcAft>
+                          <a:spcPts val="0"/>
+                        </a:spcAft>
+                      </a:pPr>
+                      <a:r>
+                        <a:rPr lang="en-PH" sz="1000">
+                          <a:effectLst/>
+                        </a:rPr>
+                        <a:t>Generated Key</a:t>
+                      </a:r>
+                      <a:endParaRPr lang="en-PH" sz="1000">
+                        <a:effectLst/>
+                        <a:latin typeface="Calibri" panose="020F0502020204030204" pitchFamily="34" charset="0"/>
+                        <a:ea typeface="Calibri" panose="020F0502020204030204" pitchFamily="34" charset="0"/>
+                        <a:cs typeface="Times New Roman" panose="02020603050405020304" pitchFamily="18" charset="0"/>
+                      </a:endParaRPr>
+                    </a:p>
+                  </a:txBody>
+                  <a:tcPr marL="61612" marR="61612" marT="0" marB="0"/>
+                </a:tc>
+                <a:tc hMerge="1">
+                  <a:txBody>
+                    <a:bodyPr/>
+                    <a:lstStyle/>
+                    <a:p>
+                      <a:endParaRPr lang="en-PH"/>
+                    </a:p>
+                  </a:txBody>
+                  <a:tcPr/>
+                </a:tc>
+                <a:extLst>
+                  <a:ext uri="{0D108BD9-81ED-4DB2-BD59-A6C34878D82A}">
+                    <a16:rowId xmlns:a16="http://schemas.microsoft.com/office/drawing/2014/main" val="1403422523"/>
+                  </a:ext>
+                </a:extLst>
+              </a:tr>
+              <a:tr h="2417408">
+                <a:tc>
+                  <a:txBody>
+                    <a:bodyPr/>
+                    <a:lstStyle/>
+                    <a:p>
+                      <a:pPr>
+                        <a:lnSpc>
+                          <a:spcPct val="107000"/>
+                        </a:lnSpc>
+                        <a:spcAft>
+                          <a:spcPts val="0"/>
+                        </a:spcAft>
+                      </a:pPr>
+                      <a:r>
+                        <a:rPr lang="en-PH" sz="1000">
+                          <a:effectLst/>
+                        </a:rPr>
+                        <a:t>Basic Flow:</a:t>
+                      </a:r>
+                      <a:endParaRPr lang="en-PH" sz="1000">
+                        <a:effectLst/>
+                        <a:latin typeface="Calibri" panose="020F0502020204030204" pitchFamily="34" charset="0"/>
+                        <a:ea typeface="Calibri" panose="020F0502020204030204" pitchFamily="34" charset="0"/>
+                        <a:cs typeface="Times New Roman" panose="02020603050405020304" pitchFamily="18" charset="0"/>
+                      </a:endParaRPr>
+                    </a:p>
+                  </a:txBody>
+                  <a:tcPr marL="61612" marR="61612" marT="0" marB="0"/>
+                </a:tc>
+                <a:tc>
+                  <a:txBody>
+                    <a:bodyPr/>
+                    <a:lstStyle/>
+                    <a:p>
+                      <a:pPr>
+                        <a:lnSpc>
+                          <a:spcPct val="107000"/>
+                        </a:lnSpc>
+                        <a:spcAft>
+                          <a:spcPts val="0"/>
+                        </a:spcAft>
+                      </a:pPr>
+                      <a:r>
+                        <a:rPr lang="en-PH" sz="1000">
+                          <a:effectLst/>
+                        </a:rPr>
+                        <a:t>Actor:</a:t>
+                      </a:r>
+                    </a:p>
+                    <a:p>
+                      <a:pPr>
+                        <a:lnSpc>
+                          <a:spcPct val="107000"/>
+                        </a:lnSpc>
+                        <a:spcAft>
+                          <a:spcPts val="0"/>
+                        </a:spcAft>
+                      </a:pPr>
+                      <a:r>
+                        <a:rPr lang="en-PH" sz="1000">
+                          <a:effectLst/>
+                        </a:rPr>
+                        <a:t>1. Poll watchers ensure that no one will intervene the transmission process.</a:t>
+                      </a:r>
+                    </a:p>
+                    <a:p>
+                      <a:pPr>
+                        <a:lnSpc>
+                          <a:spcPct val="107000"/>
+                        </a:lnSpc>
+                        <a:spcAft>
+                          <a:spcPts val="0"/>
+                        </a:spcAft>
+                      </a:pPr>
+                      <a:r>
+                        <a:rPr lang="en-PH" sz="1000">
+                          <a:effectLst/>
+                        </a:rPr>
+                        <a:t> </a:t>
+                      </a:r>
+                      <a:endParaRPr lang="en-PH" sz="1000">
+                        <a:effectLst/>
+                        <a:latin typeface="Calibri" panose="020F0502020204030204" pitchFamily="34" charset="0"/>
+                        <a:ea typeface="Calibri" panose="020F0502020204030204" pitchFamily="34" charset="0"/>
+                        <a:cs typeface="Times New Roman" panose="02020603050405020304" pitchFamily="18" charset="0"/>
+                      </a:endParaRPr>
+                    </a:p>
+                  </a:txBody>
+                  <a:tcPr marL="61612" marR="61612" marT="0" marB="0"/>
+                </a:tc>
+                <a:tc>
+                  <a:txBody>
+                    <a:bodyPr/>
+                    <a:lstStyle/>
+                    <a:p>
+                      <a:pPr>
+                        <a:lnSpc>
+                          <a:spcPct val="107000"/>
+                        </a:lnSpc>
+                        <a:spcAft>
+                          <a:spcPts val="0"/>
+                        </a:spcAft>
+                      </a:pPr>
+                      <a:r>
+                        <a:rPr lang="en-PH" sz="1000">
+                          <a:effectLst/>
+                        </a:rPr>
+                        <a:t>System Response:</a:t>
+                      </a:r>
+                    </a:p>
+                    <a:p>
+                      <a:pPr>
+                        <a:lnSpc>
+                          <a:spcPct val="107000"/>
+                        </a:lnSpc>
+                        <a:spcAft>
+                          <a:spcPts val="0"/>
+                        </a:spcAft>
+                      </a:pPr>
+                      <a:r>
+                        <a:rPr lang="en-PH" sz="1000">
+                          <a:effectLst/>
+                        </a:rPr>
+                        <a:t>1.1 VCM and secret servers will communicate with each other</a:t>
+                      </a:r>
+                    </a:p>
+                    <a:p>
+                      <a:pPr>
+                        <a:lnSpc>
+                          <a:spcPct val="107000"/>
+                        </a:lnSpc>
+                        <a:spcAft>
+                          <a:spcPts val="0"/>
+                        </a:spcAft>
+                      </a:pPr>
+                      <a:r>
+                        <a:rPr lang="en-PH" sz="1000">
+                          <a:effectLst/>
+                        </a:rPr>
+                        <a:t>1.2 They will be able to generate a key exchange.</a:t>
+                      </a:r>
+                    </a:p>
+                    <a:p>
+                      <a:pPr>
+                        <a:lnSpc>
+                          <a:spcPct val="107000"/>
+                        </a:lnSpc>
+                        <a:spcAft>
+                          <a:spcPts val="0"/>
+                        </a:spcAft>
+                      </a:pPr>
+                      <a:r>
+                        <a:rPr lang="en-PH" sz="1000">
+                          <a:effectLst/>
+                        </a:rPr>
+                        <a:t> </a:t>
+                      </a:r>
+                    </a:p>
+                    <a:p>
+                      <a:pPr>
+                        <a:lnSpc>
+                          <a:spcPct val="107000"/>
+                        </a:lnSpc>
+                        <a:spcAft>
+                          <a:spcPts val="0"/>
+                        </a:spcAft>
+                      </a:pPr>
+                      <a:r>
+                        <a:rPr lang="en-PH" sz="1000">
+                          <a:effectLst/>
+                        </a:rPr>
+                        <a:t> </a:t>
+                      </a:r>
+                    </a:p>
+                    <a:p>
+                      <a:pPr>
+                        <a:lnSpc>
+                          <a:spcPct val="107000"/>
+                        </a:lnSpc>
+                        <a:spcAft>
+                          <a:spcPts val="0"/>
+                        </a:spcAft>
+                      </a:pPr>
+                      <a:r>
+                        <a:rPr lang="en-PH" sz="1000">
+                          <a:effectLst/>
+                        </a:rPr>
+                        <a:t> </a:t>
+                      </a:r>
+                    </a:p>
+                    <a:p>
+                      <a:pPr>
+                        <a:lnSpc>
+                          <a:spcPct val="107000"/>
+                        </a:lnSpc>
+                        <a:spcAft>
+                          <a:spcPts val="0"/>
+                        </a:spcAft>
+                      </a:pPr>
+                      <a:r>
+                        <a:rPr lang="en-PH" sz="1000">
+                          <a:effectLst/>
+                        </a:rPr>
+                        <a:t> </a:t>
+                      </a:r>
+                    </a:p>
+                    <a:p>
+                      <a:pPr>
+                        <a:lnSpc>
+                          <a:spcPct val="107000"/>
+                        </a:lnSpc>
+                        <a:spcAft>
+                          <a:spcPts val="0"/>
+                        </a:spcAft>
+                      </a:pPr>
+                      <a:r>
+                        <a:rPr lang="en-PH" sz="1000">
+                          <a:effectLst/>
+                        </a:rPr>
+                        <a:t> </a:t>
+                      </a:r>
+                    </a:p>
+                    <a:p>
+                      <a:pPr>
+                        <a:lnSpc>
+                          <a:spcPct val="107000"/>
+                        </a:lnSpc>
+                        <a:spcAft>
+                          <a:spcPts val="0"/>
+                        </a:spcAft>
+                      </a:pPr>
+                      <a:r>
+                        <a:rPr lang="en-PH" sz="1000">
+                          <a:effectLst/>
+                        </a:rPr>
+                        <a:t> </a:t>
+                      </a:r>
+                    </a:p>
+                    <a:p>
+                      <a:pPr>
+                        <a:lnSpc>
+                          <a:spcPct val="107000"/>
+                        </a:lnSpc>
+                        <a:spcAft>
+                          <a:spcPts val="0"/>
+                        </a:spcAft>
+                      </a:pPr>
+                      <a:r>
+                        <a:rPr lang="en-PH" sz="1000">
+                          <a:effectLst/>
+                        </a:rPr>
+                        <a:t> </a:t>
+                      </a:r>
+                    </a:p>
+                    <a:p>
+                      <a:pPr>
+                        <a:lnSpc>
+                          <a:spcPct val="107000"/>
+                        </a:lnSpc>
+                        <a:spcAft>
+                          <a:spcPts val="0"/>
+                        </a:spcAft>
+                      </a:pPr>
+                      <a:r>
+                        <a:rPr lang="en-PH" sz="1000">
+                          <a:effectLst/>
+                        </a:rPr>
+                        <a:t> </a:t>
+                      </a:r>
+                    </a:p>
+                    <a:p>
+                      <a:pPr>
+                        <a:lnSpc>
+                          <a:spcPct val="107000"/>
+                        </a:lnSpc>
+                        <a:spcAft>
+                          <a:spcPts val="0"/>
+                        </a:spcAft>
+                      </a:pPr>
+                      <a:r>
+                        <a:rPr lang="en-PH" sz="1000">
+                          <a:effectLst/>
+                        </a:rPr>
+                        <a:t> </a:t>
+                      </a:r>
+                    </a:p>
+                    <a:p>
+                      <a:pPr>
+                        <a:lnSpc>
+                          <a:spcPct val="107000"/>
+                        </a:lnSpc>
+                        <a:spcAft>
+                          <a:spcPts val="0"/>
+                        </a:spcAft>
+                      </a:pPr>
+                      <a:r>
+                        <a:rPr lang="en-PH" sz="1000">
+                          <a:effectLst/>
+                        </a:rPr>
+                        <a:t> </a:t>
+                      </a:r>
+                      <a:endParaRPr lang="en-PH" sz="1000">
+                        <a:effectLst/>
+                        <a:latin typeface="Calibri" panose="020F0502020204030204" pitchFamily="34" charset="0"/>
+                        <a:ea typeface="Calibri" panose="020F0502020204030204" pitchFamily="34" charset="0"/>
+                        <a:cs typeface="Times New Roman" panose="02020603050405020304" pitchFamily="18" charset="0"/>
+                      </a:endParaRPr>
+                    </a:p>
+                  </a:txBody>
+                  <a:tcPr marL="61612" marR="61612" marT="0" marB="0"/>
+                </a:tc>
+                <a:extLst>
+                  <a:ext uri="{0D108BD9-81ED-4DB2-BD59-A6C34878D82A}">
+                    <a16:rowId xmlns:a16="http://schemas.microsoft.com/office/drawing/2014/main" val="351929202"/>
+                  </a:ext>
+                </a:extLst>
+              </a:tr>
+              <a:tr h="322321">
+                <a:tc>
+                  <a:txBody>
+                    <a:bodyPr/>
+                    <a:lstStyle/>
+                    <a:p>
+                      <a:pPr>
+                        <a:lnSpc>
+                          <a:spcPct val="107000"/>
+                        </a:lnSpc>
+                        <a:spcAft>
+                          <a:spcPts val="0"/>
+                        </a:spcAft>
+                      </a:pPr>
+                      <a:r>
+                        <a:rPr lang="en-PH" sz="1000">
+                          <a:effectLst/>
+                        </a:rPr>
+                        <a:t>Exceptions:</a:t>
+                      </a:r>
+                      <a:endParaRPr lang="en-PH" sz="1000">
+                        <a:effectLst/>
+                        <a:latin typeface="Calibri" panose="020F0502020204030204" pitchFamily="34" charset="0"/>
+                        <a:ea typeface="Calibri" panose="020F0502020204030204" pitchFamily="34" charset="0"/>
+                        <a:cs typeface="Times New Roman" panose="02020603050405020304" pitchFamily="18" charset="0"/>
+                      </a:endParaRPr>
+                    </a:p>
+                  </a:txBody>
+                  <a:tcPr marL="61612" marR="61612" marT="0" marB="0"/>
+                </a:tc>
+                <a:tc gridSpan="2">
+                  <a:txBody>
+                    <a:bodyPr/>
+                    <a:lstStyle/>
+                    <a:p>
+                      <a:pPr>
+                        <a:lnSpc>
+                          <a:spcPct val="107000"/>
+                        </a:lnSpc>
+                        <a:spcAft>
+                          <a:spcPts val="0"/>
+                        </a:spcAft>
+                      </a:pPr>
+                      <a:r>
                         <a:rPr lang="en-PH" sz="1000" dirty="0">
                           <a:effectLst/>
-                          <a:latin typeface="+mn-lt"/>
-                          <a:ea typeface="+mn-ea"/>
-                          <a:cs typeface="+mn-cs"/>
-                        </a:rPr>
-                        <a:t>Create</a:t>
-                      </a:r>
-                      <a:r>
-                        <a:rPr lang="en-PH" sz="1000" baseline="0" dirty="0">
-                          <a:effectLst/>
-                          <a:latin typeface="+mn-lt"/>
-                          <a:ea typeface="+mn-ea"/>
-                          <a:cs typeface="+mn-cs"/>
-                        </a:rPr>
-                        <a:t> key exchange</a:t>
+                        </a:rPr>
+                        <a:t>The machines being used have defects making it impossible to communicate.</a:t>
+                      </a:r>
+                    </a:p>
+                    <a:p>
+                      <a:pPr>
+                        <a:lnSpc>
+                          <a:spcPct val="107000"/>
+                        </a:lnSpc>
+                        <a:spcAft>
+                          <a:spcPts val="0"/>
+                        </a:spcAft>
+                      </a:pPr>
+                      <a:r>
+                        <a:rPr lang="en-PH" sz="1000" dirty="0">
+                          <a:effectLst/>
+                        </a:rPr>
+                        <a:t>Human intervention is present and the system fails to serve its purpose.</a:t>
                       </a:r>
                       <a:endParaRPr lang="en-PH" sz="1000" dirty="0">
                         <a:effectLst/>
@@ -10894,1125 +11711,7 @@
                 </a:tc>
                 <a:extLst>
                   <a:ext uri="{0D108BD9-81ED-4DB2-BD59-A6C34878D82A}">
-                    <a16:rowId xmlns:a16="http://schemas.microsoft.com/office/drawing/2014/main" val="484686430"/>
-                  </a:ext>
-                </a:extLst>
-              </a:tr>
-              <a:tr h="161161">
-                <a:tc>
-                  <a:txBody>
-                    <a:bodyPr/>
-                    <a:lstStyle/>
-                    <a:p>
-                      <a:pPr>
-                        <a:lnSpc>
-                          <a:spcPct val="107000"/>
-                        </a:lnSpc>
-                        <a:spcAft>
-                          <a:spcPts val="0"/>
-                        </a:spcAft>
-                      </a:pPr>
-                      <a:r>
-                        <a:rPr lang="en-PH" sz="1000">
-                          <a:effectLst/>
-                        </a:rPr>
-                        <a:t>Scenario:</a:t>
-                      </a:r>
-                      <a:endParaRPr lang="en-PH" sz="1000">
-                        <a:effectLst/>
-                        <a:latin typeface="Calibri" panose="020F0502020204030204" pitchFamily="34" charset="0"/>
-                        <a:ea typeface="Calibri" panose="020F0502020204030204" pitchFamily="34" charset="0"/>
-                        <a:cs typeface="Times New Roman" panose="02020603050405020304" pitchFamily="18" charset="0"/>
-                      </a:endParaRPr>
-                    </a:p>
-                  </a:txBody>
-                  <a:tcPr marL="61612" marR="61612" marT="0" marB="0"/>
-                </a:tc>
-                <a:tc gridSpan="2">
-                  <a:txBody>
-                    <a:bodyPr/>
-                    <a:lstStyle/>
-                    <a:p>
-                      <a:pPr>
-                        <a:lnSpc>
-                          <a:spcPct val="107000"/>
-                        </a:lnSpc>
-                        <a:spcAft>
-                          <a:spcPts val="0"/>
-                        </a:spcAft>
-                      </a:pPr>
-                      <a:r>
-                        <a:rPr lang="en-PH" sz="1000">
-                          <a:effectLst/>
-                        </a:rPr>
-                        <a:t>The System prints a copy of the receipt </a:t>
-                      </a:r>
-                      <a:endParaRPr lang="en-PH" sz="1000">
-                        <a:effectLst/>
-                        <a:latin typeface="Calibri" panose="020F0502020204030204" pitchFamily="34" charset="0"/>
-                        <a:ea typeface="Calibri" panose="020F0502020204030204" pitchFamily="34" charset="0"/>
-                        <a:cs typeface="Times New Roman" panose="02020603050405020304" pitchFamily="18" charset="0"/>
-                      </a:endParaRPr>
-                    </a:p>
-                  </a:txBody>
-                  <a:tcPr marL="61612" marR="61612" marT="0" marB="0"/>
-                </a:tc>
-                <a:tc hMerge="1">
-                  <a:txBody>
-                    <a:bodyPr/>
-                    <a:lstStyle/>
-                    <a:p>
-                      <a:endParaRPr lang="en-PH"/>
-                    </a:p>
-                  </a:txBody>
-                  <a:tcPr/>
-                </a:tc>
-                <a:extLst>
-                  <a:ext uri="{0D108BD9-81ED-4DB2-BD59-A6C34878D82A}">
-                    <a16:rowId xmlns:a16="http://schemas.microsoft.com/office/drawing/2014/main" val="4032501967"/>
-                  </a:ext>
-                </a:extLst>
-              </a:tr>
-              <a:tr h="161161">
-                <a:tc>
-                  <a:txBody>
-                    <a:bodyPr/>
-                    <a:lstStyle/>
-                    <a:p>
-                      <a:pPr>
-                        <a:lnSpc>
-                          <a:spcPct val="107000"/>
-                        </a:lnSpc>
-                        <a:spcAft>
-                          <a:spcPts val="0"/>
-                        </a:spcAft>
-                      </a:pPr>
-                      <a:r>
-                        <a:rPr lang="en-PH" sz="1000">
-                          <a:effectLst/>
-                        </a:rPr>
-                        <a:t>Triggering Event:</a:t>
-                      </a:r>
-                      <a:endParaRPr lang="en-PH" sz="1000">
-                        <a:effectLst/>
-                        <a:latin typeface="Calibri" panose="020F0502020204030204" pitchFamily="34" charset="0"/>
-                        <a:ea typeface="Calibri" panose="020F0502020204030204" pitchFamily="34" charset="0"/>
-                        <a:cs typeface="Times New Roman" panose="02020603050405020304" pitchFamily="18" charset="0"/>
-                      </a:endParaRPr>
-                    </a:p>
-                  </a:txBody>
-                  <a:tcPr marL="61612" marR="61612" marT="0" marB="0"/>
-                </a:tc>
-                <a:tc gridSpan="2">
-                  <a:txBody>
-                    <a:bodyPr/>
-                    <a:lstStyle/>
-                    <a:p>
-                      <a:pPr>
-                        <a:lnSpc>
-                          <a:spcPct val="107000"/>
-                        </a:lnSpc>
-                        <a:spcAft>
-                          <a:spcPts val="0"/>
-                        </a:spcAft>
-                      </a:pPr>
-                      <a:r>
-                        <a:rPr lang="en-PH" sz="1000">
-                          <a:effectLst/>
-                        </a:rPr>
-                        <a:t>Successfully stored votes</a:t>
-                      </a:r>
-                      <a:endParaRPr lang="en-PH" sz="1000">
-                        <a:effectLst/>
-                        <a:latin typeface="Calibri" panose="020F0502020204030204" pitchFamily="34" charset="0"/>
-                        <a:ea typeface="Calibri" panose="020F0502020204030204" pitchFamily="34" charset="0"/>
-                        <a:cs typeface="Times New Roman" panose="02020603050405020304" pitchFamily="18" charset="0"/>
-                      </a:endParaRPr>
-                    </a:p>
-                  </a:txBody>
-                  <a:tcPr marL="61612" marR="61612" marT="0" marB="0"/>
-                </a:tc>
-                <a:tc hMerge="1">
-                  <a:txBody>
-                    <a:bodyPr/>
-                    <a:lstStyle/>
-                    <a:p>
-                      <a:endParaRPr lang="en-PH"/>
-                    </a:p>
-                  </a:txBody>
-                  <a:tcPr/>
-                </a:tc>
-                <a:extLst>
-                  <a:ext uri="{0D108BD9-81ED-4DB2-BD59-A6C34878D82A}">
-                    <a16:rowId xmlns:a16="http://schemas.microsoft.com/office/drawing/2014/main" val="2414508340"/>
-                  </a:ext>
-                </a:extLst>
-              </a:tr>
-              <a:tr h="322321">
-                <a:tc>
-                  <a:txBody>
-                    <a:bodyPr/>
-                    <a:lstStyle/>
-                    <a:p>
-                      <a:pPr>
-                        <a:lnSpc>
-                          <a:spcPct val="107000"/>
-                        </a:lnSpc>
-                        <a:spcAft>
-                          <a:spcPts val="0"/>
-                        </a:spcAft>
-                      </a:pPr>
-                      <a:r>
-                        <a:rPr lang="en-PH" sz="1000">
-                          <a:effectLst/>
-                        </a:rPr>
-                        <a:t>Brief Description:</a:t>
-                      </a:r>
-                      <a:endParaRPr lang="en-PH" sz="1000">
-                        <a:effectLst/>
-                        <a:latin typeface="Calibri" panose="020F0502020204030204" pitchFamily="34" charset="0"/>
-                        <a:ea typeface="Calibri" panose="020F0502020204030204" pitchFamily="34" charset="0"/>
-                        <a:cs typeface="Times New Roman" panose="02020603050405020304" pitchFamily="18" charset="0"/>
-                      </a:endParaRPr>
-                    </a:p>
-                  </a:txBody>
-                  <a:tcPr marL="61612" marR="61612" marT="0" marB="0"/>
-                </a:tc>
-                <a:tc gridSpan="2">
-                  <a:txBody>
-                    <a:bodyPr/>
-                    <a:lstStyle/>
-                    <a:p>
-                      <a:pPr>
-                        <a:lnSpc>
-                          <a:spcPct val="107000"/>
-                        </a:lnSpc>
-                        <a:spcAft>
-                          <a:spcPts val="0"/>
-                        </a:spcAft>
-                      </a:pPr>
-                      <a:r>
-                        <a:rPr lang="en-PH" sz="1000">
-                          <a:effectLst/>
-                        </a:rPr>
-                        <a:t>The System prints a copy of the receipt containing the corresponding votes of the voter</a:t>
-                      </a:r>
-                      <a:endParaRPr lang="en-PH" sz="1000">
-                        <a:effectLst/>
-                        <a:latin typeface="Calibri" panose="020F0502020204030204" pitchFamily="34" charset="0"/>
-                        <a:ea typeface="Calibri" panose="020F0502020204030204" pitchFamily="34" charset="0"/>
-                        <a:cs typeface="Times New Roman" panose="02020603050405020304" pitchFamily="18" charset="0"/>
-                      </a:endParaRPr>
-                    </a:p>
-                  </a:txBody>
-                  <a:tcPr marL="61612" marR="61612" marT="0" marB="0"/>
-                </a:tc>
-                <a:tc hMerge="1">
-                  <a:txBody>
-                    <a:bodyPr/>
-                    <a:lstStyle/>
-                    <a:p>
-                      <a:endParaRPr lang="en-PH"/>
-                    </a:p>
-                  </a:txBody>
-                  <a:tcPr/>
-                </a:tc>
-                <a:extLst>
-                  <a:ext uri="{0D108BD9-81ED-4DB2-BD59-A6C34878D82A}">
-                    <a16:rowId xmlns:a16="http://schemas.microsoft.com/office/drawing/2014/main" val="3865984880"/>
-                  </a:ext>
-                </a:extLst>
-              </a:tr>
-              <a:tr h="161161">
-                <a:tc>
-                  <a:txBody>
-                    <a:bodyPr/>
-                    <a:lstStyle/>
-                    <a:p>
-                      <a:pPr>
-                        <a:lnSpc>
-                          <a:spcPct val="107000"/>
-                        </a:lnSpc>
-                        <a:spcAft>
-                          <a:spcPts val="0"/>
-                        </a:spcAft>
-                      </a:pPr>
-                      <a:r>
-                        <a:rPr lang="en-PH" sz="1000">
-                          <a:effectLst/>
-                        </a:rPr>
-                        <a:t>Actor(s):</a:t>
-                      </a:r>
-                      <a:endParaRPr lang="en-PH" sz="1000">
-                        <a:effectLst/>
-                        <a:latin typeface="Calibri" panose="020F0502020204030204" pitchFamily="34" charset="0"/>
-                        <a:ea typeface="Calibri" panose="020F0502020204030204" pitchFamily="34" charset="0"/>
-                        <a:cs typeface="Times New Roman" panose="02020603050405020304" pitchFamily="18" charset="0"/>
-                      </a:endParaRPr>
-                    </a:p>
-                  </a:txBody>
-                  <a:tcPr marL="61612" marR="61612" marT="0" marB="0"/>
-                </a:tc>
-                <a:tc gridSpan="2">
-                  <a:txBody>
-                    <a:bodyPr/>
-                    <a:lstStyle/>
-                    <a:p>
-                      <a:pPr>
-                        <a:lnSpc>
-                          <a:spcPct val="107000"/>
-                        </a:lnSpc>
-                        <a:spcAft>
-                          <a:spcPts val="0"/>
-                        </a:spcAft>
-                      </a:pPr>
-                      <a:r>
-                        <a:rPr lang="en-PH" sz="1000">
-                          <a:effectLst/>
-                        </a:rPr>
-                        <a:t>BEI, Voter</a:t>
-                      </a:r>
-                      <a:endParaRPr lang="en-PH" sz="1000">
-                        <a:effectLst/>
-                        <a:latin typeface="Calibri" panose="020F0502020204030204" pitchFamily="34" charset="0"/>
-                        <a:ea typeface="Calibri" panose="020F0502020204030204" pitchFamily="34" charset="0"/>
-                        <a:cs typeface="Times New Roman" panose="02020603050405020304" pitchFamily="18" charset="0"/>
-                      </a:endParaRPr>
-                    </a:p>
-                  </a:txBody>
-                  <a:tcPr marL="61612" marR="61612" marT="0" marB="0"/>
-                </a:tc>
-                <a:tc hMerge="1">
-                  <a:txBody>
-                    <a:bodyPr/>
-                    <a:lstStyle/>
-                    <a:p>
-                      <a:endParaRPr lang="en-PH"/>
-                    </a:p>
-                  </a:txBody>
-                  <a:tcPr/>
-                </a:tc>
-                <a:extLst>
-                  <a:ext uri="{0D108BD9-81ED-4DB2-BD59-A6C34878D82A}">
-                    <a16:rowId xmlns:a16="http://schemas.microsoft.com/office/drawing/2014/main" val="3341388330"/>
-                  </a:ext>
-                </a:extLst>
-              </a:tr>
-              <a:tr h="161161">
-                <a:tc>
-                  <a:txBody>
-                    <a:bodyPr/>
-                    <a:lstStyle/>
-                    <a:p>
-                      <a:pPr>
-                        <a:lnSpc>
-                          <a:spcPct val="107000"/>
-                        </a:lnSpc>
-                        <a:spcAft>
-                          <a:spcPts val="0"/>
-                        </a:spcAft>
-                      </a:pPr>
-                      <a:r>
-                        <a:rPr lang="en-PH" sz="1000">
-                          <a:effectLst/>
-                        </a:rPr>
-                        <a:t>Related Use Cases:</a:t>
-                      </a:r>
-                      <a:endParaRPr lang="en-PH" sz="1000">
-                        <a:effectLst/>
-                        <a:latin typeface="Calibri" panose="020F0502020204030204" pitchFamily="34" charset="0"/>
-                        <a:ea typeface="Calibri" panose="020F0502020204030204" pitchFamily="34" charset="0"/>
-                        <a:cs typeface="Times New Roman" panose="02020603050405020304" pitchFamily="18" charset="0"/>
-                      </a:endParaRPr>
-                    </a:p>
-                  </a:txBody>
-                  <a:tcPr marL="61612" marR="61612" marT="0" marB="0"/>
-                </a:tc>
-                <a:tc gridSpan="2">
-                  <a:txBody>
-                    <a:bodyPr/>
-                    <a:lstStyle/>
-                    <a:p>
-                      <a:pPr>
-                        <a:lnSpc>
-                          <a:spcPct val="107000"/>
-                        </a:lnSpc>
-                        <a:spcAft>
-                          <a:spcPts val="0"/>
-                        </a:spcAft>
-                      </a:pPr>
-                      <a:r>
-                        <a:rPr lang="en-PH" sz="1000">
-                          <a:effectLst/>
-                        </a:rPr>
-                        <a:t>----</a:t>
-                      </a:r>
-                      <a:endParaRPr lang="en-PH" sz="1000">
-                        <a:effectLst/>
-                        <a:latin typeface="Calibri" panose="020F0502020204030204" pitchFamily="34" charset="0"/>
-                        <a:ea typeface="Calibri" panose="020F0502020204030204" pitchFamily="34" charset="0"/>
-                        <a:cs typeface="Times New Roman" panose="02020603050405020304" pitchFamily="18" charset="0"/>
-                      </a:endParaRPr>
-                    </a:p>
-                  </a:txBody>
-                  <a:tcPr marL="61612" marR="61612" marT="0" marB="0"/>
-                </a:tc>
-                <a:tc hMerge="1">
-                  <a:txBody>
-                    <a:bodyPr/>
-                    <a:lstStyle/>
-                    <a:p>
-                      <a:endParaRPr lang="en-PH"/>
-                    </a:p>
-                  </a:txBody>
-                  <a:tcPr/>
-                </a:tc>
-                <a:extLst>
-                  <a:ext uri="{0D108BD9-81ED-4DB2-BD59-A6C34878D82A}">
-                    <a16:rowId xmlns:a16="http://schemas.microsoft.com/office/drawing/2014/main" val="3958470316"/>
-                  </a:ext>
-                </a:extLst>
-              </a:tr>
-              <a:tr h="483482">
-                <a:tc>
-                  <a:txBody>
-                    <a:bodyPr/>
-                    <a:lstStyle/>
-                    <a:p>
-                      <a:pPr>
-                        <a:lnSpc>
-                          <a:spcPct val="107000"/>
-                        </a:lnSpc>
-                        <a:spcAft>
-                          <a:spcPts val="0"/>
-                        </a:spcAft>
-                      </a:pPr>
-                      <a:r>
-                        <a:rPr lang="en-PH" sz="1000">
-                          <a:effectLst/>
-                        </a:rPr>
-                        <a:t>Stakeholders:</a:t>
-                      </a:r>
-                      <a:endParaRPr lang="en-PH" sz="1000">
-                        <a:effectLst/>
-                        <a:latin typeface="Calibri" panose="020F0502020204030204" pitchFamily="34" charset="0"/>
-                        <a:ea typeface="Calibri" panose="020F0502020204030204" pitchFamily="34" charset="0"/>
-                        <a:cs typeface="Times New Roman" panose="02020603050405020304" pitchFamily="18" charset="0"/>
-                      </a:endParaRPr>
-                    </a:p>
-                  </a:txBody>
-                  <a:tcPr marL="61612" marR="61612" marT="0" marB="0"/>
-                </a:tc>
-                <a:tc gridSpan="2">
-                  <a:txBody>
-                    <a:bodyPr/>
-                    <a:lstStyle/>
-                    <a:p>
-                      <a:pPr>
-                        <a:lnSpc>
-                          <a:spcPct val="107000"/>
-                        </a:lnSpc>
-                        <a:spcAft>
-                          <a:spcPts val="0"/>
-                        </a:spcAft>
-                      </a:pPr>
-                      <a:r>
-                        <a:rPr lang="en-PH" sz="1000">
-                          <a:effectLst/>
-                        </a:rPr>
-                        <a:t>The BEI ensures that the voters are following the procedures and guides them throughout the process</a:t>
-                      </a:r>
-                    </a:p>
-                    <a:p>
-                      <a:pPr>
-                        <a:lnSpc>
-                          <a:spcPct val="107000"/>
-                        </a:lnSpc>
-                        <a:spcAft>
-                          <a:spcPts val="0"/>
-                        </a:spcAft>
-                      </a:pPr>
-                      <a:r>
-                        <a:rPr lang="en-PH" sz="1000">
-                          <a:effectLst/>
-                        </a:rPr>
-                        <a:t>The Voter verifies what the VCM read</a:t>
-                      </a:r>
-                      <a:endParaRPr lang="en-PH" sz="1000">
-                        <a:effectLst/>
-                        <a:latin typeface="Calibri" panose="020F0502020204030204" pitchFamily="34" charset="0"/>
-                        <a:ea typeface="Calibri" panose="020F0502020204030204" pitchFamily="34" charset="0"/>
-                        <a:cs typeface="Times New Roman" panose="02020603050405020304" pitchFamily="18" charset="0"/>
-                      </a:endParaRPr>
-                    </a:p>
-                  </a:txBody>
-                  <a:tcPr marL="61612" marR="61612" marT="0" marB="0"/>
-                </a:tc>
-                <a:tc hMerge="1">
-                  <a:txBody>
-                    <a:bodyPr/>
-                    <a:lstStyle/>
-                    <a:p>
-                      <a:endParaRPr lang="en-PH"/>
-                    </a:p>
-                  </a:txBody>
-                  <a:tcPr/>
-                </a:tc>
-                <a:extLst>
-                  <a:ext uri="{0D108BD9-81ED-4DB2-BD59-A6C34878D82A}">
-                    <a16:rowId xmlns:a16="http://schemas.microsoft.com/office/drawing/2014/main" val="1209931876"/>
-                  </a:ext>
-                </a:extLst>
-              </a:tr>
-              <a:tr h="161161">
-                <a:tc>
-                  <a:txBody>
-                    <a:bodyPr/>
-                    <a:lstStyle/>
-                    <a:p>
-                      <a:pPr>
-                        <a:lnSpc>
-                          <a:spcPct val="107000"/>
-                        </a:lnSpc>
-                        <a:spcAft>
-                          <a:spcPts val="0"/>
-                        </a:spcAft>
-                      </a:pPr>
-                      <a:r>
-                        <a:rPr lang="en-PH" sz="1000">
-                          <a:effectLst/>
-                        </a:rPr>
-                        <a:t>Precondition:</a:t>
-                      </a:r>
-                      <a:endParaRPr lang="en-PH" sz="1000">
-                        <a:effectLst/>
-                        <a:latin typeface="Calibri" panose="020F0502020204030204" pitchFamily="34" charset="0"/>
-                        <a:ea typeface="Calibri" panose="020F0502020204030204" pitchFamily="34" charset="0"/>
-                        <a:cs typeface="Times New Roman" panose="02020603050405020304" pitchFamily="18" charset="0"/>
-                      </a:endParaRPr>
-                    </a:p>
-                  </a:txBody>
-                  <a:tcPr marL="61612" marR="61612" marT="0" marB="0"/>
-                </a:tc>
-                <a:tc gridSpan="2">
-                  <a:txBody>
-                    <a:bodyPr/>
-                    <a:lstStyle/>
-                    <a:p>
-                      <a:pPr>
-                        <a:lnSpc>
-                          <a:spcPct val="107000"/>
-                        </a:lnSpc>
-                        <a:spcAft>
-                          <a:spcPts val="0"/>
-                        </a:spcAft>
-                      </a:pPr>
-                      <a:r>
-                        <a:rPr lang="en-PH" sz="1000">
-                          <a:effectLst/>
-                        </a:rPr>
-                        <a:t>Votes in the ballot are stored in a database</a:t>
-                      </a:r>
-                      <a:endParaRPr lang="en-PH" sz="1000">
-                        <a:effectLst/>
-                        <a:latin typeface="Calibri" panose="020F0502020204030204" pitchFamily="34" charset="0"/>
-                        <a:ea typeface="Calibri" panose="020F0502020204030204" pitchFamily="34" charset="0"/>
-                        <a:cs typeface="Times New Roman" panose="02020603050405020304" pitchFamily="18" charset="0"/>
-                      </a:endParaRPr>
-                    </a:p>
-                  </a:txBody>
-                  <a:tcPr marL="61612" marR="61612" marT="0" marB="0"/>
-                </a:tc>
-                <a:tc hMerge="1">
-                  <a:txBody>
-                    <a:bodyPr/>
-                    <a:lstStyle/>
-                    <a:p>
-                      <a:endParaRPr lang="en-PH"/>
-                    </a:p>
-                  </a:txBody>
-                  <a:tcPr/>
-                </a:tc>
-                <a:extLst>
-                  <a:ext uri="{0D108BD9-81ED-4DB2-BD59-A6C34878D82A}">
-                    <a16:rowId xmlns:a16="http://schemas.microsoft.com/office/drawing/2014/main" val="4084385740"/>
-                  </a:ext>
-                </a:extLst>
-              </a:tr>
-              <a:tr h="161161">
-                <a:tc>
-                  <a:txBody>
-                    <a:bodyPr/>
-                    <a:lstStyle/>
-                    <a:p>
-                      <a:pPr>
-                        <a:lnSpc>
-                          <a:spcPct val="107000"/>
-                        </a:lnSpc>
-                        <a:spcAft>
-                          <a:spcPts val="0"/>
-                        </a:spcAft>
-                      </a:pPr>
-                      <a:r>
-                        <a:rPr lang="en-PH" sz="1000">
-                          <a:effectLst/>
-                        </a:rPr>
-                        <a:t>Postcondition:</a:t>
-                      </a:r>
-                      <a:endParaRPr lang="en-PH" sz="1000">
-                        <a:effectLst/>
-                        <a:latin typeface="Calibri" panose="020F0502020204030204" pitchFamily="34" charset="0"/>
-                        <a:ea typeface="Calibri" panose="020F0502020204030204" pitchFamily="34" charset="0"/>
-                        <a:cs typeface="Times New Roman" panose="02020603050405020304" pitchFamily="18" charset="0"/>
-                      </a:endParaRPr>
-                    </a:p>
-                  </a:txBody>
-                  <a:tcPr marL="61612" marR="61612" marT="0" marB="0"/>
-                </a:tc>
-                <a:tc gridSpan="2">
-                  <a:txBody>
-                    <a:bodyPr/>
-                    <a:lstStyle/>
-                    <a:p>
-                      <a:pPr>
-                        <a:lnSpc>
-                          <a:spcPct val="107000"/>
-                        </a:lnSpc>
-                        <a:spcAft>
-                          <a:spcPts val="0"/>
-                        </a:spcAft>
-                      </a:pPr>
-                      <a:r>
-                        <a:rPr lang="en-PH" sz="1000">
-                          <a:effectLst/>
-                        </a:rPr>
-                        <a:t>Receipt is printed</a:t>
-                      </a:r>
-                      <a:endParaRPr lang="en-PH" sz="1000">
-                        <a:effectLst/>
-                        <a:latin typeface="Calibri" panose="020F0502020204030204" pitchFamily="34" charset="0"/>
-                        <a:ea typeface="Calibri" panose="020F0502020204030204" pitchFamily="34" charset="0"/>
-                        <a:cs typeface="Times New Roman" panose="02020603050405020304" pitchFamily="18" charset="0"/>
-                      </a:endParaRPr>
-                    </a:p>
-                  </a:txBody>
-                  <a:tcPr marL="61612" marR="61612" marT="0" marB="0"/>
-                </a:tc>
-                <a:tc hMerge="1">
-                  <a:txBody>
-                    <a:bodyPr/>
-                    <a:lstStyle/>
-                    <a:p>
-                      <a:endParaRPr lang="en-PH"/>
-                    </a:p>
-                  </a:txBody>
-                  <a:tcPr/>
-                </a:tc>
-                <a:extLst>
-                  <a:ext uri="{0D108BD9-81ED-4DB2-BD59-A6C34878D82A}">
-                    <a16:rowId xmlns:a16="http://schemas.microsoft.com/office/drawing/2014/main" val="2156641794"/>
-                  </a:ext>
-                </a:extLst>
-              </a:tr>
-              <a:tr h="2417408">
-                <a:tc>
-                  <a:txBody>
-                    <a:bodyPr/>
-                    <a:lstStyle/>
-                    <a:p>
-                      <a:pPr>
-                        <a:lnSpc>
-                          <a:spcPct val="107000"/>
-                        </a:lnSpc>
-                        <a:spcAft>
-                          <a:spcPts val="0"/>
-                        </a:spcAft>
-                      </a:pPr>
-                      <a:r>
-                        <a:rPr lang="en-PH" sz="1000">
-                          <a:effectLst/>
-                        </a:rPr>
-                        <a:t>Basic Flow:</a:t>
-                      </a:r>
-                      <a:endParaRPr lang="en-PH" sz="1000">
-                        <a:effectLst/>
-                        <a:latin typeface="Calibri" panose="020F0502020204030204" pitchFamily="34" charset="0"/>
-                        <a:ea typeface="Calibri" panose="020F0502020204030204" pitchFamily="34" charset="0"/>
-                        <a:cs typeface="Times New Roman" panose="02020603050405020304" pitchFamily="18" charset="0"/>
-                      </a:endParaRPr>
-                    </a:p>
-                  </a:txBody>
-                  <a:tcPr marL="61612" marR="61612" marT="0" marB="0"/>
-                </a:tc>
-                <a:tc>
-                  <a:txBody>
-                    <a:bodyPr/>
-                    <a:lstStyle/>
-                    <a:p>
-                      <a:pPr>
-                        <a:lnSpc>
-                          <a:spcPct val="107000"/>
-                        </a:lnSpc>
-                        <a:spcAft>
-                          <a:spcPts val="0"/>
-                        </a:spcAft>
-                      </a:pPr>
-                      <a:r>
-                        <a:rPr lang="en-PH" sz="1000">
-                          <a:effectLst/>
-                        </a:rPr>
-                        <a:t>Actor:</a:t>
-                      </a:r>
-                    </a:p>
-                    <a:p>
-                      <a:pPr>
-                        <a:lnSpc>
-                          <a:spcPct val="107000"/>
-                        </a:lnSpc>
-                        <a:spcAft>
-                          <a:spcPts val="0"/>
-                        </a:spcAft>
-                      </a:pPr>
-                      <a:r>
-                        <a:rPr lang="en-PH" sz="1000">
-                          <a:effectLst/>
-                        </a:rPr>
-                        <a:t> </a:t>
-                      </a:r>
-                    </a:p>
-                    <a:p>
-                      <a:pPr>
-                        <a:lnSpc>
-                          <a:spcPct val="107000"/>
-                        </a:lnSpc>
-                        <a:spcAft>
-                          <a:spcPts val="0"/>
-                        </a:spcAft>
-                      </a:pPr>
-                      <a:r>
-                        <a:rPr lang="en-PH" sz="1000">
-                          <a:effectLst/>
-                        </a:rPr>
-                        <a:t>1. The BEI checks whether the VCM is already generating a copy of the receipt</a:t>
-                      </a:r>
-                    </a:p>
-                    <a:p>
-                      <a:pPr>
-                        <a:lnSpc>
-                          <a:spcPct val="107000"/>
-                        </a:lnSpc>
-                        <a:spcAft>
-                          <a:spcPts val="0"/>
-                        </a:spcAft>
-                      </a:pPr>
-                      <a:r>
-                        <a:rPr lang="en-PH" sz="1000">
-                          <a:effectLst/>
-                        </a:rPr>
-                        <a:t>2. The BEI gets the receipt from the VCM and is given to the voter</a:t>
-                      </a:r>
-                    </a:p>
-                    <a:p>
-                      <a:pPr>
-                        <a:lnSpc>
-                          <a:spcPct val="107000"/>
-                        </a:lnSpc>
-                        <a:spcAft>
-                          <a:spcPts val="0"/>
-                        </a:spcAft>
-                      </a:pPr>
-                      <a:r>
-                        <a:rPr lang="en-PH" sz="1000">
-                          <a:effectLst/>
-                        </a:rPr>
-                        <a:t>3. The Voter checks whether the VCM read the ballot correctly</a:t>
-                      </a:r>
-                    </a:p>
-                    <a:p>
-                      <a:pPr>
-                        <a:lnSpc>
-                          <a:spcPct val="107000"/>
-                        </a:lnSpc>
-                        <a:spcAft>
-                          <a:spcPts val="0"/>
-                        </a:spcAft>
-                      </a:pPr>
-                      <a:r>
-                        <a:rPr lang="en-PH" sz="1000">
-                          <a:effectLst/>
-                        </a:rPr>
-                        <a:t>4. The Voter surrenders the receipt by placing it inside a box</a:t>
-                      </a:r>
-                    </a:p>
-                    <a:p>
-                      <a:pPr>
-                        <a:lnSpc>
-                          <a:spcPct val="107000"/>
-                        </a:lnSpc>
-                        <a:spcAft>
-                          <a:spcPts val="0"/>
-                        </a:spcAft>
-                      </a:pPr>
-                      <a:r>
-                        <a:rPr lang="en-PH" sz="1000">
-                          <a:effectLst/>
-                        </a:rPr>
-                        <a:t>5. The BEI ensures that the voter surrenders the receipt before exiting the polling area</a:t>
-                      </a:r>
-                    </a:p>
-                    <a:p>
-                      <a:pPr>
-                        <a:lnSpc>
-                          <a:spcPct val="107000"/>
-                        </a:lnSpc>
-                        <a:spcAft>
-                          <a:spcPts val="0"/>
-                        </a:spcAft>
-                      </a:pPr>
-                      <a:r>
-                        <a:rPr lang="en-PH" sz="1000">
-                          <a:effectLst/>
-                        </a:rPr>
-                        <a:t> </a:t>
-                      </a:r>
-                      <a:endParaRPr lang="en-PH" sz="1000">
-                        <a:effectLst/>
-                        <a:latin typeface="Calibri" panose="020F0502020204030204" pitchFamily="34" charset="0"/>
-                        <a:ea typeface="Calibri" panose="020F0502020204030204" pitchFamily="34" charset="0"/>
-                        <a:cs typeface="Times New Roman" panose="02020603050405020304" pitchFamily="18" charset="0"/>
-                      </a:endParaRPr>
-                    </a:p>
-                  </a:txBody>
-                  <a:tcPr marL="61612" marR="61612" marT="0" marB="0"/>
-                </a:tc>
-                <a:tc>
-                  <a:txBody>
-                    <a:bodyPr/>
-                    <a:lstStyle/>
-                    <a:p>
-                      <a:pPr>
-                        <a:lnSpc>
-                          <a:spcPct val="107000"/>
-                        </a:lnSpc>
-                        <a:spcAft>
-                          <a:spcPts val="0"/>
-                        </a:spcAft>
-                      </a:pPr>
-                      <a:r>
-                        <a:rPr lang="en-PH" sz="1000" dirty="0">
-                          <a:effectLst/>
-                        </a:rPr>
-                        <a:t>System Response:</a:t>
-                      </a:r>
-                    </a:p>
-                    <a:p>
-                      <a:pPr>
-                        <a:lnSpc>
-                          <a:spcPct val="107000"/>
-                        </a:lnSpc>
-                        <a:spcAft>
-                          <a:spcPts val="0"/>
-                        </a:spcAft>
-                      </a:pPr>
-                      <a:r>
-                        <a:rPr lang="en-PH" sz="1000" dirty="0">
-                          <a:effectLst/>
-                        </a:rPr>
-                        <a:t> </a:t>
-                      </a:r>
-                    </a:p>
-                    <a:p>
-                      <a:pPr>
-                        <a:lnSpc>
-                          <a:spcPct val="107000"/>
-                        </a:lnSpc>
-                        <a:spcAft>
-                          <a:spcPts val="0"/>
-                        </a:spcAft>
-                      </a:pPr>
-                      <a:r>
-                        <a:rPr lang="en-PH" sz="1000" dirty="0">
-                          <a:effectLst/>
-                        </a:rPr>
-                        <a:t>1.1 The system will display a signal if it is ready to generate a receipt</a:t>
-                      </a:r>
-                    </a:p>
-                    <a:p>
-                      <a:pPr>
-                        <a:lnSpc>
-                          <a:spcPct val="107000"/>
-                        </a:lnSpc>
-                        <a:spcAft>
-                          <a:spcPts val="0"/>
-                        </a:spcAft>
-                      </a:pPr>
-                      <a:r>
-                        <a:rPr lang="en-PH" sz="1000" dirty="0">
-                          <a:effectLst/>
-                        </a:rPr>
-                        <a:t> </a:t>
-                      </a:r>
-                    </a:p>
-                    <a:p>
-                      <a:pPr>
-                        <a:lnSpc>
-                          <a:spcPct val="107000"/>
-                        </a:lnSpc>
-                        <a:spcAft>
-                          <a:spcPts val="0"/>
-                        </a:spcAft>
-                      </a:pPr>
-                      <a:r>
-                        <a:rPr lang="en-PH" sz="1000" dirty="0">
-                          <a:effectLst/>
-                        </a:rPr>
-                        <a:t> </a:t>
-                      </a:r>
-                    </a:p>
-                    <a:p>
-                      <a:pPr>
-                        <a:lnSpc>
-                          <a:spcPct val="107000"/>
-                        </a:lnSpc>
-                        <a:spcAft>
-                          <a:spcPts val="0"/>
-                        </a:spcAft>
-                      </a:pPr>
-                      <a:r>
-                        <a:rPr lang="en-PH" sz="1000" dirty="0">
-                          <a:effectLst/>
-                        </a:rPr>
-                        <a:t> </a:t>
-                      </a:r>
-                    </a:p>
-                    <a:p>
-                      <a:pPr>
-                        <a:lnSpc>
-                          <a:spcPct val="107000"/>
-                        </a:lnSpc>
-                        <a:spcAft>
-                          <a:spcPts val="0"/>
-                        </a:spcAft>
-                      </a:pPr>
-                      <a:r>
-                        <a:rPr lang="en-PH" sz="1000" dirty="0">
-                          <a:effectLst/>
-                        </a:rPr>
-                        <a:t> </a:t>
-                      </a:r>
-                    </a:p>
-                    <a:p>
-                      <a:pPr>
-                        <a:lnSpc>
-                          <a:spcPct val="107000"/>
-                        </a:lnSpc>
-                        <a:spcAft>
-                          <a:spcPts val="0"/>
-                        </a:spcAft>
-                      </a:pPr>
-                      <a:r>
-                        <a:rPr lang="en-PH" sz="1000" dirty="0">
-                          <a:effectLst/>
-                        </a:rPr>
-                        <a:t> </a:t>
-                      </a:r>
-                    </a:p>
-                    <a:p>
-                      <a:pPr>
-                        <a:lnSpc>
-                          <a:spcPct val="107000"/>
-                        </a:lnSpc>
-                        <a:spcAft>
-                          <a:spcPts val="0"/>
-                        </a:spcAft>
-                      </a:pPr>
-                      <a:r>
-                        <a:rPr lang="en-PH" sz="1000" dirty="0">
-                          <a:effectLst/>
-                        </a:rPr>
-                        <a:t> </a:t>
-                      </a:r>
-                    </a:p>
-                    <a:p>
-                      <a:pPr>
-                        <a:lnSpc>
-                          <a:spcPct val="107000"/>
-                        </a:lnSpc>
-                        <a:spcAft>
-                          <a:spcPts val="0"/>
-                        </a:spcAft>
-                      </a:pPr>
-                      <a:r>
-                        <a:rPr lang="en-PH" sz="1000" dirty="0">
-                          <a:effectLst/>
-                        </a:rPr>
-                        <a:t> </a:t>
-                      </a:r>
-                    </a:p>
-                    <a:p>
-                      <a:pPr>
-                        <a:lnSpc>
-                          <a:spcPct val="107000"/>
-                        </a:lnSpc>
-                        <a:spcAft>
-                          <a:spcPts val="0"/>
-                        </a:spcAft>
-                      </a:pPr>
-                      <a:r>
-                        <a:rPr lang="en-PH" sz="1000" dirty="0">
-                          <a:effectLst/>
-                        </a:rPr>
-                        <a:t> </a:t>
-                      </a:r>
-                    </a:p>
-                    <a:p>
-                      <a:pPr>
-                        <a:lnSpc>
-                          <a:spcPct val="107000"/>
-                        </a:lnSpc>
-                        <a:spcAft>
-                          <a:spcPts val="0"/>
-                        </a:spcAft>
-                      </a:pPr>
-                      <a:r>
-                        <a:rPr lang="en-PH" sz="1000" dirty="0">
-                          <a:effectLst/>
-                        </a:rPr>
-                        <a:t> </a:t>
-                      </a:r>
-                    </a:p>
-                    <a:p>
-                      <a:pPr>
-                        <a:lnSpc>
-                          <a:spcPct val="107000"/>
-                        </a:lnSpc>
-                        <a:spcAft>
-                          <a:spcPts val="0"/>
-                        </a:spcAft>
-                      </a:pPr>
-                      <a:r>
-                        <a:rPr lang="en-PH" sz="1000" dirty="0">
-                          <a:effectLst/>
-                        </a:rPr>
-                        <a:t> </a:t>
-                      </a:r>
-                      <a:endParaRPr lang="en-PH" sz="1000" dirty="0">
-                        <a:effectLst/>
-                        <a:latin typeface="Calibri" panose="020F0502020204030204" pitchFamily="34" charset="0"/>
-                        <a:ea typeface="Calibri" panose="020F0502020204030204" pitchFamily="34" charset="0"/>
-                        <a:cs typeface="Times New Roman" panose="02020603050405020304" pitchFamily="18" charset="0"/>
-                      </a:endParaRPr>
-                    </a:p>
-                  </a:txBody>
-                  <a:tcPr marL="61612" marR="61612" marT="0" marB="0"/>
-                </a:tc>
-                <a:extLst>
-                  <a:ext uri="{0D108BD9-81ED-4DB2-BD59-A6C34878D82A}">
-                    <a16:rowId xmlns:a16="http://schemas.microsoft.com/office/drawing/2014/main" val="3391944069"/>
-                  </a:ext>
-                </a:extLst>
-              </a:tr>
-            </a:tbl>
-          </a:graphicData>
-        </a:graphic>
-      </p:graphicFrame>
-      <p:graphicFrame>
-        <p:nvGraphicFramePr>
-          <p:cNvPr id="8" name="Table 7"/>
-          <p:cNvGraphicFramePr>
-            <a:graphicFrameLocks noGrp="1"/>
-          </p:cNvGraphicFramePr>
-          <p:nvPr>
-            <p:extLst>
-              <p:ext uri="{D42A27DB-BD31-4B8C-83A1-F6EECF244321}">
-                <p14:modId xmlns:p14="http://schemas.microsoft.com/office/powerpoint/2010/main" val="980659370"/>
-              </p:ext>
-            </p:extLst>
-          </p:nvPr>
-        </p:nvGraphicFramePr>
-        <p:xfrm>
-          <a:off x="2205514" y="6099399"/>
-          <a:ext cx="5333986" cy="594360"/>
-        </p:xfrm>
-        <a:graphic>
-          <a:graphicData uri="http://schemas.openxmlformats.org/drawingml/2006/table">
-            <a:tbl>
-              <a:tblPr firstRow="1" bandRow="1">
-                <a:tableStyleId>{5C22544A-7EE6-4342-B048-85BDC9FD1C3A}</a:tableStyleId>
-              </a:tblPr>
-              <a:tblGrid>
-                <a:gridCol w="1209876">
-                  <a:extLst>
-                    <a:ext uri="{9D8B030D-6E8A-4147-A177-3AD203B41FA5}">
-                      <a16:colId xmlns:a16="http://schemas.microsoft.com/office/drawing/2014/main" val="2373195061"/>
-                    </a:ext>
-                  </a:extLst>
-                </a:gridCol>
-                <a:gridCol w="4124110">
-                  <a:extLst>
-                    <a:ext uri="{9D8B030D-6E8A-4147-A177-3AD203B41FA5}">
-                      <a16:colId xmlns:a16="http://schemas.microsoft.com/office/drawing/2014/main" val="427143043"/>
-                    </a:ext>
-                  </a:extLst>
-                </a:gridCol>
-              </a:tblGrid>
-              <a:tr h="370840">
-                <a:tc>
-                  <a:txBody>
-                    <a:bodyPr/>
-                    <a:lstStyle/>
-                    <a:p>
-                      <a:r>
-                        <a:rPr lang="en-PH" sz="1100" dirty="0"/>
-                        <a:t>Exceptions:</a:t>
-                      </a:r>
-                    </a:p>
-                  </a:txBody>
-                  <a:tcPr>
-                    <a:solidFill>
-                      <a:srgbClr val="ED7D31"/>
-                    </a:solidFill>
-                  </a:tcPr>
-                </a:tc>
-                <a:tc>
-                  <a:txBody>
-                    <a:bodyPr/>
-                    <a:lstStyle/>
-                    <a:p>
-                      <a:r>
-                        <a:rPr lang="en-PH" sz="1100" b="0" dirty="0">
-                          <a:solidFill>
-                            <a:schemeClr val="tx1"/>
-                          </a:solidFill>
-                        </a:rPr>
-                        <a:t>1.1.1</a:t>
-                      </a:r>
-                      <a:r>
-                        <a:rPr lang="en-PH" sz="1100" b="0" baseline="0" dirty="0">
-                          <a:solidFill>
-                            <a:schemeClr val="tx1"/>
-                          </a:solidFill>
-                        </a:rPr>
-                        <a:t> If there is a miscalculations of votes , system will display error message.</a:t>
-                      </a:r>
-                    </a:p>
-                    <a:p>
-                      <a:endParaRPr lang="en-PH" sz="1100" b="0" dirty="0">
-                        <a:solidFill>
-                          <a:schemeClr val="tx1"/>
-                        </a:solidFill>
-                      </a:endParaRPr>
-                    </a:p>
-                  </a:txBody>
-                  <a:tcPr>
-                    <a:solidFill>
-                      <a:srgbClr val="FCECE8"/>
-                    </a:solidFill>
-                  </a:tcPr>
-                </a:tc>
-                <a:extLst>
-                  <a:ext uri="{0D108BD9-81ED-4DB2-BD59-A6C34878D82A}">
-                    <a16:rowId xmlns:a16="http://schemas.microsoft.com/office/drawing/2014/main" val="4271669032"/>
+                    <a16:rowId xmlns:a16="http://schemas.microsoft.com/office/drawing/2014/main" val="2969666064"/>
                   </a:ext>
                 </a:extLst>
               </a:tr>
@@ -12134,47 +11833,41 @@
       </p:pic>
       <p:graphicFrame>
         <p:nvGraphicFramePr>
-          <p:cNvPr id="3" name="Table 2"/>
+          <p:cNvPr id="4" name="Table 3"/>
           <p:cNvGraphicFramePr>
             <a:graphicFrameLocks noGrp="1"/>
           </p:cNvGraphicFramePr>
-          <p:nvPr>
-            <p:extLst>
-              <p:ext uri="{D42A27DB-BD31-4B8C-83A1-F6EECF244321}">
-                <p14:modId xmlns:p14="http://schemas.microsoft.com/office/powerpoint/2010/main" val="2702990680"/>
-              </p:ext>
-            </p:extLst>
-          </p:nvPr>
+          <p:nvPr/>
         </p:nvGraphicFramePr>
         <p:xfrm>
-          <a:off x="1916761" y="2085251"/>
-          <a:ext cx="5937250" cy="2690816"/>
+          <a:off x="3127375" y="2476498"/>
+          <a:ext cx="5937250" cy="2962276"/>
         </p:xfrm>
         <a:graphic>
           <a:graphicData uri="http://schemas.openxmlformats.org/drawingml/2006/table">
             <a:tbl>
               <a:tblPr firstRow="1" firstCol="1" bandRow="1">
-                <a:tableStyleId>{21E4AEA4-8DFA-4A89-87EB-49C32662AFE0}</a:tableStyleId>
+                <a:tableStyleId>{5C22544A-7EE6-4342-B048-85BDC9FD1C3A}</a:tableStyleId>
               </a:tblPr>
               <a:tblGrid>
                 <a:gridCol w="1347470">
                   <a:extLst>
                     <a:ext uri="{9D8B030D-6E8A-4147-A177-3AD203B41FA5}">
-                      <a16:colId xmlns:a16="http://schemas.microsoft.com/office/drawing/2014/main" val="1710919934"/>
+                      <a16:colId xmlns:a16="http://schemas.microsoft.com/office/drawing/2014/main" val="1915775145"/>
                     </a:ext>
                   </a:extLst>
                 </a:gridCol>
                 <a:gridCol w="2124075">
                   <a:extLst>
                     <a:ext uri="{9D8B030D-6E8A-4147-A177-3AD203B41FA5}">
-                      <a16:colId xmlns:a16="http://schemas.microsoft.com/office/drawing/2014/main" val="2268009841"/>
+                      <a16:colId xmlns:a16="http://schemas.microsoft.com/office/drawing/2014/main" val="3979191114"/>
                     </a:ext>
                   </a:extLst>
                 </a:gridCol>
                 <a:gridCol w="2465705">
                   <a:extLst>
                     <a:ext uri="{9D8B030D-6E8A-4147-A177-3AD203B41FA5}">
-                      <a16:colId xmlns:a16="http://schemas.microsoft.com/office/drawing/2014/main" val="343904478"/>
+                      <a16:colId xmlns:a16="http://schemas.microsoft.com/office/drawing/2014/main" val="722791455"/>
                     </a:ext>
                   </a:extLst>
                 </a:gridCol>
@@ -12194,10 +11887,888 @@
                         </a:spcAft>
                       </a:pPr>
                       <a:r>
+                        <a:rPr lang="en-PH" sz="1100">
+                          <a:effectLst/>
+                        </a:rPr>
+                        <a:t>Use Case Name:</a:t>
+                      </a:r>
+                      <a:endParaRPr lang="en-PH" sz="1100">
+                        <a:effectLst/>
+                        <a:latin typeface="Calibri" panose="020F0502020204030204" pitchFamily="34" charset="0"/>
+                        <a:ea typeface="Calibri" panose="020F0502020204030204" pitchFamily="34" charset="0"/>
+                        <a:cs typeface="Times New Roman" panose="02020603050405020304" pitchFamily="18" charset="0"/>
+                      </a:endParaRPr>
+                    </a:p>
+                  </a:txBody>
+                  <a:tcPr marL="68580" marR="68580" marT="0" marB="0"/>
+                </a:tc>
+                <a:tc gridSpan="2">
+                  <a:txBody>
+                    <a:bodyPr/>
+                    <a:lstStyle/>
+                    <a:p>
+                      <a:pPr>
+                        <a:lnSpc>
+                          <a:spcPct val="107000"/>
+                        </a:lnSpc>
+                        <a:spcAft>
+                          <a:spcPts val="0"/>
+                        </a:spcAft>
+                      </a:pPr>
+                      <a:r>
+                        <a:rPr lang="en-PH" sz="1100">
+                          <a:effectLst/>
+                        </a:rPr>
+                        <a:t>Sends encrypted ERs</a:t>
+                      </a:r>
+                      <a:endParaRPr lang="en-PH" sz="1100">
+                        <a:effectLst/>
+                        <a:latin typeface="Calibri" panose="020F0502020204030204" pitchFamily="34" charset="0"/>
+                        <a:ea typeface="Calibri" panose="020F0502020204030204" pitchFamily="34" charset="0"/>
+                        <a:cs typeface="Times New Roman" panose="02020603050405020304" pitchFamily="18" charset="0"/>
+                      </a:endParaRPr>
+                    </a:p>
+                  </a:txBody>
+                  <a:tcPr marL="68580" marR="68580" marT="0" marB="0"/>
+                </a:tc>
+                <a:tc hMerge="1">
+                  <a:txBody>
+                    <a:bodyPr/>
+                    <a:lstStyle/>
+                    <a:p>
+                      <a:endParaRPr lang="en-PH"/>
+                    </a:p>
+                  </a:txBody>
+                  <a:tcPr/>
+                </a:tc>
+                <a:extLst>
+                  <a:ext uri="{0D108BD9-81ED-4DB2-BD59-A6C34878D82A}">
+                    <a16:rowId xmlns:a16="http://schemas.microsoft.com/office/drawing/2014/main" val="2259606315"/>
+                  </a:ext>
+                </a:extLst>
+              </a:tr>
+              <a:tr h="0">
+                <a:tc>
+                  <a:txBody>
+                    <a:bodyPr/>
+                    <a:lstStyle/>
+                    <a:p>
+                      <a:pPr>
+                        <a:lnSpc>
+                          <a:spcPct val="107000"/>
+                        </a:lnSpc>
+                        <a:spcAft>
+                          <a:spcPts val="0"/>
+                        </a:spcAft>
+                      </a:pPr>
+                      <a:r>
+                        <a:rPr lang="en-PH" sz="1100">
+                          <a:effectLst/>
+                        </a:rPr>
+                        <a:t>Scenario:</a:t>
+                      </a:r>
+                      <a:endParaRPr lang="en-PH" sz="1100">
+                        <a:effectLst/>
+                        <a:latin typeface="Calibri" panose="020F0502020204030204" pitchFamily="34" charset="0"/>
+                        <a:ea typeface="Calibri" panose="020F0502020204030204" pitchFamily="34" charset="0"/>
+                        <a:cs typeface="Times New Roman" panose="02020603050405020304" pitchFamily="18" charset="0"/>
+                      </a:endParaRPr>
+                    </a:p>
+                  </a:txBody>
+                  <a:tcPr marL="68580" marR="68580" marT="0" marB="0"/>
+                </a:tc>
+                <a:tc gridSpan="2">
+                  <a:txBody>
+                    <a:bodyPr/>
+                    <a:lstStyle/>
+                    <a:p>
+                      <a:pPr>
+                        <a:lnSpc>
+                          <a:spcPct val="107000"/>
+                        </a:lnSpc>
+                        <a:spcAft>
+                          <a:spcPts val="0"/>
+                        </a:spcAft>
+                      </a:pPr>
+                      <a:r>
+                        <a:rPr lang="en-PH" sz="1100">
+                          <a:effectLst/>
+                        </a:rPr>
+                        <a:t>VCM sends encrypted election returns using the generated key</a:t>
+                      </a:r>
+                      <a:endParaRPr lang="en-PH" sz="1100">
+                        <a:effectLst/>
+                        <a:latin typeface="Calibri" panose="020F0502020204030204" pitchFamily="34" charset="0"/>
+                        <a:ea typeface="Calibri" panose="020F0502020204030204" pitchFamily="34" charset="0"/>
+                        <a:cs typeface="Times New Roman" panose="02020603050405020304" pitchFamily="18" charset="0"/>
+                      </a:endParaRPr>
+                    </a:p>
+                  </a:txBody>
+                  <a:tcPr marL="68580" marR="68580" marT="0" marB="0"/>
+                </a:tc>
+                <a:tc hMerge="1">
+                  <a:txBody>
+                    <a:bodyPr/>
+                    <a:lstStyle/>
+                    <a:p>
+                      <a:endParaRPr lang="en-PH"/>
+                    </a:p>
+                  </a:txBody>
+                  <a:tcPr/>
+                </a:tc>
+                <a:extLst>
+                  <a:ext uri="{0D108BD9-81ED-4DB2-BD59-A6C34878D82A}">
+                    <a16:rowId xmlns:a16="http://schemas.microsoft.com/office/drawing/2014/main" val="1466541172"/>
+                  </a:ext>
+                </a:extLst>
+              </a:tr>
+              <a:tr h="0">
+                <a:tc>
+                  <a:txBody>
+                    <a:bodyPr/>
+                    <a:lstStyle/>
+                    <a:p>
+                      <a:pPr>
+                        <a:lnSpc>
+                          <a:spcPct val="107000"/>
+                        </a:lnSpc>
+                        <a:spcAft>
+                          <a:spcPts val="0"/>
+                        </a:spcAft>
+                      </a:pPr>
+                      <a:r>
+                        <a:rPr lang="en-PH" sz="1100">
+                          <a:effectLst/>
+                        </a:rPr>
+                        <a:t>Triggering Event:</a:t>
+                      </a:r>
+                      <a:endParaRPr lang="en-PH" sz="1100">
+                        <a:effectLst/>
+                        <a:latin typeface="Calibri" panose="020F0502020204030204" pitchFamily="34" charset="0"/>
+                        <a:ea typeface="Calibri" panose="020F0502020204030204" pitchFamily="34" charset="0"/>
+                        <a:cs typeface="Times New Roman" panose="02020603050405020304" pitchFamily="18" charset="0"/>
+                      </a:endParaRPr>
+                    </a:p>
+                  </a:txBody>
+                  <a:tcPr marL="68580" marR="68580" marT="0" marB="0"/>
+                </a:tc>
+                <a:tc gridSpan="2">
+                  <a:txBody>
+                    <a:bodyPr/>
+                    <a:lstStyle/>
+                    <a:p>
+                      <a:pPr>
+                        <a:lnSpc>
+                          <a:spcPct val="107000"/>
+                        </a:lnSpc>
+                        <a:spcAft>
+                          <a:spcPts val="0"/>
+                        </a:spcAft>
+                      </a:pPr>
+                      <a:r>
+                        <a:rPr lang="en-PH" sz="1100">
+                          <a:effectLst/>
+                        </a:rPr>
+                        <a:t>Generated Key</a:t>
+                      </a:r>
+                      <a:endParaRPr lang="en-PH" sz="1100">
+                        <a:effectLst/>
+                        <a:latin typeface="Calibri" panose="020F0502020204030204" pitchFamily="34" charset="0"/>
+                        <a:ea typeface="Calibri" panose="020F0502020204030204" pitchFamily="34" charset="0"/>
+                        <a:cs typeface="Times New Roman" panose="02020603050405020304" pitchFamily="18" charset="0"/>
+                      </a:endParaRPr>
+                    </a:p>
+                  </a:txBody>
+                  <a:tcPr marL="68580" marR="68580" marT="0" marB="0"/>
+                </a:tc>
+                <a:tc hMerge="1">
+                  <a:txBody>
+                    <a:bodyPr/>
+                    <a:lstStyle/>
+                    <a:p>
+                      <a:endParaRPr lang="en-PH"/>
+                    </a:p>
+                  </a:txBody>
+                  <a:tcPr/>
+                </a:tc>
+                <a:extLst>
+                  <a:ext uri="{0D108BD9-81ED-4DB2-BD59-A6C34878D82A}">
+                    <a16:rowId xmlns:a16="http://schemas.microsoft.com/office/drawing/2014/main" val="902209872"/>
+                  </a:ext>
+                </a:extLst>
+              </a:tr>
+              <a:tr h="0">
+                <a:tc>
+                  <a:txBody>
+                    <a:bodyPr/>
+                    <a:lstStyle/>
+                    <a:p>
+                      <a:pPr>
+                        <a:lnSpc>
+                          <a:spcPct val="107000"/>
+                        </a:lnSpc>
+                        <a:spcAft>
+                          <a:spcPts val="0"/>
+                        </a:spcAft>
+                      </a:pPr>
+                      <a:r>
+                        <a:rPr lang="en-PH" sz="1100">
+                          <a:effectLst/>
+                        </a:rPr>
+                        <a:t>Brief Description:</a:t>
+                      </a:r>
+                      <a:endParaRPr lang="en-PH" sz="1100">
+                        <a:effectLst/>
+                        <a:latin typeface="Calibri" panose="020F0502020204030204" pitchFamily="34" charset="0"/>
+                        <a:ea typeface="Calibri" panose="020F0502020204030204" pitchFamily="34" charset="0"/>
+                        <a:cs typeface="Times New Roman" panose="02020603050405020304" pitchFamily="18" charset="0"/>
+                      </a:endParaRPr>
+                    </a:p>
+                  </a:txBody>
+                  <a:tcPr marL="68580" marR="68580" marT="0" marB="0"/>
+                </a:tc>
+                <a:tc gridSpan="2">
+                  <a:txBody>
+                    <a:bodyPr/>
+                    <a:lstStyle/>
+                    <a:p>
+                      <a:pPr>
+                        <a:lnSpc>
+                          <a:spcPct val="107000"/>
+                        </a:lnSpc>
+                        <a:spcAft>
+                          <a:spcPts val="0"/>
+                        </a:spcAft>
+                      </a:pPr>
+                      <a:r>
+                        <a:rPr lang="en-PH" sz="1100">
+                          <a:effectLst/>
+                        </a:rPr>
+                        <a:t>After the key exchange, the VCM will transmit the ERs that were encrypted using the generated key.</a:t>
+                      </a:r>
+                      <a:endParaRPr lang="en-PH" sz="1100">
+                        <a:effectLst/>
+                        <a:latin typeface="Calibri" panose="020F0502020204030204" pitchFamily="34" charset="0"/>
+                        <a:ea typeface="Calibri" panose="020F0502020204030204" pitchFamily="34" charset="0"/>
+                        <a:cs typeface="Times New Roman" panose="02020603050405020304" pitchFamily="18" charset="0"/>
+                      </a:endParaRPr>
+                    </a:p>
+                  </a:txBody>
+                  <a:tcPr marL="68580" marR="68580" marT="0" marB="0"/>
+                </a:tc>
+                <a:tc hMerge="1">
+                  <a:txBody>
+                    <a:bodyPr/>
+                    <a:lstStyle/>
+                    <a:p>
+                      <a:endParaRPr lang="en-PH"/>
+                    </a:p>
+                  </a:txBody>
+                  <a:tcPr/>
+                </a:tc>
+                <a:extLst>
+                  <a:ext uri="{0D108BD9-81ED-4DB2-BD59-A6C34878D82A}">
+                    <a16:rowId xmlns:a16="http://schemas.microsoft.com/office/drawing/2014/main" val="2554704837"/>
+                  </a:ext>
+                </a:extLst>
+              </a:tr>
+              <a:tr h="0">
+                <a:tc>
+                  <a:txBody>
+                    <a:bodyPr/>
+                    <a:lstStyle/>
+                    <a:p>
+                      <a:pPr>
+                        <a:lnSpc>
+                          <a:spcPct val="107000"/>
+                        </a:lnSpc>
+                        <a:spcAft>
+                          <a:spcPts val="0"/>
+                        </a:spcAft>
+                      </a:pPr>
+                      <a:r>
+                        <a:rPr lang="en-PH" sz="1100">
+                          <a:effectLst/>
+                        </a:rPr>
+                        <a:t>Actor(s):</a:t>
+                      </a:r>
+                      <a:endParaRPr lang="en-PH" sz="1100">
+                        <a:effectLst/>
+                        <a:latin typeface="Calibri" panose="020F0502020204030204" pitchFamily="34" charset="0"/>
+                        <a:ea typeface="Calibri" panose="020F0502020204030204" pitchFamily="34" charset="0"/>
+                        <a:cs typeface="Times New Roman" panose="02020603050405020304" pitchFamily="18" charset="0"/>
+                      </a:endParaRPr>
+                    </a:p>
+                  </a:txBody>
+                  <a:tcPr marL="68580" marR="68580" marT="0" marB="0"/>
+                </a:tc>
+                <a:tc gridSpan="2">
+                  <a:txBody>
+                    <a:bodyPr/>
+                    <a:lstStyle/>
+                    <a:p>
+                      <a:pPr>
+                        <a:lnSpc>
+                          <a:spcPct val="107000"/>
+                        </a:lnSpc>
+                        <a:spcAft>
+                          <a:spcPts val="0"/>
+                        </a:spcAft>
+                      </a:pPr>
+                      <a:r>
+                        <a:rPr lang="en-PH" sz="1100">
+                          <a:effectLst/>
+                        </a:rPr>
+                        <a:t>VCM, CCS, Central Server, Transparency Server</a:t>
+                      </a:r>
+                      <a:endParaRPr lang="en-PH" sz="1100">
+                        <a:effectLst/>
+                        <a:latin typeface="Calibri" panose="020F0502020204030204" pitchFamily="34" charset="0"/>
+                        <a:ea typeface="Calibri" panose="020F0502020204030204" pitchFamily="34" charset="0"/>
+                        <a:cs typeface="Times New Roman" panose="02020603050405020304" pitchFamily="18" charset="0"/>
+                      </a:endParaRPr>
+                    </a:p>
+                  </a:txBody>
+                  <a:tcPr marL="68580" marR="68580" marT="0" marB="0"/>
+                </a:tc>
+                <a:tc hMerge="1">
+                  <a:txBody>
+                    <a:bodyPr/>
+                    <a:lstStyle/>
+                    <a:p>
+                      <a:endParaRPr lang="en-PH"/>
+                    </a:p>
+                  </a:txBody>
+                  <a:tcPr/>
+                </a:tc>
+                <a:extLst>
+                  <a:ext uri="{0D108BD9-81ED-4DB2-BD59-A6C34878D82A}">
+                    <a16:rowId xmlns:a16="http://schemas.microsoft.com/office/drawing/2014/main" val="2677370270"/>
+                  </a:ext>
+                </a:extLst>
+              </a:tr>
+              <a:tr h="0">
+                <a:tc>
+                  <a:txBody>
+                    <a:bodyPr/>
+                    <a:lstStyle/>
+                    <a:p>
+                      <a:pPr>
+                        <a:lnSpc>
+                          <a:spcPct val="107000"/>
+                        </a:lnSpc>
+                        <a:spcAft>
+                          <a:spcPts val="0"/>
+                        </a:spcAft>
+                      </a:pPr>
+                      <a:r>
+                        <a:rPr lang="en-PH" sz="1100">
+                          <a:effectLst/>
+                        </a:rPr>
+                        <a:t>Related Use Cases:</a:t>
+                      </a:r>
+                      <a:endParaRPr lang="en-PH" sz="1100">
+                        <a:effectLst/>
+                        <a:latin typeface="Calibri" panose="020F0502020204030204" pitchFamily="34" charset="0"/>
+                        <a:ea typeface="Calibri" panose="020F0502020204030204" pitchFamily="34" charset="0"/>
+                        <a:cs typeface="Times New Roman" panose="02020603050405020304" pitchFamily="18" charset="0"/>
+                      </a:endParaRPr>
+                    </a:p>
+                  </a:txBody>
+                  <a:tcPr marL="68580" marR="68580" marT="0" marB="0"/>
+                </a:tc>
+                <a:tc gridSpan="2">
+                  <a:txBody>
+                    <a:bodyPr/>
+                    <a:lstStyle/>
+                    <a:p>
+                      <a:pPr>
+                        <a:lnSpc>
+                          <a:spcPct val="107000"/>
+                        </a:lnSpc>
+                        <a:spcAft>
+                          <a:spcPts val="0"/>
+                        </a:spcAft>
+                      </a:pPr>
+                      <a:r>
+                        <a:rPr lang="en-PH" sz="1100">
+                          <a:effectLst/>
+                        </a:rPr>
+                        <a:t>Creates key exchange</a:t>
+                      </a:r>
+                      <a:endParaRPr lang="en-PH" sz="1100">
+                        <a:effectLst/>
+                        <a:latin typeface="Calibri" panose="020F0502020204030204" pitchFamily="34" charset="0"/>
+                        <a:ea typeface="Calibri" panose="020F0502020204030204" pitchFamily="34" charset="0"/>
+                        <a:cs typeface="Times New Roman" panose="02020603050405020304" pitchFamily="18" charset="0"/>
+                      </a:endParaRPr>
+                    </a:p>
+                  </a:txBody>
+                  <a:tcPr marL="68580" marR="68580" marT="0" marB="0"/>
+                </a:tc>
+                <a:tc hMerge="1">
+                  <a:txBody>
+                    <a:bodyPr/>
+                    <a:lstStyle/>
+                    <a:p>
+                      <a:endParaRPr lang="en-PH"/>
+                    </a:p>
+                  </a:txBody>
+                  <a:tcPr/>
+                </a:tc>
+                <a:extLst>
+                  <a:ext uri="{0D108BD9-81ED-4DB2-BD59-A6C34878D82A}">
+                    <a16:rowId xmlns:a16="http://schemas.microsoft.com/office/drawing/2014/main" val="1492044333"/>
+                  </a:ext>
+                </a:extLst>
+              </a:tr>
+              <a:tr h="0">
+                <a:tc>
+                  <a:txBody>
+                    <a:bodyPr/>
+                    <a:lstStyle/>
+                    <a:p>
+                      <a:pPr>
+                        <a:lnSpc>
+                          <a:spcPct val="107000"/>
+                        </a:lnSpc>
+                        <a:spcAft>
+                          <a:spcPts val="0"/>
+                        </a:spcAft>
+                      </a:pPr>
+                      <a:r>
+                        <a:rPr lang="en-PH" sz="1100">
+                          <a:effectLst/>
+                        </a:rPr>
+                        <a:t>Stakeholders:</a:t>
+                      </a:r>
+                      <a:endParaRPr lang="en-PH" sz="1100">
+                        <a:effectLst/>
+                        <a:latin typeface="Calibri" panose="020F0502020204030204" pitchFamily="34" charset="0"/>
+                        <a:ea typeface="Calibri" panose="020F0502020204030204" pitchFamily="34" charset="0"/>
+                        <a:cs typeface="Times New Roman" panose="02020603050405020304" pitchFamily="18" charset="0"/>
+                      </a:endParaRPr>
+                    </a:p>
+                  </a:txBody>
+                  <a:tcPr marL="68580" marR="68580" marT="0" marB="0"/>
+                </a:tc>
+                <a:tc gridSpan="2">
+                  <a:txBody>
+                    <a:bodyPr/>
+                    <a:lstStyle/>
+                    <a:p>
+                      <a:pPr>
+                        <a:lnSpc>
+                          <a:spcPct val="107000"/>
+                        </a:lnSpc>
+                        <a:spcAft>
+                          <a:spcPts val="0"/>
+                        </a:spcAft>
+                      </a:pPr>
+                      <a:r>
+                        <a:rPr lang="en-PH" sz="1100">
+                          <a:effectLst/>
+                        </a:rPr>
+                        <a:t>VCM should transmit encrypted ERs to the servers that communicated to it.</a:t>
+                      </a:r>
+                      <a:endParaRPr lang="en-PH" sz="1100">
+                        <a:effectLst/>
+                        <a:latin typeface="Calibri" panose="020F0502020204030204" pitchFamily="34" charset="0"/>
+                        <a:ea typeface="Calibri" panose="020F0502020204030204" pitchFamily="34" charset="0"/>
+                        <a:cs typeface="Times New Roman" panose="02020603050405020304" pitchFamily="18" charset="0"/>
+                      </a:endParaRPr>
+                    </a:p>
+                  </a:txBody>
+                  <a:tcPr marL="68580" marR="68580" marT="0" marB="0"/>
+                </a:tc>
+                <a:tc hMerge="1">
+                  <a:txBody>
+                    <a:bodyPr/>
+                    <a:lstStyle/>
+                    <a:p>
+                      <a:endParaRPr lang="en-PH"/>
+                    </a:p>
+                  </a:txBody>
+                  <a:tcPr/>
+                </a:tc>
+                <a:extLst>
+                  <a:ext uri="{0D108BD9-81ED-4DB2-BD59-A6C34878D82A}">
+                    <a16:rowId xmlns:a16="http://schemas.microsoft.com/office/drawing/2014/main" val="385473318"/>
+                  </a:ext>
+                </a:extLst>
+              </a:tr>
+              <a:tr h="0">
+                <a:tc>
+                  <a:txBody>
+                    <a:bodyPr/>
+                    <a:lstStyle/>
+                    <a:p>
+                      <a:pPr>
+                        <a:lnSpc>
+                          <a:spcPct val="107000"/>
+                        </a:lnSpc>
+                        <a:spcAft>
+                          <a:spcPts val="0"/>
+                        </a:spcAft>
+                      </a:pPr>
+                      <a:r>
+                        <a:rPr lang="en-PH" sz="1100">
+                          <a:effectLst/>
+                        </a:rPr>
+                        <a:t>Precondition:</a:t>
+                      </a:r>
+                      <a:endParaRPr lang="en-PH" sz="1100">
+                        <a:effectLst/>
+                        <a:latin typeface="Calibri" panose="020F0502020204030204" pitchFamily="34" charset="0"/>
+                        <a:ea typeface="Calibri" panose="020F0502020204030204" pitchFamily="34" charset="0"/>
+                        <a:cs typeface="Times New Roman" panose="02020603050405020304" pitchFamily="18" charset="0"/>
+                      </a:endParaRPr>
+                    </a:p>
+                  </a:txBody>
+                  <a:tcPr marL="68580" marR="68580" marT="0" marB="0"/>
+                </a:tc>
+                <a:tc gridSpan="2">
+                  <a:txBody>
+                    <a:bodyPr/>
+                    <a:lstStyle/>
+                    <a:p>
+                      <a:pPr>
+                        <a:lnSpc>
+                          <a:spcPct val="107000"/>
+                        </a:lnSpc>
+                        <a:spcAft>
+                          <a:spcPts val="0"/>
+                        </a:spcAft>
+                      </a:pPr>
+                      <a:r>
+                        <a:rPr lang="en-PH" sz="1100">
+                          <a:effectLst/>
+                        </a:rPr>
+                        <a:t>Generated Key</a:t>
+                      </a:r>
+                      <a:endParaRPr lang="en-PH" sz="1100">
+                        <a:effectLst/>
+                        <a:latin typeface="Calibri" panose="020F0502020204030204" pitchFamily="34" charset="0"/>
+                        <a:ea typeface="Calibri" panose="020F0502020204030204" pitchFamily="34" charset="0"/>
+                        <a:cs typeface="Times New Roman" panose="02020603050405020304" pitchFamily="18" charset="0"/>
+                      </a:endParaRPr>
+                    </a:p>
+                  </a:txBody>
+                  <a:tcPr marL="68580" marR="68580" marT="0" marB="0"/>
+                </a:tc>
+                <a:tc hMerge="1">
+                  <a:txBody>
+                    <a:bodyPr/>
+                    <a:lstStyle/>
+                    <a:p>
+                      <a:endParaRPr lang="en-PH"/>
+                    </a:p>
+                  </a:txBody>
+                  <a:tcPr/>
+                </a:tc>
+                <a:extLst>
+                  <a:ext uri="{0D108BD9-81ED-4DB2-BD59-A6C34878D82A}">
+                    <a16:rowId xmlns:a16="http://schemas.microsoft.com/office/drawing/2014/main" val="112927683"/>
+                  </a:ext>
+                </a:extLst>
+              </a:tr>
+              <a:tr h="0">
+                <a:tc>
+                  <a:txBody>
+                    <a:bodyPr/>
+                    <a:lstStyle/>
+                    <a:p>
+                      <a:pPr>
+                        <a:lnSpc>
+                          <a:spcPct val="107000"/>
+                        </a:lnSpc>
+                        <a:spcAft>
+                          <a:spcPts val="0"/>
+                        </a:spcAft>
+                      </a:pPr>
+                      <a:r>
+                        <a:rPr lang="en-PH" sz="1100">
+                          <a:effectLst/>
+                        </a:rPr>
+                        <a:t>Postcondition:</a:t>
+                      </a:r>
+                      <a:endParaRPr lang="en-PH" sz="1100">
+                        <a:effectLst/>
+                        <a:latin typeface="Calibri" panose="020F0502020204030204" pitchFamily="34" charset="0"/>
+                        <a:ea typeface="Calibri" panose="020F0502020204030204" pitchFamily="34" charset="0"/>
+                        <a:cs typeface="Times New Roman" panose="02020603050405020304" pitchFamily="18" charset="0"/>
+                      </a:endParaRPr>
+                    </a:p>
+                  </a:txBody>
+                  <a:tcPr marL="68580" marR="68580" marT="0" marB="0"/>
+                </a:tc>
+                <a:tc gridSpan="2">
+                  <a:txBody>
+                    <a:bodyPr/>
+                    <a:lstStyle/>
+                    <a:p>
+                      <a:pPr>
+                        <a:lnSpc>
+                          <a:spcPct val="107000"/>
+                        </a:lnSpc>
+                        <a:spcAft>
+                          <a:spcPts val="0"/>
+                        </a:spcAft>
+                      </a:pPr>
+                      <a:r>
+                        <a:rPr lang="en-PH" sz="1100">
+                          <a:effectLst/>
+                        </a:rPr>
+                        <a:t>Sent encrypted ERs</a:t>
+                      </a:r>
+                      <a:endParaRPr lang="en-PH" sz="1100">
+                        <a:effectLst/>
+                        <a:latin typeface="Calibri" panose="020F0502020204030204" pitchFamily="34" charset="0"/>
+                        <a:ea typeface="Calibri" panose="020F0502020204030204" pitchFamily="34" charset="0"/>
+                        <a:cs typeface="Times New Roman" panose="02020603050405020304" pitchFamily="18" charset="0"/>
+                      </a:endParaRPr>
+                    </a:p>
+                  </a:txBody>
+                  <a:tcPr marL="68580" marR="68580" marT="0" marB="0"/>
+                </a:tc>
+                <a:tc hMerge="1">
+                  <a:txBody>
+                    <a:bodyPr/>
+                    <a:lstStyle/>
+                    <a:p>
+                      <a:endParaRPr lang="en-PH"/>
+                    </a:p>
+                  </a:txBody>
+                  <a:tcPr/>
+                </a:tc>
+                <a:extLst>
+                  <a:ext uri="{0D108BD9-81ED-4DB2-BD59-A6C34878D82A}">
+                    <a16:rowId xmlns:a16="http://schemas.microsoft.com/office/drawing/2014/main" val="3826332311"/>
+                  </a:ext>
+                </a:extLst>
+              </a:tr>
+              <a:tr h="0">
+                <a:tc>
+                  <a:txBody>
+                    <a:bodyPr/>
+                    <a:lstStyle/>
+                    <a:p>
+                      <a:pPr>
+                        <a:lnSpc>
+                          <a:spcPct val="107000"/>
+                        </a:lnSpc>
+                        <a:spcAft>
+                          <a:spcPts val="0"/>
+                        </a:spcAft>
+                      </a:pPr>
+                      <a:r>
+                        <a:rPr lang="en-PH" sz="1100">
+                          <a:effectLst/>
+                        </a:rPr>
+                        <a:t>Basic Flow:</a:t>
+                      </a:r>
+                      <a:endParaRPr lang="en-PH" sz="1100">
+                        <a:effectLst/>
+                        <a:latin typeface="Calibri" panose="020F0502020204030204" pitchFamily="34" charset="0"/>
+                        <a:ea typeface="Calibri" panose="020F0502020204030204" pitchFamily="34" charset="0"/>
+                        <a:cs typeface="Times New Roman" panose="02020603050405020304" pitchFamily="18" charset="0"/>
+                      </a:endParaRPr>
+                    </a:p>
+                  </a:txBody>
+                  <a:tcPr marL="68580" marR="68580" marT="0" marB="0"/>
+                </a:tc>
+                <a:tc>
+                  <a:txBody>
+                    <a:bodyPr/>
+                    <a:lstStyle/>
+                    <a:p>
+                      <a:pPr>
+                        <a:lnSpc>
+                          <a:spcPct val="107000"/>
+                        </a:lnSpc>
+                        <a:spcAft>
+                          <a:spcPts val="0"/>
+                        </a:spcAft>
+                      </a:pPr>
+                      <a:r>
+                        <a:rPr lang="en-PH" sz="1100">
+                          <a:effectLst/>
+                        </a:rPr>
+                        <a:t>Actor:</a:t>
+                      </a:r>
+                    </a:p>
+                    <a:p>
+                      <a:pPr>
+                        <a:lnSpc>
+                          <a:spcPct val="107000"/>
+                        </a:lnSpc>
+                        <a:spcAft>
+                          <a:spcPts val="0"/>
+                        </a:spcAft>
+                      </a:pPr>
+                      <a:r>
+                        <a:rPr lang="en-PH" sz="1100">
+                          <a:effectLst/>
+                        </a:rPr>
+                        <a:t>1. Poll watchers ensure that no one will intervene the transmission process.</a:t>
+                      </a:r>
+                    </a:p>
+                    <a:p>
+                      <a:pPr>
+                        <a:lnSpc>
+                          <a:spcPct val="107000"/>
+                        </a:lnSpc>
+                        <a:spcAft>
+                          <a:spcPts val="0"/>
+                        </a:spcAft>
+                      </a:pPr>
+                      <a:r>
+                        <a:rPr lang="en-PH" sz="1100">
+                          <a:effectLst/>
+                        </a:rPr>
+                        <a:t> </a:t>
+                      </a:r>
+                      <a:endParaRPr lang="en-PH" sz="1100">
+                        <a:effectLst/>
+                        <a:latin typeface="Calibri" panose="020F0502020204030204" pitchFamily="34" charset="0"/>
+                        <a:ea typeface="Calibri" panose="020F0502020204030204" pitchFamily="34" charset="0"/>
+                        <a:cs typeface="Times New Roman" panose="02020603050405020304" pitchFamily="18" charset="0"/>
+                      </a:endParaRPr>
+                    </a:p>
+                  </a:txBody>
+                  <a:tcPr marL="68580" marR="68580" marT="0" marB="0"/>
+                </a:tc>
+                <a:tc>
+                  <a:txBody>
+                    <a:bodyPr/>
+                    <a:lstStyle/>
+                    <a:p>
+                      <a:pPr>
+                        <a:lnSpc>
+                          <a:spcPct val="107000"/>
+                        </a:lnSpc>
+                        <a:spcAft>
+                          <a:spcPts val="0"/>
+                        </a:spcAft>
+                      </a:pPr>
+                      <a:r>
+                        <a:rPr lang="en-PH" sz="1100">
+                          <a:effectLst/>
+                        </a:rPr>
+                        <a:t>System Response:</a:t>
+                      </a:r>
+                    </a:p>
+                    <a:p>
+                      <a:pPr>
+                        <a:lnSpc>
+                          <a:spcPct val="107000"/>
+                        </a:lnSpc>
+                        <a:spcAft>
+                          <a:spcPts val="0"/>
+                        </a:spcAft>
+                      </a:pPr>
+                      <a:r>
+                        <a:rPr lang="en-PH" sz="1100">
+                          <a:effectLst/>
+                        </a:rPr>
+                        <a:t>1.1 The VCM will transmit encrypted votes to the servers.</a:t>
+                      </a:r>
+                    </a:p>
+                    <a:p>
+                      <a:pPr>
+                        <a:lnSpc>
+                          <a:spcPct val="107000"/>
+                        </a:lnSpc>
+                        <a:spcAft>
+                          <a:spcPts val="0"/>
+                        </a:spcAft>
+                      </a:pPr>
+                      <a:r>
+                        <a:rPr lang="en-PH" sz="1100">
+                          <a:effectLst/>
+                        </a:rPr>
+                        <a:t>1.2 Servers will receive them</a:t>
+                      </a:r>
+                      <a:endParaRPr lang="en-PH" sz="1100">
+                        <a:effectLst/>
+                        <a:latin typeface="Calibri" panose="020F0502020204030204" pitchFamily="34" charset="0"/>
+                        <a:ea typeface="Calibri" panose="020F0502020204030204" pitchFamily="34" charset="0"/>
+                        <a:cs typeface="Times New Roman" panose="02020603050405020304" pitchFamily="18" charset="0"/>
+                      </a:endParaRPr>
+                    </a:p>
+                  </a:txBody>
+                  <a:tcPr marL="68580" marR="68580" marT="0" marB="0"/>
+                </a:tc>
+                <a:extLst>
+                  <a:ext uri="{0D108BD9-81ED-4DB2-BD59-A6C34878D82A}">
+                    <a16:rowId xmlns:a16="http://schemas.microsoft.com/office/drawing/2014/main" val="13871739"/>
+                  </a:ext>
+                </a:extLst>
+              </a:tr>
+              <a:tr h="0">
+                <a:tc>
+                  <a:txBody>
+                    <a:bodyPr/>
+                    <a:lstStyle/>
+                    <a:p>
+                      <a:pPr>
+                        <a:lnSpc>
+                          <a:spcPct val="107000"/>
+                        </a:lnSpc>
+                        <a:spcAft>
+                          <a:spcPts val="0"/>
+                        </a:spcAft>
+                      </a:pPr>
+                      <a:r>
+                        <a:rPr lang="en-PH" sz="1100">
+                          <a:effectLst/>
+                        </a:rPr>
+                        <a:t>Exceptions:</a:t>
+                      </a:r>
+                      <a:endParaRPr lang="en-PH" sz="1100">
+                        <a:effectLst/>
+                        <a:latin typeface="Calibri" panose="020F0502020204030204" pitchFamily="34" charset="0"/>
+                        <a:ea typeface="Calibri" panose="020F0502020204030204" pitchFamily="34" charset="0"/>
+                        <a:cs typeface="Times New Roman" panose="02020603050405020304" pitchFamily="18" charset="0"/>
+                      </a:endParaRPr>
+                    </a:p>
+                  </a:txBody>
+                  <a:tcPr marL="68580" marR="68580" marT="0" marB="0"/>
+                </a:tc>
+                <a:tc gridSpan="2">
+                  <a:txBody>
+                    <a:bodyPr/>
+                    <a:lstStyle/>
+                    <a:p>
+                      <a:pPr>
+                        <a:lnSpc>
+                          <a:spcPct val="107000"/>
+                        </a:lnSpc>
+                        <a:spcAft>
+                          <a:spcPts val="0"/>
+                        </a:spcAft>
+                      </a:pPr>
+                      <a:r>
                         <a:rPr lang="en-PH" sz="1100" dirty="0">
                           <a:effectLst/>
                         </a:rPr>
-                        <a:t>Use Case Name:</a:t>
+                        <a:t>The machines being used have defects making it impossible to communicate.</a:t>
+                      </a:r>
+                    </a:p>
+                    <a:p>
+                      <a:pPr>
+                        <a:lnSpc>
+                          <a:spcPct val="107000"/>
+                        </a:lnSpc>
+                        <a:spcAft>
+                          <a:spcPts val="0"/>
+                        </a:spcAft>
+                      </a:pPr>
+                      <a:r>
+                        <a:rPr lang="en-PH" sz="1100" dirty="0">
+                          <a:effectLst/>
+                        </a:rPr>
+                        <a:t>Human intervention is present and the system fails to serve its purpose.</a:t>
                       </a:r>
                       <a:endParaRPr lang="en-PH" sz="1100" dirty="0">
                         <a:effectLst/>
@@ -12209,47 +12780,6 @@
                   </a:txBody>
                   <a:tcPr marL="68580" marR="68580" marT="0" marB="0"/>
                 </a:tc>
-                <a:tc gridSpan="2">
-                  <a:txBody>
-                    <a:bodyPr/>
-                    <a:lstStyle/>
-                    <a:p>
-                      <a:pPr>
-                        <a:lnSpc>
-                          <a:spcPct val="107000"/>
-                        </a:lnSpc>
-                        <a:spcAft>
-                          <a:spcPts val="0"/>
-                        </a:spcAft>
-                      </a:pPr>
-                      <a:r>
-                        <a:rPr lang="en-PH" sz="1100" dirty="0">
-                          <a:effectLst/>
-                          <a:latin typeface="+mn-lt"/>
-                          <a:ea typeface="+mn-ea"/>
-                          <a:cs typeface="+mn-cs"/>
-                        </a:rPr>
-                        <a:t>Send</a:t>
-                      </a:r>
-                      <a:r>
-                        <a:rPr lang="en-PH" sz="1100" baseline="0" dirty="0">
-                          <a:effectLst/>
-                          <a:latin typeface="+mn-lt"/>
-                          <a:ea typeface="+mn-ea"/>
-                          <a:cs typeface="+mn-cs"/>
-                        </a:rPr>
-                        <a:t> encrypted ERs</a:t>
-                      </a:r>
-                      <a:endParaRPr lang="en-PH" sz="1100" dirty="0">
-                        <a:effectLst/>
-                        <a:latin typeface="Calibri" panose="020F0502020204030204" pitchFamily="34" charset="0"/>
-                        <a:ea typeface="Calibri" panose="020F0502020204030204" pitchFamily="34" charset="0"/>
-                        <a:cs typeface="Times New Roman" panose="02020603050405020304" pitchFamily="18" charset="0"/>
-                      </a:endParaRPr>
-                    </a:p>
-                  </a:txBody>
-                  <a:tcPr marL="68580" marR="68580" marT="0" marB="0"/>
-                </a:tc>
                 <a:tc hMerge="1">
                   <a:txBody>
                     <a:bodyPr/>
@@ -12262,886 +12792,7 @@
                 </a:tc>
                 <a:extLst>
                   <a:ext uri="{0D108BD9-81ED-4DB2-BD59-A6C34878D82A}">
-                    <a16:rowId xmlns:a16="http://schemas.microsoft.com/office/drawing/2014/main" val="1902239658"/>
-                  </a:ext>
-                </a:extLst>
-              </a:tr>
-              <a:tr h="0">
-                <a:tc>
-                  <a:txBody>
-                    <a:bodyPr/>
-                    <a:lstStyle/>
-                    <a:p>
-                      <a:pPr>
-                        <a:lnSpc>
-                          <a:spcPct val="107000"/>
-                        </a:lnSpc>
-                        <a:spcAft>
-                          <a:spcPts val="0"/>
-                        </a:spcAft>
-                      </a:pPr>
-                      <a:r>
-                        <a:rPr lang="en-PH" sz="1100">
-                          <a:effectLst/>
-                        </a:rPr>
-                        <a:t>Scenario:</a:t>
-                      </a:r>
-                      <a:endParaRPr lang="en-PH" sz="1100">
-                        <a:effectLst/>
-                        <a:latin typeface="Calibri" panose="020F0502020204030204" pitchFamily="34" charset="0"/>
-                        <a:ea typeface="Calibri" panose="020F0502020204030204" pitchFamily="34" charset="0"/>
-                        <a:cs typeface="Times New Roman" panose="02020603050405020304" pitchFamily="18" charset="0"/>
-                      </a:endParaRPr>
-                    </a:p>
-                  </a:txBody>
-                  <a:tcPr marL="68580" marR="68580" marT="0" marB="0"/>
-                </a:tc>
-                <a:tc gridSpan="2">
-                  <a:txBody>
-                    <a:bodyPr/>
-                    <a:lstStyle/>
-                    <a:p>
-                      <a:pPr>
-                        <a:lnSpc>
-                          <a:spcPct val="107000"/>
-                        </a:lnSpc>
-                        <a:spcAft>
-                          <a:spcPts val="0"/>
-                        </a:spcAft>
-                      </a:pPr>
-                      <a:r>
-                        <a:rPr lang="en-PH" sz="1100">
-                          <a:effectLst/>
-                        </a:rPr>
-                        <a:t>The System accumulates the votes inside the database</a:t>
-                      </a:r>
-                      <a:endParaRPr lang="en-PH" sz="1100">
-                        <a:effectLst/>
-                        <a:latin typeface="Calibri" panose="020F0502020204030204" pitchFamily="34" charset="0"/>
-                        <a:ea typeface="Calibri" panose="020F0502020204030204" pitchFamily="34" charset="0"/>
-                        <a:cs typeface="Times New Roman" panose="02020603050405020304" pitchFamily="18" charset="0"/>
-                      </a:endParaRPr>
-                    </a:p>
-                  </a:txBody>
-                  <a:tcPr marL="68580" marR="68580" marT="0" marB="0"/>
-                </a:tc>
-                <a:tc hMerge="1">
-                  <a:txBody>
-                    <a:bodyPr/>
-                    <a:lstStyle/>
-                    <a:p>
-                      <a:endParaRPr lang="en-PH"/>
-                    </a:p>
-                  </a:txBody>
-                  <a:tcPr/>
-                </a:tc>
-                <a:extLst>
-                  <a:ext uri="{0D108BD9-81ED-4DB2-BD59-A6C34878D82A}">
-                    <a16:rowId xmlns:a16="http://schemas.microsoft.com/office/drawing/2014/main" val="670055612"/>
-                  </a:ext>
-                </a:extLst>
-              </a:tr>
-              <a:tr h="0">
-                <a:tc>
-                  <a:txBody>
-                    <a:bodyPr/>
-                    <a:lstStyle/>
-                    <a:p>
-                      <a:pPr>
-                        <a:lnSpc>
-                          <a:spcPct val="107000"/>
-                        </a:lnSpc>
-                        <a:spcAft>
-                          <a:spcPts val="0"/>
-                        </a:spcAft>
-                      </a:pPr>
-                      <a:r>
-                        <a:rPr lang="en-PH" sz="1100">
-                          <a:effectLst/>
-                        </a:rPr>
-                        <a:t>Triggering Event:</a:t>
-                      </a:r>
-                      <a:endParaRPr lang="en-PH" sz="1100">
-                        <a:effectLst/>
-                        <a:latin typeface="Calibri" panose="020F0502020204030204" pitchFamily="34" charset="0"/>
-                        <a:ea typeface="Calibri" panose="020F0502020204030204" pitchFamily="34" charset="0"/>
-                        <a:cs typeface="Times New Roman" panose="02020603050405020304" pitchFamily="18" charset="0"/>
-                      </a:endParaRPr>
-                    </a:p>
-                  </a:txBody>
-                  <a:tcPr marL="68580" marR="68580" marT="0" marB="0"/>
-                </a:tc>
-                <a:tc gridSpan="2">
-                  <a:txBody>
-                    <a:bodyPr/>
-                    <a:lstStyle/>
-                    <a:p>
-                      <a:pPr>
-                        <a:lnSpc>
-                          <a:spcPct val="107000"/>
-                        </a:lnSpc>
-                        <a:spcAft>
-                          <a:spcPts val="0"/>
-                        </a:spcAft>
-                      </a:pPr>
-                      <a:r>
-                        <a:rPr lang="en-PH" sz="1100">
-                          <a:effectLst/>
-                        </a:rPr>
-                        <a:t>Successfully stored votes</a:t>
-                      </a:r>
-                      <a:endParaRPr lang="en-PH" sz="1100">
-                        <a:effectLst/>
-                        <a:latin typeface="Calibri" panose="020F0502020204030204" pitchFamily="34" charset="0"/>
-                        <a:ea typeface="Calibri" panose="020F0502020204030204" pitchFamily="34" charset="0"/>
-                        <a:cs typeface="Times New Roman" panose="02020603050405020304" pitchFamily="18" charset="0"/>
-                      </a:endParaRPr>
-                    </a:p>
-                  </a:txBody>
-                  <a:tcPr marL="68580" marR="68580" marT="0" marB="0"/>
-                </a:tc>
-                <a:tc hMerge="1">
-                  <a:txBody>
-                    <a:bodyPr/>
-                    <a:lstStyle/>
-                    <a:p>
-                      <a:endParaRPr lang="en-PH"/>
-                    </a:p>
-                  </a:txBody>
-                  <a:tcPr/>
-                </a:tc>
-                <a:extLst>
-                  <a:ext uri="{0D108BD9-81ED-4DB2-BD59-A6C34878D82A}">
-                    <a16:rowId xmlns:a16="http://schemas.microsoft.com/office/drawing/2014/main" val="3057853380"/>
-                  </a:ext>
-                </a:extLst>
-              </a:tr>
-              <a:tr h="0">
-                <a:tc>
-                  <a:txBody>
-                    <a:bodyPr/>
-                    <a:lstStyle/>
-                    <a:p>
-                      <a:pPr>
-                        <a:lnSpc>
-                          <a:spcPct val="107000"/>
-                        </a:lnSpc>
-                        <a:spcAft>
-                          <a:spcPts val="0"/>
-                        </a:spcAft>
-                      </a:pPr>
-                      <a:r>
-                        <a:rPr lang="en-PH" sz="1100">
-                          <a:effectLst/>
-                        </a:rPr>
-                        <a:t>Brief Description:</a:t>
-                      </a:r>
-                      <a:endParaRPr lang="en-PH" sz="1100">
-                        <a:effectLst/>
-                        <a:latin typeface="Calibri" panose="020F0502020204030204" pitchFamily="34" charset="0"/>
-                        <a:ea typeface="Calibri" panose="020F0502020204030204" pitchFamily="34" charset="0"/>
-                        <a:cs typeface="Times New Roman" panose="02020603050405020304" pitchFamily="18" charset="0"/>
-                      </a:endParaRPr>
-                    </a:p>
-                  </a:txBody>
-                  <a:tcPr marL="68580" marR="68580" marT="0" marB="0"/>
-                </a:tc>
-                <a:tc gridSpan="2">
-                  <a:txBody>
-                    <a:bodyPr/>
-                    <a:lstStyle/>
-                    <a:p>
-                      <a:pPr>
-                        <a:lnSpc>
-                          <a:spcPct val="107000"/>
-                        </a:lnSpc>
-                        <a:spcAft>
-                          <a:spcPts val="0"/>
-                        </a:spcAft>
-                      </a:pPr>
-                      <a:r>
-                        <a:rPr lang="en-PH" sz="1100">
-                          <a:effectLst/>
-                        </a:rPr>
-                        <a:t>The System accumulates the votes that were successfully stored inside the database</a:t>
-                      </a:r>
-                      <a:endParaRPr lang="en-PH" sz="1100">
-                        <a:effectLst/>
-                        <a:latin typeface="Calibri" panose="020F0502020204030204" pitchFamily="34" charset="0"/>
-                        <a:ea typeface="Calibri" panose="020F0502020204030204" pitchFamily="34" charset="0"/>
-                        <a:cs typeface="Times New Roman" panose="02020603050405020304" pitchFamily="18" charset="0"/>
-                      </a:endParaRPr>
-                    </a:p>
-                  </a:txBody>
-                  <a:tcPr marL="68580" marR="68580" marT="0" marB="0"/>
-                </a:tc>
-                <a:tc hMerge="1">
-                  <a:txBody>
-                    <a:bodyPr/>
-                    <a:lstStyle/>
-                    <a:p>
-                      <a:endParaRPr lang="en-PH"/>
-                    </a:p>
-                  </a:txBody>
-                  <a:tcPr/>
-                </a:tc>
-                <a:extLst>
-                  <a:ext uri="{0D108BD9-81ED-4DB2-BD59-A6C34878D82A}">
-                    <a16:rowId xmlns:a16="http://schemas.microsoft.com/office/drawing/2014/main" val="3862086350"/>
-                  </a:ext>
-                </a:extLst>
-              </a:tr>
-              <a:tr h="0">
-                <a:tc>
-                  <a:txBody>
-                    <a:bodyPr/>
-                    <a:lstStyle/>
-                    <a:p>
-                      <a:pPr>
-                        <a:lnSpc>
-                          <a:spcPct val="107000"/>
-                        </a:lnSpc>
-                        <a:spcAft>
-                          <a:spcPts val="0"/>
-                        </a:spcAft>
-                      </a:pPr>
-                      <a:r>
-                        <a:rPr lang="en-PH" sz="1100">
-                          <a:effectLst/>
-                        </a:rPr>
-                        <a:t>Actor(s):</a:t>
-                      </a:r>
-                      <a:endParaRPr lang="en-PH" sz="1100">
-                        <a:effectLst/>
-                        <a:latin typeface="Calibri" panose="020F0502020204030204" pitchFamily="34" charset="0"/>
-                        <a:ea typeface="Calibri" panose="020F0502020204030204" pitchFamily="34" charset="0"/>
-                        <a:cs typeface="Times New Roman" panose="02020603050405020304" pitchFamily="18" charset="0"/>
-                      </a:endParaRPr>
-                    </a:p>
-                  </a:txBody>
-                  <a:tcPr marL="68580" marR="68580" marT="0" marB="0"/>
-                </a:tc>
-                <a:tc gridSpan="2">
-                  <a:txBody>
-                    <a:bodyPr/>
-                    <a:lstStyle/>
-                    <a:p>
-                      <a:pPr>
-                        <a:lnSpc>
-                          <a:spcPct val="107000"/>
-                        </a:lnSpc>
-                        <a:spcAft>
-                          <a:spcPts val="0"/>
-                        </a:spcAft>
-                      </a:pPr>
-                      <a:r>
-                        <a:rPr lang="en-PH" sz="1100">
-                          <a:effectLst/>
-                        </a:rPr>
-                        <a:t>BEI</a:t>
-                      </a:r>
-                      <a:endParaRPr lang="en-PH" sz="1100">
-                        <a:effectLst/>
-                        <a:latin typeface="Calibri" panose="020F0502020204030204" pitchFamily="34" charset="0"/>
-                        <a:ea typeface="Calibri" panose="020F0502020204030204" pitchFamily="34" charset="0"/>
-                        <a:cs typeface="Times New Roman" panose="02020603050405020304" pitchFamily="18" charset="0"/>
-                      </a:endParaRPr>
-                    </a:p>
-                  </a:txBody>
-                  <a:tcPr marL="68580" marR="68580" marT="0" marB="0"/>
-                </a:tc>
-                <a:tc hMerge="1">
-                  <a:txBody>
-                    <a:bodyPr/>
-                    <a:lstStyle/>
-                    <a:p>
-                      <a:endParaRPr lang="en-PH"/>
-                    </a:p>
-                  </a:txBody>
-                  <a:tcPr/>
-                </a:tc>
-                <a:extLst>
-                  <a:ext uri="{0D108BD9-81ED-4DB2-BD59-A6C34878D82A}">
-                    <a16:rowId xmlns:a16="http://schemas.microsoft.com/office/drawing/2014/main" val="1955659606"/>
-                  </a:ext>
-                </a:extLst>
-              </a:tr>
-              <a:tr h="0">
-                <a:tc>
-                  <a:txBody>
-                    <a:bodyPr/>
-                    <a:lstStyle/>
-                    <a:p>
-                      <a:pPr>
-                        <a:lnSpc>
-                          <a:spcPct val="107000"/>
-                        </a:lnSpc>
-                        <a:spcAft>
-                          <a:spcPts val="0"/>
-                        </a:spcAft>
-                      </a:pPr>
-                      <a:r>
-                        <a:rPr lang="en-PH" sz="1100">
-                          <a:effectLst/>
-                        </a:rPr>
-                        <a:t>Related Use Cases:</a:t>
-                      </a:r>
-                      <a:endParaRPr lang="en-PH" sz="1100">
-                        <a:effectLst/>
-                        <a:latin typeface="Calibri" panose="020F0502020204030204" pitchFamily="34" charset="0"/>
-                        <a:ea typeface="Calibri" panose="020F0502020204030204" pitchFamily="34" charset="0"/>
-                        <a:cs typeface="Times New Roman" panose="02020603050405020304" pitchFamily="18" charset="0"/>
-                      </a:endParaRPr>
-                    </a:p>
-                  </a:txBody>
-                  <a:tcPr marL="68580" marR="68580" marT="0" marB="0"/>
-                </a:tc>
-                <a:tc gridSpan="2">
-                  <a:txBody>
-                    <a:bodyPr/>
-                    <a:lstStyle/>
-                    <a:p>
-                      <a:pPr>
-                        <a:lnSpc>
-                          <a:spcPct val="107000"/>
-                        </a:lnSpc>
-                        <a:spcAft>
-                          <a:spcPts val="0"/>
-                        </a:spcAft>
-                      </a:pPr>
-                      <a:r>
-                        <a:rPr lang="en-PH" sz="1100">
-                          <a:effectLst/>
-                        </a:rPr>
-                        <a:t>----</a:t>
-                      </a:r>
-                      <a:endParaRPr lang="en-PH" sz="1100">
-                        <a:effectLst/>
-                        <a:latin typeface="Calibri" panose="020F0502020204030204" pitchFamily="34" charset="0"/>
-                        <a:ea typeface="Calibri" panose="020F0502020204030204" pitchFamily="34" charset="0"/>
-                        <a:cs typeface="Times New Roman" panose="02020603050405020304" pitchFamily="18" charset="0"/>
-                      </a:endParaRPr>
-                    </a:p>
-                  </a:txBody>
-                  <a:tcPr marL="68580" marR="68580" marT="0" marB="0"/>
-                </a:tc>
-                <a:tc hMerge="1">
-                  <a:txBody>
-                    <a:bodyPr/>
-                    <a:lstStyle/>
-                    <a:p>
-                      <a:endParaRPr lang="en-PH"/>
-                    </a:p>
-                  </a:txBody>
-                  <a:tcPr/>
-                </a:tc>
-                <a:extLst>
-                  <a:ext uri="{0D108BD9-81ED-4DB2-BD59-A6C34878D82A}">
-                    <a16:rowId xmlns:a16="http://schemas.microsoft.com/office/drawing/2014/main" val="2879175762"/>
-                  </a:ext>
-                </a:extLst>
-              </a:tr>
-              <a:tr h="0">
-                <a:tc>
-                  <a:txBody>
-                    <a:bodyPr/>
-                    <a:lstStyle/>
-                    <a:p>
-                      <a:pPr>
-                        <a:lnSpc>
-                          <a:spcPct val="107000"/>
-                        </a:lnSpc>
-                        <a:spcAft>
-                          <a:spcPts val="0"/>
-                        </a:spcAft>
-                      </a:pPr>
-                      <a:r>
-                        <a:rPr lang="en-PH" sz="1100">
-                          <a:effectLst/>
-                        </a:rPr>
-                        <a:t>Stakeholders:</a:t>
-                      </a:r>
-                      <a:endParaRPr lang="en-PH" sz="1100">
-                        <a:effectLst/>
-                        <a:latin typeface="Calibri" panose="020F0502020204030204" pitchFamily="34" charset="0"/>
-                        <a:ea typeface="Calibri" panose="020F0502020204030204" pitchFamily="34" charset="0"/>
-                        <a:cs typeface="Times New Roman" panose="02020603050405020304" pitchFamily="18" charset="0"/>
-                      </a:endParaRPr>
-                    </a:p>
-                  </a:txBody>
-                  <a:tcPr marL="68580" marR="68580" marT="0" marB="0"/>
-                </a:tc>
-                <a:tc gridSpan="2">
-                  <a:txBody>
-                    <a:bodyPr/>
-                    <a:lstStyle/>
-                    <a:p>
-                      <a:pPr>
-                        <a:lnSpc>
-                          <a:spcPct val="107000"/>
-                        </a:lnSpc>
-                        <a:spcAft>
-                          <a:spcPts val="0"/>
-                        </a:spcAft>
-                      </a:pPr>
-                      <a:r>
-                        <a:rPr lang="en-PH" sz="1100">
-                          <a:effectLst/>
-                        </a:rPr>
-                        <a:t>The BEI ensures that no anomalies are being done when accumulating the votes</a:t>
-                      </a:r>
-                      <a:endParaRPr lang="en-PH" sz="1100">
-                        <a:effectLst/>
-                        <a:latin typeface="Calibri" panose="020F0502020204030204" pitchFamily="34" charset="0"/>
-                        <a:ea typeface="Calibri" panose="020F0502020204030204" pitchFamily="34" charset="0"/>
-                        <a:cs typeface="Times New Roman" panose="02020603050405020304" pitchFamily="18" charset="0"/>
-                      </a:endParaRPr>
-                    </a:p>
-                  </a:txBody>
-                  <a:tcPr marL="68580" marR="68580" marT="0" marB="0"/>
-                </a:tc>
-                <a:tc hMerge="1">
-                  <a:txBody>
-                    <a:bodyPr/>
-                    <a:lstStyle/>
-                    <a:p>
-                      <a:endParaRPr lang="en-PH"/>
-                    </a:p>
-                  </a:txBody>
-                  <a:tcPr/>
-                </a:tc>
-                <a:extLst>
-                  <a:ext uri="{0D108BD9-81ED-4DB2-BD59-A6C34878D82A}">
-                    <a16:rowId xmlns:a16="http://schemas.microsoft.com/office/drawing/2014/main" val="2621470240"/>
-                  </a:ext>
-                </a:extLst>
-              </a:tr>
-              <a:tr h="0">
-                <a:tc>
-                  <a:txBody>
-                    <a:bodyPr/>
-                    <a:lstStyle/>
-                    <a:p>
-                      <a:pPr>
-                        <a:lnSpc>
-                          <a:spcPct val="107000"/>
-                        </a:lnSpc>
-                        <a:spcAft>
-                          <a:spcPts val="0"/>
-                        </a:spcAft>
-                      </a:pPr>
-                      <a:r>
-                        <a:rPr lang="en-PH" sz="1100">
-                          <a:effectLst/>
-                        </a:rPr>
-                        <a:t>Precondition:</a:t>
-                      </a:r>
-                      <a:endParaRPr lang="en-PH" sz="1100">
-                        <a:effectLst/>
-                        <a:latin typeface="Calibri" panose="020F0502020204030204" pitchFamily="34" charset="0"/>
-                        <a:ea typeface="Calibri" panose="020F0502020204030204" pitchFamily="34" charset="0"/>
-                        <a:cs typeface="Times New Roman" panose="02020603050405020304" pitchFamily="18" charset="0"/>
-                      </a:endParaRPr>
-                    </a:p>
-                  </a:txBody>
-                  <a:tcPr marL="68580" marR="68580" marT="0" marB="0"/>
-                </a:tc>
-                <a:tc gridSpan="2">
-                  <a:txBody>
-                    <a:bodyPr/>
-                    <a:lstStyle/>
-                    <a:p>
-                      <a:pPr>
-                        <a:lnSpc>
-                          <a:spcPct val="107000"/>
-                        </a:lnSpc>
-                        <a:spcAft>
-                          <a:spcPts val="0"/>
-                        </a:spcAft>
-                      </a:pPr>
-                      <a:r>
-                        <a:rPr lang="en-PH" sz="1100">
-                          <a:effectLst/>
-                        </a:rPr>
-                        <a:t>Votes in the ballot are stored in a database</a:t>
-                      </a:r>
-                      <a:endParaRPr lang="en-PH" sz="1100">
-                        <a:effectLst/>
-                        <a:latin typeface="Calibri" panose="020F0502020204030204" pitchFamily="34" charset="0"/>
-                        <a:ea typeface="Calibri" panose="020F0502020204030204" pitchFamily="34" charset="0"/>
-                        <a:cs typeface="Times New Roman" panose="02020603050405020304" pitchFamily="18" charset="0"/>
-                      </a:endParaRPr>
-                    </a:p>
-                  </a:txBody>
-                  <a:tcPr marL="68580" marR="68580" marT="0" marB="0"/>
-                </a:tc>
-                <a:tc hMerge="1">
-                  <a:txBody>
-                    <a:bodyPr/>
-                    <a:lstStyle/>
-                    <a:p>
-                      <a:endParaRPr lang="en-PH"/>
-                    </a:p>
-                  </a:txBody>
-                  <a:tcPr/>
-                </a:tc>
-                <a:extLst>
-                  <a:ext uri="{0D108BD9-81ED-4DB2-BD59-A6C34878D82A}">
-                    <a16:rowId xmlns:a16="http://schemas.microsoft.com/office/drawing/2014/main" val="2552857519"/>
-                  </a:ext>
-                </a:extLst>
-              </a:tr>
-              <a:tr h="0">
-                <a:tc>
-                  <a:txBody>
-                    <a:bodyPr/>
-                    <a:lstStyle/>
-                    <a:p>
-                      <a:pPr>
-                        <a:lnSpc>
-                          <a:spcPct val="107000"/>
-                        </a:lnSpc>
-                        <a:spcAft>
-                          <a:spcPts val="0"/>
-                        </a:spcAft>
-                      </a:pPr>
-                      <a:r>
-                        <a:rPr lang="en-PH" sz="1100">
-                          <a:effectLst/>
-                        </a:rPr>
-                        <a:t>Postcondition:</a:t>
-                      </a:r>
-                      <a:endParaRPr lang="en-PH" sz="1100">
-                        <a:effectLst/>
-                        <a:latin typeface="Calibri" panose="020F0502020204030204" pitchFamily="34" charset="0"/>
-                        <a:ea typeface="Calibri" panose="020F0502020204030204" pitchFamily="34" charset="0"/>
-                        <a:cs typeface="Times New Roman" panose="02020603050405020304" pitchFamily="18" charset="0"/>
-                      </a:endParaRPr>
-                    </a:p>
-                  </a:txBody>
-                  <a:tcPr marL="68580" marR="68580" marT="0" marB="0"/>
-                </a:tc>
-                <a:tc gridSpan="2">
-                  <a:txBody>
-                    <a:bodyPr/>
-                    <a:lstStyle/>
-                    <a:p>
-                      <a:pPr>
-                        <a:lnSpc>
-                          <a:spcPct val="107000"/>
-                        </a:lnSpc>
-                        <a:spcAft>
-                          <a:spcPts val="0"/>
-                        </a:spcAft>
-                      </a:pPr>
-                      <a:r>
-                        <a:rPr lang="en-PH" sz="1100">
-                          <a:effectLst/>
-                        </a:rPr>
-                        <a:t>Votes are accumulated</a:t>
-                      </a:r>
-                      <a:endParaRPr lang="en-PH" sz="1100">
-                        <a:effectLst/>
-                        <a:latin typeface="Calibri" panose="020F0502020204030204" pitchFamily="34" charset="0"/>
-                        <a:ea typeface="Calibri" panose="020F0502020204030204" pitchFamily="34" charset="0"/>
-                        <a:cs typeface="Times New Roman" panose="02020603050405020304" pitchFamily="18" charset="0"/>
-                      </a:endParaRPr>
-                    </a:p>
-                  </a:txBody>
-                  <a:tcPr marL="68580" marR="68580" marT="0" marB="0"/>
-                </a:tc>
-                <a:tc hMerge="1">
-                  <a:txBody>
-                    <a:bodyPr/>
-                    <a:lstStyle/>
-                    <a:p>
-                      <a:endParaRPr lang="en-PH"/>
-                    </a:p>
-                  </a:txBody>
-                  <a:tcPr/>
-                </a:tc>
-                <a:extLst>
-                  <a:ext uri="{0D108BD9-81ED-4DB2-BD59-A6C34878D82A}">
-                    <a16:rowId xmlns:a16="http://schemas.microsoft.com/office/drawing/2014/main" val="1492319187"/>
-                  </a:ext>
-                </a:extLst>
-              </a:tr>
-              <a:tr h="0">
-                <a:tc>
-                  <a:txBody>
-                    <a:bodyPr/>
-                    <a:lstStyle/>
-                    <a:p>
-                      <a:pPr>
-                        <a:lnSpc>
-                          <a:spcPct val="107000"/>
-                        </a:lnSpc>
-                        <a:spcAft>
-                          <a:spcPts val="0"/>
-                        </a:spcAft>
-                      </a:pPr>
-                      <a:r>
-                        <a:rPr lang="en-PH" sz="1100">
-                          <a:effectLst/>
-                        </a:rPr>
-                        <a:t>Basic Flow:</a:t>
-                      </a:r>
-                      <a:endParaRPr lang="en-PH" sz="1100">
-                        <a:effectLst/>
-                        <a:latin typeface="Calibri" panose="020F0502020204030204" pitchFamily="34" charset="0"/>
-                        <a:ea typeface="Calibri" panose="020F0502020204030204" pitchFamily="34" charset="0"/>
-                        <a:cs typeface="Times New Roman" panose="02020603050405020304" pitchFamily="18" charset="0"/>
-                      </a:endParaRPr>
-                    </a:p>
-                  </a:txBody>
-                  <a:tcPr marL="68580" marR="68580" marT="0" marB="0"/>
-                </a:tc>
-                <a:tc>
-                  <a:txBody>
-                    <a:bodyPr/>
-                    <a:lstStyle/>
-                    <a:p>
-                      <a:pPr>
-                        <a:lnSpc>
-                          <a:spcPct val="107000"/>
-                        </a:lnSpc>
-                        <a:spcAft>
-                          <a:spcPts val="0"/>
-                        </a:spcAft>
-                      </a:pPr>
-                      <a:r>
-                        <a:rPr lang="en-PH" sz="1100">
-                          <a:effectLst/>
-                        </a:rPr>
-                        <a:t>Actor:</a:t>
-                      </a:r>
-                    </a:p>
-                    <a:p>
-                      <a:pPr>
-                        <a:lnSpc>
-                          <a:spcPct val="107000"/>
-                        </a:lnSpc>
-                        <a:spcAft>
-                          <a:spcPts val="0"/>
-                        </a:spcAft>
-                      </a:pPr>
-                      <a:r>
-                        <a:rPr lang="en-PH" sz="1100">
-                          <a:effectLst/>
-                        </a:rPr>
-                        <a:t> </a:t>
-                      </a:r>
-                    </a:p>
-                    <a:p>
-                      <a:pPr>
-                        <a:lnSpc>
-                          <a:spcPct val="107000"/>
-                        </a:lnSpc>
-                        <a:spcAft>
-                          <a:spcPts val="0"/>
-                        </a:spcAft>
-                      </a:pPr>
-                      <a:r>
-                        <a:rPr lang="en-PH" sz="1100">
-                          <a:effectLst/>
-                        </a:rPr>
-                        <a:t>1. The BEI checks whether the VCM is accumulating the votes</a:t>
-                      </a:r>
-                      <a:endParaRPr lang="en-PH" sz="1100">
-                        <a:effectLst/>
-                        <a:latin typeface="Calibri" panose="020F0502020204030204" pitchFamily="34" charset="0"/>
-                        <a:ea typeface="Calibri" panose="020F0502020204030204" pitchFamily="34" charset="0"/>
-                        <a:cs typeface="Times New Roman" panose="02020603050405020304" pitchFamily="18" charset="0"/>
-                      </a:endParaRPr>
-                    </a:p>
-                  </a:txBody>
-                  <a:tcPr marL="68580" marR="68580" marT="0" marB="0"/>
-                </a:tc>
-                <a:tc>
-                  <a:txBody>
-                    <a:bodyPr/>
-                    <a:lstStyle/>
-                    <a:p>
-                      <a:pPr>
-                        <a:lnSpc>
-                          <a:spcPct val="107000"/>
-                        </a:lnSpc>
-                        <a:spcAft>
-                          <a:spcPts val="0"/>
-                        </a:spcAft>
-                      </a:pPr>
-                      <a:r>
-                        <a:rPr lang="en-PH" sz="1100" dirty="0">
-                          <a:effectLst/>
-                        </a:rPr>
-                        <a:t>System Response:</a:t>
-                      </a:r>
-                    </a:p>
-                    <a:p>
-                      <a:pPr>
-                        <a:lnSpc>
-                          <a:spcPct val="107000"/>
-                        </a:lnSpc>
-                        <a:spcAft>
-                          <a:spcPts val="0"/>
-                        </a:spcAft>
-                      </a:pPr>
-                      <a:r>
-                        <a:rPr lang="en-PH" sz="1100" dirty="0">
-                          <a:effectLst/>
-                        </a:rPr>
-                        <a:t> </a:t>
-                      </a:r>
-                    </a:p>
-                    <a:p>
-                      <a:pPr>
-                        <a:lnSpc>
-                          <a:spcPct val="107000"/>
-                        </a:lnSpc>
-                        <a:spcAft>
-                          <a:spcPts val="0"/>
-                        </a:spcAft>
-                      </a:pPr>
-                      <a:r>
-                        <a:rPr lang="en-PH" sz="1100" dirty="0">
-                          <a:effectLst/>
-                        </a:rPr>
-                        <a:t>1.1 The system will display a signal if it is or has accumulated the votes</a:t>
-                      </a:r>
-                      <a:endParaRPr lang="en-PH" sz="1100" dirty="0">
-                        <a:effectLst/>
-                        <a:latin typeface="Calibri" panose="020F0502020204030204" pitchFamily="34" charset="0"/>
-                        <a:ea typeface="Calibri" panose="020F0502020204030204" pitchFamily="34" charset="0"/>
-                        <a:cs typeface="Times New Roman" panose="02020603050405020304" pitchFamily="18" charset="0"/>
-                      </a:endParaRPr>
-                    </a:p>
-                  </a:txBody>
-                  <a:tcPr marL="68580" marR="68580" marT="0" marB="0"/>
-                </a:tc>
-                <a:extLst>
-                  <a:ext uri="{0D108BD9-81ED-4DB2-BD59-A6C34878D82A}">
-                    <a16:rowId xmlns:a16="http://schemas.microsoft.com/office/drawing/2014/main" val="278497575"/>
-                  </a:ext>
-                </a:extLst>
-              </a:tr>
-            </a:tbl>
-          </a:graphicData>
-        </a:graphic>
-      </p:graphicFrame>
-      <p:graphicFrame>
-        <p:nvGraphicFramePr>
-          <p:cNvPr id="8" name="Table 7"/>
-          <p:cNvGraphicFramePr>
-            <a:graphicFrameLocks noGrp="1"/>
-          </p:cNvGraphicFramePr>
-          <p:nvPr>
-            <p:extLst>
-              <p:ext uri="{D42A27DB-BD31-4B8C-83A1-F6EECF244321}">
-                <p14:modId xmlns:p14="http://schemas.microsoft.com/office/powerpoint/2010/main" val="443964873"/>
-              </p:ext>
-            </p:extLst>
-          </p:nvPr>
-        </p:nvGraphicFramePr>
-        <p:xfrm>
-          <a:off x="1916761" y="4776067"/>
-          <a:ext cx="5937250" cy="426720"/>
-        </p:xfrm>
-        <a:graphic>
-          <a:graphicData uri="http://schemas.openxmlformats.org/drawingml/2006/table">
-            <a:tbl>
-              <a:tblPr firstRow="1" bandRow="1">
-                <a:tableStyleId>{5C22544A-7EE6-4342-B048-85BDC9FD1C3A}</a:tableStyleId>
-              </a:tblPr>
-              <a:tblGrid>
-                <a:gridCol w="1346711">
-                  <a:extLst>
-                    <a:ext uri="{9D8B030D-6E8A-4147-A177-3AD203B41FA5}">
-                      <a16:colId xmlns:a16="http://schemas.microsoft.com/office/drawing/2014/main" val="2373195061"/>
-                    </a:ext>
-                  </a:extLst>
-                </a:gridCol>
-                <a:gridCol w="4590539">
-                  <a:extLst>
-                    <a:ext uri="{9D8B030D-6E8A-4147-A177-3AD203B41FA5}">
-                      <a16:colId xmlns:a16="http://schemas.microsoft.com/office/drawing/2014/main" val="427143043"/>
-                    </a:ext>
-                  </a:extLst>
-                </a:gridCol>
-              </a:tblGrid>
-              <a:tr h="370840">
-                <a:tc>
-                  <a:txBody>
-                    <a:bodyPr/>
-                    <a:lstStyle/>
-                    <a:p>
-                      <a:r>
-                        <a:rPr lang="en-PH" sz="1100" dirty="0"/>
-                        <a:t>Exceptions:</a:t>
-                      </a:r>
-                    </a:p>
-                  </a:txBody>
-                  <a:tcPr>
-                    <a:solidFill>
-                      <a:srgbClr val="ED7D31"/>
-                    </a:solidFill>
-                  </a:tcPr>
-                </a:tc>
-                <a:tc>
-                  <a:txBody>
-                    <a:bodyPr/>
-                    <a:lstStyle/>
-                    <a:p>
-                      <a:pPr marL="0" marR="0" indent="0" algn="l" defTabSz="914400" rtl="0" eaLnBrk="1" fontAlgn="auto" latinLnBrk="0" hangingPunct="1">
-                        <a:lnSpc>
-                          <a:spcPct val="100000"/>
-                        </a:lnSpc>
-                        <a:spcBef>
-                          <a:spcPts val="0"/>
-                        </a:spcBef>
-                        <a:spcAft>
-                          <a:spcPts val="0"/>
-                        </a:spcAft>
-                        <a:buClrTx/>
-                        <a:buSzTx/>
-                        <a:buFontTx/>
-                        <a:buNone/>
-                        <a:tabLst/>
-                        <a:defRPr/>
-                      </a:pPr>
-                      <a:r>
-                        <a:rPr lang="en-PH" sz="1100" b="0" dirty="0">
-                          <a:solidFill>
-                            <a:schemeClr val="tx1"/>
-                          </a:solidFill>
-                        </a:rPr>
-                        <a:t>1.1.1</a:t>
-                      </a:r>
-                      <a:r>
-                        <a:rPr lang="en-PH" sz="1100" b="0" baseline="0" dirty="0">
-                          <a:solidFill>
-                            <a:schemeClr val="tx1"/>
-                          </a:solidFill>
-                        </a:rPr>
-                        <a:t> If there is a miscalculations of votes , system will display error message.</a:t>
-                      </a:r>
-                    </a:p>
-                    <a:p>
-                      <a:endParaRPr lang="en-PH" sz="1100" b="0" dirty="0">
-                        <a:solidFill>
-                          <a:schemeClr val="tx1"/>
-                        </a:solidFill>
-                      </a:endParaRPr>
-                    </a:p>
-                  </a:txBody>
-                  <a:tcPr>
-                    <a:solidFill>
-                      <a:srgbClr val="FCECE8"/>
-                    </a:solidFill>
-                  </a:tcPr>
-                </a:tc>
-                <a:extLst>
-                  <a:ext uri="{0D108BD9-81ED-4DB2-BD59-A6C34878D82A}">
-                    <a16:rowId xmlns:a16="http://schemas.microsoft.com/office/drawing/2014/main" val="4271669032"/>
+                    <a16:rowId xmlns:a16="http://schemas.microsoft.com/office/drawing/2014/main" val="3758057300"/>
                   </a:ext>
                 </a:extLst>
               </a:tr>
@@ -13263,52 +12914,46 @@
       </p:pic>
       <p:graphicFrame>
         <p:nvGraphicFramePr>
-          <p:cNvPr id="3" name="Table 2"/>
+          <p:cNvPr id="4" name="Table 3"/>
           <p:cNvGraphicFramePr>
             <a:graphicFrameLocks noGrp="1"/>
           </p:cNvGraphicFramePr>
-          <p:nvPr>
-            <p:extLst>
-              <p:ext uri="{D42A27DB-BD31-4B8C-83A1-F6EECF244321}">
-                <p14:modId xmlns:p14="http://schemas.microsoft.com/office/powerpoint/2010/main" val="3127076474"/>
-              </p:ext>
-            </p:extLst>
-          </p:nvPr>
+          <p:nvPr/>
         </p:nvGraphicFramePr>
         <p:xfrm>
-          <a:off x="2262127" y="1690688"/>
-          <a:ext cx="5143487" cy="4565904"/>
+          <a:off x="3215648" y="1669254"/>
+          <a:ext cx="5760703" cy="4597595"/>
         </p:xfrm>
         <a:graphic>
           <a:graphicData uri="http://schemas.openxmlformats.org/drawingml/2006/table">
             <a:tbl>
               <a:tblPr firstRow="1" firstCol="1" bandRow="1">
-                <a:tableStyleId>{21E4AEA4-8DFA-4A89-87EB-49C32662AFE0}</a:tableStyleId>
+                <a:tableStyleId>{5C22544A-7EE6-4342-B048-85BDC9FD1C3A}</a:tableStyleId>
               </a:tblPr>
               <a:tblGrid>
-                <a:gridCol w="1167324">
+                <a:gridCol w="1307402">
                   <a:extLst>
                     <a:ext uri="{9D8B030D-6E8A-4147-A177-3AD203B41FA5}">
-                      <a16:colId xmlns:a16="http://schemas.microsoft.com/office/drawing/2014/main" val="1839289399"/>
+                      <a16:colId xmlns:a16="http://schemas.microsoft.com/office/drawing/2014/main" val="1588589723"/>
                     </a:ext>
                   </a:extLst>
                 </a:gridCol>
-                <a:gridCol w="1840103">
+                <a:gridCol w="2060915">
                   <a:extLst>
                     <a:ext uri="{9D8B030D-6E8A-4147-A177-3AD203B41FA5}">
-                      <a16:colId xmlns:a16="http://schemas.microsoft.com/office/drawing/2014/main" val="25001869"/>
+                      <a16:colId xmlns:a16="http://schemas.microsoft.com/office/drawing/2014/main" val="1528434917"/>
                     </a:ext>
                   </a:extLst>
                 </a:gridCol>
-                <a:gridCol w="2136060">
+                <a:gridCol w="2392386">
                   <a:extLst>
                     <a:ext uri="{9D8B030D-6E8A-4147-A177-3AD203B41FA5}">
-                      <a16:colId xmlns:a16="http://schemas.microsoft.com/office/drawing/2014/main" val="3211717634"/>
+                      <a16:colId xmlns:a16="http://schemas.microsoft.com/office/drawing/2014/main" val="3991441944"/>
                     </a:ext>
                   </a:extLst>
                 </a:gridCol>
               </a:tblGrid>
-              <a:tr h="155405">
+              <a:tr h="174054">
                 <a:tc>
                   <a:txBody>
                     <a:bodyPr/>
@@ -13323,12 +12968,12 @@
                         </a:spcAft>
                       </a:pPr>
                       <a:r>
-                        <a:rPr lang="en-PH" sz="1000">
+                        <a:rPr lang="en-PH" sz="1100">
                           <a:effectLst/>
                         </a:rPr>
                         <a:t>Use Case Name:</a:t>
                       </a:r>
-                      <a:endParaRPr lang="en-PH" sz="1000">
+                      <a:endParaRPr lang="en-PH" sz="1100">
                         <a:effectLst/>
                         <a:latin typeface="Calibri" panose="020F0502020204030204" pitchFamily="34" charset="0"/>
                         <a:ea typeface="Calibri" panose="020F0502020204030204" pitchFamily="34" charset="0"/>
@@ -13336,7 +12981,7 @@
                       </a:endParaRPr>
                     </a:p>
                   </a:txBody>
-                  <a:tcPr marL="59411" marR="59411" marT="0" marB="0"/>
+                  <a:tcPr marL="66541" marR="66541" marT="0" marB="0"/>
                 </a:tc>
                 <a:tc gridSpan="2">
                   <a:txBody>
@@ -13352,24 +12997,12 @@
                         </a:spcAft>
                       </a:pPr>
                       <a:r>
-                        <a:rPr lang="en-PH" sz="1000" dirty="0">
-                          <a:effectLst/>
-                          <a:latin typeface="+mn-lt"/>
-                          <a:ea typeface="+mn-ea"/>
-                          <a:cs typeface="+mn-cs"/>
-                        </a:rPr>
-                        <a:t>Verify</a:t>
-                      </a:r>
-                      <a:r>
-                        <a:rPr lang="en-PH" sz="1000" baseline="0" dirty="0">
-                          <a:effectLst/>
-                          <a:latin typeface="+mn-lt"/>
-                          <a:ea typeface="+mn-ea"/>
-                          <a:cs typeface="+mn-cs"/>
-                        </a:rPr>
-                        <a:t> hash value</a:t>
-                      </a:r>
-                      <a:endParaRPr lang="en-PH" sz="1000" dirty="0">
+                        <a:rPr lang="en-PH" sz="1100">
+                          <a:effectLst/>
+                        </a:rPr>
+                        <a:t>Verifies hash value</a:t>
+                      </a:r>
+                      <a:endParaRPr lang="en-PH" sz="1100">
                         <a:effectLst/>
                         <a:latin typeface="Calibri" panose="020F0502020204030204" pitchFamily="34" charset="0"/>
                         <a:ea typeface="Calibri" panose="020F0502020204030204" pitchFamily="34" charset="0"/>
@@ -13377,7 +13010,7 @@
                       </a:endParaRPr>
                     </a:p>
                   </a:txBody>
-                  <a:tcPr marL="59411" marR="59411" marT="0" marB="0"/>
+                  <a:tcPr marL="66541" marR="66541" marT="0" marB="0"/>
                 </a:tc>
                 <a:tc hMerge="1">
                   <a:txBody>
@@ -13391,11 +13024,11 @@
                 </a:tc>
                 <a:extLst>
                   <a:ext uri="{0D108BD9-81ED-4DB2-BD59-A6C34878D82A}">
-                    <a16:rowId xmlns:a16="http://schemas.microsoft.com/office/drawing/2014/main" val="3612955167"/>
+                    <a16:rowId xmlns:a16="http://schemas.microsoft.com/office/drawing/2014/main" val="3225571095"/>
                   </a:ext>
                 </a:extLst>
               </a:tr>
-              <a:tr h="155405">
+              <a:tr h="348107">
                 <a:tc>
                   <a:txBody>
                     <a:bodyPr/>
@@ -13410,12 +13043,12 @@
                         </a:spcAft>
                       </a:pPr>
                       <a:r>
-                        <a:rPr lang="en-PH" sz="1000">
+                        <a:rPr lang="en-PH" sz="1100">
                           <a:effectLst/>
                         </a:rPr>
                         <a:t>Scenario:</a:t>
                       </a:r>
-                      <a:endParaRPr lang="en-PH" sz="1000">
+                      <a:endParaRPr lang="en-PH" sz="1100">
                         <a:effectLst/>
                         <a:latin typeface="Calibri" panose="020F0502020204030204" pitchFamily="34" charset="0"/>
                         <a:ea typeface="Calibri" panose="020F0502020204030204" pitchFamily="34" charset="0"/>
@@ -13423,7 +13056,7 @@
                       </a:endParaRPr>
                     </a:p>
                   </a:txBody>
-                  <a:tcPr marL="59411" marR="59411" marT="0" marB="0"/>
+                  <a:tcPr marL="66541" marR="66541" marT="0" marB="0"/>
                 </a:tc>
                 <a:tc gridSpan="2">
                   <a:txBody>
@@ -13439,12 +13072,12 @@
                         </a:spcAft>
                       </a:pPr>
                       <a:r>
-                        <a:rPr lang="en-PH" sz="1000">
-                          <a:effectLst/>
-                        </a:rPr>
-                        <a:t>The BEI transmits the votes to MBOC</a:t>
-                      </a:r>
-                      <a:endParaRPr lang="en-PH" sz="1000">
+                        <a:rPr lang="en-PH" sz="1100">
+                          <a:effectLst/>
+                        </a:rPr>
+                        <a:t>CCS, Central Server and, Transparency Server verify hash value of the received election returns</a:t>
+                      </a:r>
+                      <a:endParaRPr lang="en-PH" sz="1100">
                         <a:effectLst/>
                         <a:latin typeface="Calibri" panose="020F0502020204030204" pitchFamily="34" charset="0"/>
                         <a:ea typeface="Calibri" panose="020F0502020204030204" pitchFamily="34" charset="0"/>
@@ -13452,7 +13085,7 @@
                       </a:endParaRPr>
                     </a:p>
                   </a:txBody>
-                  <a:tcPr marL="59411" marR="59411" marT="0" marB="0"/>
+                  <a:tcPr marL="66541" marR="66541" marT="0" marB="0"/>
                 </a:tc>
                 <a:tc hMerge="1">
                   <a:txBody>
@@ -13466,11 +13099,11 @@
                 </a:tc>
                 <a:extLst>
                   <a:ext uri="{0D108BD9-81ED-4DB2-BD59-A6C34878D82A}">
-                    <a16:rowId xmlns:a16="http://schemas.microsoft.com/office/drawing/2014/main" val="3618355469"/>
+                    <a16:rowId xmlns:a16="http://schemas.microsoft.com/office/drawing/2014/main" val="3761419522"/>
                   </a:ext>
                 </a:extLst>
               </a:tr>
-              <a:tr h="155405">
+              <a:tr h="174054">
                 <a:tc>
                   <a:txBody>
                     <a:bodyPr/>
@@ -13485,12 +13118,12 @@
                         </a:spcAft>
                       </a:pPr>
                       <a:r>
-                        <a:rPr lang="en-PH" sz="1000">
+                        <a:rPr lang="en-PH" sz="1100">
                           <a:effectLst/>
                         </a:rPr>
                         <a:t>Triggering Event:</a:t>
                       </a:r>
-                      <a:endParaRPr lang="en-PH" sz="1000">
+                      <a:endParaRPr lang="en-PH" sz="1100">
                         <a:effectLst/>
                         <a:latin typeface="Calibri" panose="020F0502020204030204" pitchFamily="34" charset="0"/>
                         <a:ea typeface="Calibri" panose="020F0502020204030204" pitchFamily="34" charset="0"/>
@@ -13498,7 +13131,7 @@
                       </a:endParaRPr>
                     </a:p>
                   </a:txBody>
-                  <a:tcPr marL="59411" marR="59411" marT="0" marB="0"/>
+                  <a:tcPr marL="66541" marR="66541" marT="0" marB="0"/>
                 </a:tc>
                 <a:tc gridSpan="2">
                   <a:txBody>
@@ -13514,12 +13147,12 @@
                         </a:spcAft>
                       </a:pPr>
                       <a:r>
-                        <a:rPr lang="en-PH" sz="1000">
+                        <a:rPr lang="en-PH" sz="1100">
                           <a:effectLst/>
                         </a:rPr>
                         <a:t>Completion of Precinct Votes</a:t>
                       </a:r>
-                      <a:endParaRPr lang="en-PH" sz="1000">
+                      <a:endParaRPr lang="en-PH" sz="1100">
                         <a:effectLst/>
                         <a:latin typeface="Calibri" panose="020F0502020204030204" pitchFamily="34" charset="0"/>
                         <a:ea typeface="Calibri" panose="020F0502020204030204" pitchFamily="34" charset="0"/>
@@ -13527,7 +13160,7 @@
                       </a:endParaRPr>
                     </a:p>
                   </a:txBody>
-                  <a:tcPr marL="59411" marR="59411" marT="0" marB="0"/>
+                  <a:tcPr marL="66541" marR="66541" marT="0" marB="0"/>
                 </a:tc>
                 <a:tc hMerge="1">
                   <a:txBody>
@@ -13541,11 +13174,11 @@
                 </a:tc>
                 <a:extLst>
                   <a:ext uri="{0D108BD9-81ED-4DB2-BD59-A6C34878D82A}">
-                    <a16:rowId xmlns:a16="http://schemas.microsoft.com/office/drawing/2014/main" val="458394541"/>
+                    <a16:rowId xmlns:a16="http://schemas.microsoft.com/office/drawing/2014/main" val="3782409696"/>
                   </a:ext>
                 </a:extLst>
               </a:tr>
-              <a:tr h="310810">
+              <a:tr h="174054">
                 <a:tc>
                   <a:txBody>
                     <a:bodyPr/>
@@ -13560,12 +13193,12 @@
                         </a:spcAft>
                       </a:pPr>
                       <a:r>
-                        <a:rPr lang="en-PH" sz="1000">
+                        <a:rPr lang="en-PH" sz="1100">
                           <a:effectLst/>
                         </a:rPr>
                         <a:t>Brief Description:</a:t>
                       </a:r>
-                      <a:endParaRPr lang="en-PH" sz="1000">
+                      <a:endParaRPr lang="en-PH" sz="1100">
                         <a:effectLst/>
                         <a:latin typeface="Calibri" panose="020F0502020204030204" pitchFamily="34" charset="0"/>
                         <a:ea typeface="Calibri" panose="020F0502020204030204" pitchFamily="34" charset="0"/>
@@ -13573,7 +13206,7 @@
                       </a:endParaRPr>
                     </a:p>
                   </a:txBody>
-                  <a:tcPr marL="59411" marR="59411" marT="0" marB="0"/>
+                  <a:tcPr marL="66541" marR="66541" marT="0" marB="0"/>
                 </a:tc>
                 <a:tc gridSpan="2">
                   <a:txBody>
@@ -13589,12 +13222,12 @@
                         </a:spcAft>
                       </a:pPr>
                       <a:r>
-                        <a:rPr lang="en-PH" sz="1000">
-                          <a:effectLst/>
-                        </a:rPr>
-                        <a:t>The BEI transmits the votes of the accumulated precinct level votes to the MBOC of the municipal level through the transmitting function of the VCM</a:t>
-                      </a:r>
-                      <a:endParaRPr lang="en-PH" sz="1000">
+                        <a:rPr lang="en-PH" sz="1100">
+                          <a:effectLst/>
+                        </a:rPr>
+                        <a:t>Received encrypted election returns</a:t>
+                      </a:r>
+                      <a:endParaRPr lang="en-PH" sz="1100">
                         <a:effectLst/>
                         <a:latin typeface="Calibri" panose="020F0502020204030204" pitchFamily="34" charset="0"/>
                         <a:ea typeface="Calibri" panose="020F0502020204030204" pitchFamily="34" charset="0"/>
@@ -13602,7 +13235,7 @@
                       </a:endParaRPr>
                     </a:p>
                   </a:txBody>
-                  <a:tcPr marL="59411" marR="59411" marT="0" marB="0"/>
+                  <a:tcPr marL="66541" marR="66541" marT="0" marB="0"/>
                 </a:tc>
                 <a:tc hMerge="1">
                   <a:txBody>
@@ -13616,11 +13249,11 @@
                 </a:tc>
                 <a:extLst>
                   <a:ext uri="{0D108BD9-81ED-4DB2-BD59-A6C34878D82A}">
-                    <a16:rowId xmlns:a16="http://schemas.microsoft.com/office/drawing/2014/main" val="1179708784"/>
+                    <a16:rowId xmlns:a16="http://schemas.microsoft.com/office/drawing/2014/main" val="2939257132"/>
                   </a:ext>
                 </a:extLst>
               </a:tr>
-              <a:tr h="155405">
+              <a:tr h="174054">
                 <a:tc>
                   <a:txBody>
                     <a:bodyPr/>
@@ -13635,12 +13268,12 @@
                         </a:spcAft>
                       </a:pPr>
                       <a:r>
-                        <a:rPr lang="en-PH" sz="1000">
+                        <a:rPr lang="en-PH" sz="1100">
                           <a:effectLst/>
                         </a:rPr>
                         <a:t>Actor(s):</a:t>
                       </a:r>
-                      <a:endParaRPr lang="en-PH" sz="1000">
+                      <a:endParaRPr lang="en-PH" sz="1100">
                         <a:effectLst/>
                         <a:latin typeface="Calibri" panose="020F0502020204030204" pitchFamily="34" charset="0"/>
                         <a:ea typeface="Calibri" panose="020F0502020204030204" pitchFamily="34" charset="0"/>
@@ -13648,7 +13281,7 @@
                       </a:endParaRPr>
                     </a:p>
                   </a:txBody>
-                  <a:tcPr marL="59411" marR="59411" marT="0" marB="0"/>
+                  <a:tcPr marL="66541" marR="66541" marT="0" marB="0"/>
                 </a:tc>
                 <a:tc gridSpan="2">
                   <a:txBody>
@@ -13664,12 +13297,12 @@
                         </a:spcAft>
                       </a:pPr>
                       <a:r>
-                        <a:rPr lang="en-PH" sz="1000">
-                          <a:effectLst/>
-                        </a:rPr>
-                        <a:t>BEI, MBOC</a:t>
-                      </a:r>
-                      <a:endParaRPr lang="en-PH" sz="1000">
+                        <a:rPr lang="en-PH" sz="1100">
+                          <a:effectLst/>
+                        </a:rPr>
+                        <a:t>VCM, CCS, Central Server, Transparency Server</a:t>
+                      </a:r>
+                      <a:endParaRPr lang="en-PH" sz="1100">
                         <a:effectLst/>
                         <a:latin typeface="Calibri" panose="020F0502020204030204" pitchFamily="34" charset="0"/>
                         <a:ea typeface="Calibri" panose="020F0502020204030204" pitchFamily="34" charset="0"/>
@@ -13677,7 +13310,7 @@
                       </a:endParaRPr>
                     </a:p>
                   </a:txBody>
-                  <a:tcPr marL="59411" marR="59411" marT="0" marB="0"/>
+                  <a:tcPr marL="66541" marR="66541" marT="0" marB="0"/>
                 </a:tc>
                 <a:tc hMerge="1">
                   <a:txBody>
@@ -13691,11 +13324,11 @@
                 </a:tc>
                 <a:extLst>
                   <a:ext uri="{0D108BD9-81ED-4DB2-BD59-A6C34878D82A}">
-                    <a16:rowId xmlns:a16="http://schemas.microsoft.com/office/drawing/2014/main" val="133552948"/>
+                    <a16:rowId xmlns:a16="http://schemas.microsoft.com/office/drawing/2014/main" val="465567687"/>
                   </a:ext>
                 </a:extLst>
               </a:tr>
-              <a:tr h="155405">
+              <a:tr h="174054">
                 <a:tc>
                   <a:txBody>
                     <a:bodyPr/>
@@ -13710,12 +13343,12 @@
                         </a:spcAft>
                       </a:pPr>
                       <a:r>
-                        <a:rPr lang="en-PH" sz="1000">
+                        <a:rPr lang="en-PH" sz="1100">
                           <a:effectLst/>
                         </a:rPr>
                         <a:t>Related Use Cases:</a:t>
                       </a:r>
-                      <a:endParaRPr lang="en-PH" sz="1000">
+                      <a:endParaRPr lang="en-PH" sz="1100">
                         <a:effectLst/>
                         <a:latin typeface="Calibri" panose="020F0502020204030204" pitchFamily="34" charset="0"/>
                         <a:ea typeface="Calibri" panose="020F0502020204030204" pitchFamily="34" charset="0"/>
@@ -13723,7 +13356,7 @@
                       </a:endParaRPr>
                     </a:p>
                   </a:txBody>
-                  <a:tcPr marL="59411" marR="59411" marT="0" marB="0"/>
+                  <a:tcPr marL="66541" marR="66541" marT="0" marB="0"/>
                 </a:tc>
                 <a:tc gridSpan="2">
                   <a:txBody>
@@ -13739,12 +13372,12 @@
                         </a:spcAft>
                       </a:pPr>
                       <a:r>
-                        <a:rPr lang="en-PH" sz="1000">
-                          <a:effectLst/>
-                        </a:rPr>
-                        <a:t>----</a:t>
-                      </a:r>
-                      <a:endParaRPr lang="en-PH" sz="1000">
+                        <a:rPr lang="en-PH" sz="1100">
+                          <a:effectLst/>
+                        </a:rPr>
+                        <a:t>Sends encrypted ERs</a:t>
+                      </a:r>
+                      <a:endParaRPr lang="en-PH" sz="1100">
                         <a:effectLst/>
                         <a:latin typeface="Calibri" panose="020F0502020204030204" pitchFamily="34" charset="0"/>
                         <a:ea typeface="Calibri" panose="020F0502020204030204" pitchFamily="34" charset="0"/>
@@ -13752,7 +13385,7 @@
                       </a:endParaRPr>
                     </a:p>
                   </a:txBody>
-                  <a:tcPr marL="59411" marR="59411" marT="0" marB="0"/>
+                  <a:tcPr marL="66541" marR="66541" marT="0" marB="0"/>
                 </a:tc>
                 <a:tc hMerge="1">
                   <a:txBody>
@@ -13766,11 +13399,11 @@
                 </a:tc>
                 <a:extLst>
                   <a:ext uri="{0D108BD9-81ED-4DB2-BD59-A6C34878D82A}">
-                    <a16:rowId xmlns:a16="http://schemas.microsoft.com/office/drawing/2014/main" val="1828467939"/>
+                    <a16:rowId xmlns:a16="http://schemas.microsoft.com/office/drawing/2014/main" val="2136834520"/>
                   </a:ext>
                 </a:extLst>
               </a:tr>
-              <a:tr h="310810">
+              <a:tr h="174054">
                 <a:tc>
                   <a:txBody>
                     <a:bodyPr/>
@@ -13785,12 +13418,12 @@
                         </a:spcAft>
                       </a:pPr>
                       <a:r>
-                        <a:rPr lang="en-PH" sz="1000">
+                        <a:rPr lang="en-PH" sz="1100">
                           <a:effectLst/>
                         </a:rPr>
                         <a:t>Stakeholders:</a:t>
                       </a:r>
-                      <a:endParaRPr lang="en-PH" sz="1000">
+                      <a:endParaRPr lang="en-PH" sz="1100">
                         <a:effectLst/>
                         <a:latin typeface="Calibri" panose="020F0502020204030204" pitchFamily="34" charset="0"/>
                         <a:ea typeface="Calibri" panose="020F0502020204030204" pitchFamily="34" charset="0"/>
@@ -13798,7 +13431,7 @@
                       </a:endParaRPr>
                     </a:p>
                   </a:txBody>
-                  <a:tcPr marL="59411" marR="59411" marT="0" marB="0"/>
+                  <a:tcPr marL="66541" marR="66541" marT="0" marB="0"/>
                 </a:tc>
                 <a:tc gridSpan="2">
                   <a:txBody>
@@ -13814,28 +13447,12 @@
                         </a:spcAft>
                       </a:pPr>
                       <a:r>
-                        <a:rPr lang="en-PH" sz="1000">
-                          <a:effectLst/>
-                        </a:rPr>
-                        <a:t>The BEI ensures that no anomalies are being done</a:t>
-                      </a:r>
-                    </a:p>
-                    <a:p>
-                      <a:pPr>
-                        <a:lnSpc>
-                          <a:spcPct val="107000"/>
-                        </a:lnSpc>
-                        <a:spcAft>
-                          <a:spcPts val="0"/>
-                        </a:spcAft>
-                      </a:pPr>
-                      <a:r>
-                        <a:rPr lang="en-PH" sz="1000">
-                          <a:effectLst/>
-                        </a:rPr>
-                        <a:t>The MBOC is the receiving party of the transmission</a:t>
-                      </a:r>
-                      <a:endParaRPr lang="en-PH" sz="1000">
+                        <a:rPr lang="en-PH" sz="1100">
+                          <a:effectLst/>
+                        </a:rPr>
+                        <a:t>Servers will determine if the hash values are authentic</a:t>
+                      </a:r>
+                      <a:endParaRPr lang="en-PH" sz="1100">
                         <a:effectLst/>
                         <a:latin typeface="Calibri" panose="020F0502020204030204" pitchFamily="34" charset="0"/>
                         <a:ea typeface="Calibri" panose="020F0502020204030204" pitchFamily="34" charset="0"/>
@@ -13843,7 +13460,7 @@
                       </a:endParaRPr>
                     </a:p>
                   </a:txBody>
-                  <a:tcPr marL="59411" marR="59411" marT="0" marB="0"/>
+                  <a:tcPr marL="66541" marR="66541" marT="0" marB="0"/>
                 </a:tc>
                 <a:tc hMerge="1">
                   <a:txBody>
@@ -13857,11 +13474,11 @@
                 </a:tc>
                 <a:extLst>
                   <a:ext uri="{0D108BD9-81ED-4DB2-BD59-A6C34878D82A}">
-                    <a16:rowId xmlns:a16="http://schemas.microsoft.com/office/drawing/2014/main" val="2341582957"/>
+                    <a16:rowId xmlns:a16="http://schemas.microsoft.com/office/drawing/2014/main" val="2520327184"/>
                   </a:ext>
                 </a:extLst>
               </a:tr>
-              <a:tr h="155405">
+              <a:tr h="174054">
                 <a:tc>
                   <a:txBody>
                     <a:bodyPr/>
@@ -13876,12 +13493,12 @@
                         </a:spcAft>
                       </a:pPr>
                       <a:r>
-                        <a:rPr lang="en-PH" sz="1000">
+                        <a:rPr lang="en-PH" sz="1100">
                           <a:effectLst/>
                         </a:rPr>
                         <a:t>Precondition:</a:t>
                       </a:r>
-                      <a:endParaRPr lang="en-PH" sz="1000">
+                      <a:endParaRPr lang="en-PH" sz="1100">
                         <a:effectLst/>
                         <a:latin typeface="Calibri" panose="020F0502020204030204" pitchFamily="34" charset="0"/>
                         <a:ea typeface="Calibri" panose="020F0502020204030204" pitchFamily="34" charset="0"/>
@@ -13889,7 +13506,7 @@
                       </a:endParaRPr>
                     </a:p>
                   </a:txBody>
-                  <a:tcPr marL="59411" marR="59411" marT="0" marB="0"/>
+                  <a:tcPr marL="66541" marR="66541" marT="0" marB="0"/>
                 </a:tc>
                 <a:tc gridSpan="2">
                   <a:txBody>
@@ -13905,12 +13522,12 @@
                         </a:spcAft>
                       </a:pPr>
                       <a:r>
-                        <a:rPr lang="en-PH" sz="1000">
-                          <a:effectLst/>
-                        </a:rPr>
-                        <a:t>Precinct votes are accumulated</a:t>
-                      </a:r>
-                      <a:endParaRPr lang="en-PH" sz="1000">
+                        <a:rPr lang="en-PH" sz="1100">
+                          <a:effectLst/>
+                        </a:rPr>
+                        <a:t>Sent encrypted ERs</a:t>
+                      </a:r>
+                      <a:endParaRPr lang="en-PH" sz="1100">
                         <a:effectLst/>
                         <a:latin typeface="Calibri" panose="020F0502020204030204" pitchFamily="34" charset="0"/>
                         <a:ea typeface="Calibri" panose="020F0502020204030204" pitchFamily="34" charset="0"/>
@@ -13918,7 +13535,7 @@
                       </a:endParaRPr>
                     </a:p>
                   </a:txBody>
-                  <a:tcPr marL="59411" marR="59411" marT="0" marB="0"/>
+                  <a:tcPr marL="66541" marR="66541" marT="0" marB="0"/>
                 </a:tc>
                 <a:tc hMerge="1">
                   <a:txBody>
@@ -13932,11 +13549,11 @@
                 </a:tc>
                 <a:extLst>
                   <a:ext uri="{0D108BD9-81ED-4DB2-BD59-A6C34878D82A}">
-                    <a16:rowId xmlns:a16="http://schemas.microsoft.com/office/drawing/2014/main" val="3745713642"/>
+                    <a16:rowId xmlns:a16="http://schemas.microsoft.com/office/drawing/2014/main" val="204200647"/>
                   </a:ext>
                 </a:extLst>
               </a:tr>
-              <a:tr h="155405">
+              <a:tr h="174054">
                 <a:tc>
                   <a:txBody>
                     <a:bodyPr/>
@@ -13951,12 +13568,12 @@
                         </a:spcAft>
                       </a:pPr>
                       <a:r>
-                        <a:rPr lang="en-PH" sz="1000">
+                        <a:rPr lang="en-PH" sz="1100">
                           <a:effectLst/>
                         </a:rPr>
                         <a:t>Postcondition:</a:t>
                       </a:r>
-                      <a:endParaRPr lang="en-PH" sz="1000">
+                      <a:endParaRPr lang="en-PH" sz="1100">
                         <a:effectLst/>
                         <a:latin typeface="Calibri" panose="020F0502020204030204" pitchFamily="34" charset="0"/>
                         <a:ea typeface="Calibri" panose="020F0502020204030204" pitchFamily="34" charset="0"/>
@@ -13964,7 +13581,7 @@
                       </a:endParaRPr>
                     </a:p>
                   </a:txBody>
-                  <a:tcPr marL="59411" marR="59411" marT="0" marB="0"/>
+                  <a:tcPr marL="66541" marR="66541" marT="0" marB="0"/>
                 </a:tc>
                 <a:tc gridSpan="2">
                   <a:txBody>
@@ -13980,12 +13597,12 @@
                         </a:spcAft>
                       </a:pPr>
                       <a:r>
-                        <a:rPr lang="en-PH" sz="1000">
-                          <a:effectLst/>
-                        </a:rPr>
-                        <a:t>Transmitted Precinct votes</a:t>
-                      </a:r>
-                      <a:endParaRPr lang="en-PH" sz="1000">
+                        <a:rPr lang="en-PH" sz="1100">
+                          <a:effectLst/>
+                        </a:rPr>
+                        <a:t>Verified Hash Value</a:t>
+                      </a:r>
+                      <a:endParaRPr lang="en-PH" sz="1100">
                         <a:effectLst/>
                         <a:latin typeface="Calibri" panose="020F0502020204030204" pitchFamily="34" charset="0"/>
                         <a:ea typeface="Calibri" panose="020F0502020204030204" pitchFamily="34" charset="0"/>
@@ -13993,7 +13610,7 @@
                       </a:endParaRPr>
                     </a:p>
                   </a:txBody>
-                  <a:tcPr marL="59411" marR="59411" marT="0" marB="0"/>
+                  <a:tcPr marL="66541" marR="66541" marT="0" marB="0"/>
                 </a:tc>
                 <a:tc hMerge="1">
                   <a:txBody>
@@ -14007,11 +13624,11 @@
                 </a:tc>
                 <a:extLst>
                   <a:ext uri="{0D108BD9-81ED-4DB2-BD59-A6C34878D82A}">
-                    <a16:rowId xmlns:a16="http://schemas.microsoft.com/office/drawing/2014/main" val="1645001334"/>
+                    <a16:rowId xmlns:a16="http://schemas.microsoft.com/office/drawing/2014/main" val="1384640326"/>
                   </a:ext>
                 </a:extLst>
               </a:tr>
-              <a:tr h="2641882">
+              <a:tr h="2262694">
                 <a:tc>
                   <a:txBody>
                     <a:bodyPr/>
@@ -14026,12 +13643,12 @@
                         </a:spcAft>
                       </a:pPr>
                       <a:r>
-                        <a:rPr lang="en-PH" sz="1000">
+                        <a:rPr lang="en-PH" sz="1100">
                           <a:effectLst/>
                         </a:rPr>
                         <a:t>Basic Flow:</a:t>
                       </a:r>
-                      <a:endParaRPr lang="en-PH" sz="1000">
+                      <a:endParaRPr lang="en-PH" sz="1100">
                         <a:effectLst/>
                         <a:latin typeface="Calibri" panose="020F0502020204030204" pitchFamily="34" charset="0"/>
                         <a:ea typeface="Calibri" panose="020F0502020204030204" pitchFamily="34" charset="0"/>
@@ -14039,7 +13656,7 @@
                       </a:endParaRPr>
                     </a:p>
                   </a:txBody>
-                  <a:tcPr marL="59411" marR="59411" marT="0" marB="0"/>
+                  <a:tcPr marL="66541" marR="66541" marT="0" marB="0"/>
                 </a:tc>
                 <a:tc>
                   <a:txBody>
@@ -14055,7 +13672,7 @@
                         </a:spcAft>
                       </a:pPr>
                       <a:r>
-                        <a:rPr lang="en-PH" sz="1000">
+                        <a:rPr lang="en-PH" sz="1100">
                           <a:effectLst/>
                         </a:rPr>
                         <a:t>Actor:</a:t>
@@ -14071,7 +13688,7 @@
                         </a:spcAft>
                       </a:pPr>
                       <a:r>
-                        <a:rPr lang="en-PH" sz="1000">
+                        <a:rPr lang="en-PH" sz="1100">
                           <a:effectLst/>
                         </a:rPr>
                         <a:t> </a:t>
@@ -14087,92 +13704,12 @@
                         </a:spcAft>
                       </a:pPr>
                       <a:r>
-                        <a:rPr lang="en-PH" sz="1000">
-                          <a:effectLst/>
-                        </a:rPr>
-                        <a:t>1. The BEI prompts the system to transmit the votes to the MBOC</a:t>
-                      </a:r>
-                    </a:p>
-                    <a:p>
-                      <a:pPr>
-                        <a:lnSpc>
-                          <a:spcPct val="107000"/>
-                        </a:lnSpc>
-                        <a:spcAft>
-                          <a:spcPts val="0"/>
-                        </a:spcAft>
-                      </a:pPr>
-                      <a:r>
-                        <a:rPr lang="en-PH" sz="1000">
-                          <a:effectLst/>
-                        </a:rPr>
-                        <a:t>2. The BEI checks whether the VCM is capable of transmitting the votes</a:t>
-                      </a:r>
-                    </a:p>
-                    <a:p>
-                      <a:pPr>
-                        <a:lnSpc>
-                          <a:spcPct val="107000"/>
-                        </a:lnSpc>
-                        <a:spcAft>
-                          <a:spcPts val="0"/>
-                        </a:spcAft>
-                      </a:pPr>
-                      <a:r>
-                        <a:rPr lang="en-PH" sz="1000">
-                          <a:effectLst/>
-                        </a:rPr>
-                        <a:t>3. The BEI checks the status of the transmission and reports to the MBOC</a:t>
-                      </a:r>
-                    </a:p>
-                    <a:p>
-                      <a:pPr>
-                        <a:lnSpc>
-                          <a:spcPct val="107000"/>
-                        </a:lnSpc>
-                        <a:spcAft>
-                          <a:spcPts val="0"/>
-                        </a:spcAft>
-                      </a:pPr>
-                      <a:r>
-                        <a:rPr lang="en-PH" sz="1000">
-                          <a:effectLst/>
-                        </a:rPr>
-                        <a:t>4. MBOC receives the transmitted precinct votes</a:t>
-                      </a:r>
-                    </a:p>
-                    <a:p>
-                      <a:pPr>
-                        <a:lnSpc>
-                          <a:spcPct val="107000"/>
-                        </a:lnSpc>
-                        <a:spcAft>
-                          <a:spcPts val="0"/>
-                        </a:spcAft>
-                      </a:pPr>
-                      <a:r>
-                        <a:rPr lang="en-PH" sz="1000">
-                          <a:effectLst/>
-                        </a:rPr>
-                        <a:t>5. MBOC Confirms the BEI that they had already received the votes of the precinct where the BEI is assigned</a:t>
-                      </a:r>
-                    </a:p>
-                    <a:p>
-                      <a:pPr>
-                        <a:lnSpc>
-                          <a:spcPct val="107000"/>
-                        </a:lnSpc>
-                        <a:spcAft>
-                          <a:spcPts val="0"/>
-                        </a:spcAft>
-                      </a:pPr>
-                      <a:r>
-                        <a:rPr lang="en-PH" sz="1000">
-                          <a:effectLst/>
-                        </a:rPr>
-                        <a:t> </a:t>
-                      </a:r>
-                      <a:endParaRPr lang="en-PH" sz="1000">
+                        <a:rPr lang="en-PH" sz="1100">
+                          <a:effectLst/>
+                        </a:rPr>
+                        <a:t>1. Poll watchers ensure that no one will intervene the transmission process.</a:t>
+                      </a:r>
+                      <a:endParaRPr lang="en-PH" sz="1100">
                         <a:effectLst/>
                         <a:latin typeface="Calibri" panose="020F0502020204030204" pitchFamily="34" charset="0"/>
                         <a:ea typeface="Calibri" panose="020F0502020204030204" pitchFamily="34" charset="0"/>
@@ -14180,7 +13717,7 @@
                       </a:endParaRPr>
                     </a:p>
                   </a:txBody>
-                  <a:tcPr marL="59411" marR="59411" marT="0" marB="0"/>
+                  <a:tcPr marL="66541" marR="66541" marT="0" marB="0"/>
                 </a:tc>
                 <a:tc>
                   <a:txBody>
@@ -14196,7 +13733,7 @@
                         </a:spcAft>
                       </a:pPr>
                       <a:r>
-                        <a:rPr lang="en-PH" sz="1000" dirty="0">
+                        <a:rPr lang="en-PH" sz="1100">
                           <a:effectLst/>
                         </a:rPr>
                         <a:t>System Response:</a:t>
@@ -14212,7 +13749,7 @@
                         </a:spcAft>
                       </a:pPr>
                       <a:r>
-                        <a:rPr lang="en-PH" sz="1000" dirty="0">
+                        <a:rPr lang="en-PH" sz="1100">
                           <a:effectLst/>
                         </a:rPr>
                         <a:t> </a:t>
@@ -14228,7 +13765,55 @@
                         </a:spcAft>
                       </a:pPr>
                       <a:r>
-                        <a:rPr lang="en-PH" sz="1000" dirty="0">
+                        <a:rPr lang="en-PH" sz="1100">
+                          <a:effectLst/>
+                        </a:rPr>
+                        <a:t>1.1 The servers will check the ER’s integrity by looking at the hash code.</a:t>
+                      </a:r>
+                    </a:p>
+                    <a:p>
+                      <a:pPr>
+                        <a:lnSpc>
+                          <a:spcPct val="107000"/>
+                        </a:lnSpc>
+                        <a:spcAft>
+                          <a:spcPts val="0"/>
+                        </a:spcAft>
+                      </a:pPr>
+                      <a:r>
+                        <a:rPr lang="en-PH" sz="1100">
+                          <a:effectLst/>
+                        </a:rPr>
+                        <a:t>1.2 Servers will now include the data in the official count of the votes if the hash codes matches.</a:t>
+                      </a:r>
+                    </a:p>
+                    <a:p>
+                      <a:pPr>
+                        <a:lnSpc>
+                          <a:spcPct val="107000"/>
+                        </a:lnSpc>
+                        <a:spcAft>
+                          <a:spcPts val="0"/>
+                        </a:spcAft>
+                      </a:pPr>
+                      <a:r>
+                        <a:rPr lang="en-PH" sz="1100">
+                          <a:effectLst/>
+                        </a:rPr>
+                        <a:t>1.3 In the event that there was an anomaly in the hash, the servers won’t accept the data thus calling the attention of the administrators.</a:t>
+                      </a:r>
+                    </a:p>
+                    <a:p>
+                      <a:pPr>
+                        <a:lnSpc>
+                          <a:spcPct val="107000"/>
+                        </a:lnSpc>
+                        <a:spcAft>
+                          <a:spcPts val="0"/>
+                        </a:spcAft>
+                      </a:pPr>
+                      <a:r>
+                        <a:rPr lang="en-PH" sz="1100">
                           <a:effectLst/>
                         </a:rPr>
                         <a:t> </a:t>
@@ -14244,140 +13829,12 @@
                         </a:spcAft>
                       </a:pPr>
                       <a:r>
-                        <a:rPr lang="en-PH" sz="1000" dirty="0">
+                        <a:rPr lang="en-PH" sz="1100">
                           <a:effectLst/>
                         </a:rPr>
                         <a:t> </a:t>
                       </a:r>
-                    </a:p>
-                    <a:p>
-                      <a:pPr>
-                        <a:lnSpc>
-                          <a:spcPct val="107000"/>
-                        </a:lnSpc>
-                        <a:spcAft>
-                          <a:spcPts val="0"/>
-                        </a:spcAft>
-                      </a:pPr>
-                      <a:r>
-                        <a:rPr lang="en-PH" sz="1000" dirty="0">
-                          <a:effectLst/>
-                        </a:rPr>
-                        <a:t>2.1 The system displays a message that it is ready for transmission</a:t>
-                      </a:r>
-                    </a:p>
-                    <a:p>
-                      <a:pPr>
-                        <a:lnSpc>
-                          <a:spcPct val="107000"/>
-                        </a:lnSpc>
-                        <a:spcAft>
-                          <a:spcPts val="0"/>
-                        </a:spcAft>
-                      </a:pPr>
-                      <a:r>
-                        <a:rPr lang="en-PH" sz="1000" dirty="0">
-                          <a:effectLst/>
-                        </a:rPr>
-                        <a:t> </a:t>
-                      </a:r>
-                    </a:p>
-                    <a:p>
-                      <a:pPr>
-                        <a:lnSpc>
-                          <a:spcPct val="107000"/>
-                        </a:lnSpc>
-                        <a:spcAft>
-                          <a:spcPts val="0"/>
-                        </a:spcAft>
-                      </a:pPr>
-                      <a:r>
-                        <a:rPr lang="en-PH" sz="1000" dirty="0">
-                          <a:effectLst/>
-                        </a:rPr>
-                        <a:t>3.1 The system displays the percentage of the already successful transmission</a:t>
-                      </a:r>
-                    </a:p>
-                    <a:p>
-                      <a:pPr>
-                        <a:lnSpc>
-                          <a:spcPct val="107000"/>
-                        </a:lnSpc>
-                        <a:spcAft>
-                          <a:spcPts val="0"/>
-                        </a:spcAft>
-                      </a:pPr>
-                      <a:r>
-                        <a:rPr lang="en-PH" sz="1000" dirty="0">
-                          <a:effectLst/>
-                        </a:rPr>
-                        <a:t> </a:t>
-                      </a:r>
-                    </a:p>
-                    <a:p>
-                      <a:pPr>
-                        <a:lnSpc>
-                          <a:spcPct val="107000"/>
-                        </a:lnSpc>
-                        <a:spcAft>
-                          <a:spcPts val="0"/>
-                        </a:spcAft>
-                      </a:pPr>
-                      <a:r>
-                        <a:rPr lang="en-PH" sz="1000" dirty="0">
-                          <a:effectLst/>
-                        </a:rPr>
-                        <a:t>4.1 The system displays a message that says transmission is 100% complete</a:t>
-                      </a:r>
-                    </a:p>
-                    <a:p>
-                      <a:pPr>
-                        <a:lnSpc>
-                          <a:spcPct val="107000"/>
-                        </a:lnSpc>
-                        <a:spcAft>
-                          <a:spcPts val="0"/>
-                        </a:spcAft>
-                      </a:pPr>
-                      <a:r>
-                        <a:rPr lang="en-PH" sz="1000" dirty="0">
-                          <a:effectLst/>
-                        </a:rPr>
-                        <a:t>5.1 Confirms that the recipient already received the votes</a:t>
-                      </a:r>
-                    </a:p>
-                    <a:p>
-                      <a:pPr>
-                        <a:lnSpc>
-                          <a:spcPct val="107000"/>
-                        </a:lnSpc>
-                        <a:spcAft>
-                          <a:spcPts val="0"/>
-                        </a:spcAft>
-                      </a:pPr>
-                      <a:r>
-                        <a:rPr lang="en-PH" sz="1000" dirty="0">
-                          <a:effectLst/>
-                        </a:rPr>
-                        <a:t> </a:t>
-                      </a:r>
-                    </a:p>
-                    <a:p>
-                      <a:pPr>
-                        <a:lnSpc>
-                          <a:spcPct val="107000"/>
-                        </a:lnSpc>
-                        <a:spcAft>
-                          <a:spcPts val="0"/>
-                        </a:spcAft>
-                      </a:pPr>
-                      <a:r>
-                        <a:rPr lang="en-PH" sz="1000" dirty="0">
-                          <a:effectLst/>
-                        </a:rPr>
-                        <a:t> </a:t>
-                      </a:r>
-                      <a:endParaRPr lang="en-PH" sz="1000" dirty="0">
+                      <a:endParaRPr lang="en-PH" sz="1100">
                         <a:effectLst/>
                         <a:latin typeface="Calibri" panose="020F0502020204030204" pitchFamily="34" charset="0"/>
                         <a:ea typeface="Calibri" panose="020F0502020204030204" pitchFamily="34" charset="0"/>
@@ -14385,113 +13842,102 @@
                       </a:endParaRPr>
                     </a:p>
                   </a:txBody>
-                  <a:tcPr marL="59411" marR="59411" marT="0" marB="0"/>
+                  <a:tcPr marL="66541" marR="66541" marT="0" marB="0"/>
                 </a:tc>
                 <a:extLst>
                   <a:ext uri="{0D108BD9-81ED-4DB2-BD59-A6C34878D82A}">
-                    <a16:rowId xmlns:a16="http://schemas.microsoft.com/office/drawing/2014/main" val="3780482028"/>
+                    <a16:rowId xmlns:a16="http://schemas.microsoft.com/office/drawing/2014/main" val="2798987985"/>
                   </a:ext>
                 </a:extLst>
               </a:tr>
-            </a:tbl>
-          </a:graphicData>
-        </a:graphic>
-      </p:graphicFrame>
-      <p:graphicFrame>
-        <p:nvGraphicFramePr>
-          <p:cNvPr id="8" name="Table 7"/>
-          <p:cNvGraphicFramePr>
-            <a:graphicFrameLocks noGrp="1"/>
-          </p:cNvGraphicFramePr>
-          <p:nvPr>
-            <p:extLst>
-              <p:ext uri="{D42A27DB-BD31-4B8C-83A1-F6EECF244321}">
-                <p14:modId xmlns:p14="http://schemas.microsoft.com/office/powerpoint/2010/main" val="277893188"/>
-              </p:ext>
-            </p:extLst>
-          </p:nvPr>
-        </p:nvGraphicFramePr>
-        <p:xfrm>
-          <a:off x="2262127" y="6256592"/>
-          <a:ext cx="5143487" cy="370840"/>
-        </p:xfrm>
-        <a:graphic>
-          <a:graphicData uri="http://schemas.openxmlformats.org/drawingml/2006/table">
-            <a:tbl>
-              <a:tblPr firstRow="1" bandRow="1">
-                <a:tableStyleId>{5C22544A-7EE6-4342-B048-85BDC9FD1C3A}</a:tableStyleId>
-              </a:tblPr>
-              <a:tblGrid>
-                <a:gridCol w="1166666">
-                  <a:extLst>
-                    <a:ext uri="{9D8B030D-6E8A-4147-A177-3AD203B41FA5}">
-                      <a16:colId xmlns:a16="http://schemas.microsoft.com/office/drawing/2014/main" val="2373195061"/>
-                    </a:ext>
-                  </a:extLst>
-                </a:gridCol>
-                <a:gridCol w="3976821">
-                  <a:extLst>
-                    <a:ext uri="{9D8B030D-6E8A-4147-A177-3AD203B41FA5}">
-                      <a16:colId xmlns:a16="http://schemas.microsoft.com/office/drawing/2014/main" val="427143043"/>
-                    </a:ext>
-                  </a:extLst>
-                </a:gridCol>
-              </a:tblGrid>
-              <a:tr h="370840">
+              <a:tr h="348107">
                 <a:tc>
                   <a:txBody>
                     <a:bodyPr/>
                     <a:lstStyle/>
                     <a:p>
-                      <a:r>
-                        <a:rPr lang="en-PH" sz="1100" dirty="0"/>
+                      <a:pPr>
+                        <a:lnSpc>
+                          <a:spcPct val="107000"/>
+                        </a:lnSpc>
+                        <a:spcAft>
+                          <a:spcPts val="0"/>
+                        </a:spcAft>
+                      </a:pPr>
+                      <a:r>
+                        <a:rPr lang="en-PH" sz="1100">
+                          <a:effectLst/>
+                        </a:rPr>
                         <a:t>Exceptions:</a:t>
                       </a:r>
-                    </a:p>
-                  </a:txBody>
-                  <a:tcPr>
-                    <a:solidFill>
-                      <a:srgbClr val="ED7D31"/>
-                    </a:solidFill>
-                  </a:tcPr>
-                </a:tc>
-                <a:tc>
-                  <a:txBody>
-                    <a:bodyPr/>
-                    <a:lstStyle/>
-                    <a:p>
-                      <a:r>
-                        <a:rPr lang="en-PH" sz="1100" b="0" dirty="0">
-                          <a:solidFill>
-                            <a:schemeClr val="tx1"/>
-                          </a:solidFill>
-                        </a:rPr>
-                        <a:t>1.1</a:t>
-                      </a:r>
-                      <a:r>
-                        <a:rPr lang="en-PH" sz="1100" b="0" baseline="0" dirty="0">
-                          <a:solidFill>
-                            <a:schemeClr val="tx1"/>
-                          </a:solidFill>
-                        </a:rPr>
-                        <a:t> Digital signature should be present</a:t>
-                      </a:r>
-                      <a:endParaRPr lang="en-PH" sz="1100" b="0" dirty="0">
-                        <a:solidFill>
-                          <a:schemeClr val="tx1"/>
-                        </a:solidFill>
+                      <a:endParaRPr lang="en-PH" sz="1100">
+                        <a:effectLst/>
+                        <a:latin typeface="Calibri" panose="020F0502020204030204" pitchFamily="34" charset="0"/>
+                        <a:ea typeface="Calibri" panose="020F0502020204030204" pitchFamily="34" charset="0"/>
+                        <a:cs typeface="Times New Roman" panose="02020603050405020304" pitchFamily="18" charset="0"/>
                       </a:endParaRPr>
                     </a:p>
                   </a:txBody>
-                  <a:tcPr>
-                    <a:solidFill>
-                      <a:srgbClr val="FCECE8"/>
-                    </a:solidFill>
-                  </a:tcPr>
+                  <a:tcPr marL="66541" marR="66541" marT="0" marB="0"/>
+                </a:tc>
+                <a:tc gridSpan="2">
+                  <a:txBody>
+                    <a:bodyPr/>
+                    <a:lstStyle/>
+                    <a:p>
+                      <a:pPr>
+                        <a:lnSpc>
+                          <a:spcPct val="107000"/>
+                        </a:lnSpc>
+                        <a:spcAft>
+                          <a:spcPts val="0"/>
+                        </a:spcAft>
+                      </a:pPr>
+                      <a:r>
+                        <a:rPr lang="en-PH" sz="1100" dirty="0">
+                          <a:effectLst/>
+                        </a:rPr>
+                        <a:t>The machines being used have defects making it impossible to communicate.</a:t>
+                      </a:r>
+                    </a:p>
+                    <a:p>
+                      <a:pPr>
+                        <a:lnSpc>
+                          <a:spcPct val="107000"/>
+                        </a:lnSpc>
+                        <a:spcAft>
+                          <a:spcPts val="0"/>
+                        </a:spcAft>
+                      </a:pPr>
+                      <a:r>
+                        <a:rPr lang="en-PH" sz="1100" dirty="0">
+                          <a:effectLst/>
+                        </a:rPr>
+                        <a:t>Human intervention is present and the system fails to serve its purpose.</a:t>
+                      </a:r>
+                      <a:endParaRPr lang="en-PH" sz="1100" dirty="0">
+                        <a:effectLst/>
+                        <a:latin typeface="Calibri" panose="020F0502020204030204" pitchFamily="34" charset="0"/>
+                        <a:ea typeface="Calibri" panose="020F0502020204030204" pitchFamily="34" charset="0"/>
+                        <a:cs typeface="Times New Roman" panose="02020603050405020304" pitchFamily="18" charset="0"/>
+                      </a:endParaRPr>
+                    </a:p>
+                  </a:txBody>
+                  <a:tcPr marL="66541" marR="66541" marT="0" marB="0"/>
+                </a:tc>
+                <a:tc hMerge="1">
+                  <a:txBody>
+                    <a:bodyPr/>
+                    <a:lstStyle/>
+                    <a:p>
+                      <a:endParaRPr lang="en-PH"/>
+                    </a:p>
+                  </a:txBody>
+                  <a:tcPr/>
                 </a:tc>
                 <a:extLst>
                   <a:ext uri="{0D108BD9-81ED-4DB2-BD59-A6C34878D82A}">
-                    <a16:rowId xmlns:a16="http://schemas.microsoft.com/office/drawing/2014/main" val="4271669032"/>
+                    <a16:rowId xmlns:a16="http://schemas.microsoft.com/office/drawing/2014/main" val="3845986332"/>
                   </a:ext>
                 </a:extLst>
               </a:tr>
